--- a/docs/code2cloud.pptx
+++ b/docs/code2cloud.pptx
@@ -12972,8 +12972,8 @@
         </p:nvSpPr>
         <p:spPr>
           <a:xfrm>
-            <a:off x="833718" y="202975"/>
-            <a:ext cx="7310678" cy="572700"/>
+            <a:off x="833718" y="133000"/>
+            <a:ext cx="7310700" cy="572700"/>
           </a:xfrm>
           <a:prstGeom prst="rect">
             <a:avLst/>
@@ -13024,17 +13024,18 @@
           <p:cNvPicPr preferRelativeResize="0"/>
           <p:nvPr/>
         </p:nvPicPr>
-        <p:blipFill rotWithShape="1">
+        <p:blipFill>
           <a:blip r:embed="rId3">
             <a:alphaModFix/>
           </a:blip>
-          <a:srcRect b="0" l="0" r="0" t="0"/>
-          <a:stretch/>
+          <a:stretch>
+            <a:fillRect/>
+          </a:stretch>
         </p:blipFill>
         <p:spPr>
           <a:xfrm>
-            <a:off x="1147156" y="785083"/>
-            <a:ext cx="6772541" cy="4155442"/>
+            <a:off x="833725" y="705700"/>
+            <a:ext cx="7598874" cy="4366950"/>
           </a:xfrm>
           <a:prstGeom prst="rect">
             <a:avLst/>

--- a/docs/code2cloud.pptx
+++ b/docs/code2cloud.pptx
@@ -2,27 +2,26 @@
 <file path=ppt/presentation.xml><?xml version="1.0" encoding="utf-8"?>
 <p:presentation xmlns:a="http://schemas.openxmlformats.org/drawingml/2006/main" xmlns:r="http://schemas.openxmlformats.org/officeDocument/2006/relationships" xmlns:mc="http://schemas.openxmlformats.org/markup-compatibility/2006" xmlns:mv="urn:schemas-microsoft-com:mac:vml" xmlns:p="http://schemas.openxmlformats.org/presentationml/2006/main" xmlns:c="http://schemas.openxmlformats.org/drawingml/2006/chart" xmlns:dgm="http://schemas.openxmlformats.org/drawingml/2006/diagram" xmlns:o="urn:schemas-microsoft-com:office:office" xmlns:v="urn:schemas-microsoft-com:vml" xmlns:pvml="urn:schemas-microsoft-com:office:powerpoint" xmlns:com="http://schemas.openxmlformats.org/drawingml/2006/compatibility" xmlns:p14="http://schemas.microsoft.com/office/powerpoint/2010/main" xmlns:p15="http://schemas.microsoft.com/office/powerpoint/2012/main" autoCompressPictures="0" embedTrueTypeFonts="1" strictFirstAndLastChars="0" saveSubsetFonts="1">
   <p:sldMasterIdLst>
-    <p:sldMasterId id="2147483659" r:id="rId3"/>
+    <p:sldMasterId id="2147483659" r:id="rId4"/>
   </p:sldMasterIdLst>
   <p:notesMasterIdLst>
-    <p:notesMasterId r:id="rId4"/>
+    <p:notesMasterId r:id="rId5"/>
   </p:notesMasterIdLst>
   <p:sldIdLst>
-    <p:sldId id="256" r:id="rId5"/>
-    <p:sldId id="257" r:id="rId6"/>
-    <p:sldId id="258" r:id="rId7"/>
-    <p:sldId id="259" r:id="rId8"/>
-    <p:sldId id="260" r:id="rId9"/>
-    <p:sldId id="261" r:id="rId10"/>
-    <p:sldId id="262" r:id="rId11"/>
-    <p:sldId id="263" r:id="rId12"/>
-    <p:sldId id="264" r:id="rId13"/>
-    <p:sldId id="265" r:id="rId14"/>
-    <p:sldId id="266" r:id="rId15"/>
-    <p:sldId id="267" r:id="rId16"/>
-    <p:sldId id="268" r:id="rId17"/>
-    <p:sldId id="269" r:id="rId18"/>
-    <p:sldId id="270" r:id="rId19"/>
+    <p:sldId id="256" r:id="rId6"/>
+    <p:sldId id="257" r:id="rId7"/>
+    <p:sldId id="258" r:id="rId8"/>
+    <p:sldId id="259" r:id="rId9"/>
+    <p:sldId id="260" r:id="rId10"/>
+    <p:sldId id="261" r:id="rId11"/>
+    <p:sldId id="262" r:id="rId12"/>
+    <p:sldId id="263" r:id="rId13"/>
+    <p:sldId id="264" r:id="rId14"/>
+    <p:sldId id="265" r:id="rId15"/>
+    <p:sldId id="266" r:id="rId16"/>
+    <p:sldId id="267" r:id="rId17"/>
+    <p:sldId id="268" r:id="rId18"/>
+    <p:sldId id="269" r:id="rId19"/>
   </p:sldIdLst>
   <p:sldSz cy="5143500" cx="9144000"/>
   <p:notesSz cx="6858000" cy="9144000"/>
@@ -950,7 +949,7 @@
             </a:pPr>
             <a:r>
               <a:rPr lang="en-US"/>
-              <a:t>I am Wen Gong, an Insight DevOps fellow. Thanks for the opportunity to share my devops experience at Insight. My project title is “code-to-cloud”, it is about streamlining development and release processes</a:t>
+              <a:t>I am Wen Gong, an Insight DevOps fellow. My project title is “code-to-cloud”, it is about streamlining development and release processes</a:t>
             </a:r>
             <a:endParaRPr/>
           </a:p>
@@ -1100,53 +1099,7 @@
                 <a:cs typeface="Roboto"/>
                 <a:sym typeface="Roboto"/>
               </a:rPr>
-              <a:t>We are given space to get hands-on experience building distributed platforms on AWS. </a:t>
-            </a:r>
-            <a:endParaRPr sz="1050">
-              <a:solidFill>
-                <a:srgbClr val="3C4043"/>
-              </a:solidFill>
-              <a:highlight>
-                <a:srgbClr val="FFFFFF"/>
-              </a:highlight>
-              <a:latin typeface="Roboto"/>
-              <a:ea typeface="Roboto"/>
-              <a:cs typeface="Roboto"/>
-              <a:sym typeface="Roboto"/>
-            </a:endParaRPr>
-          </a:p>
-          <a:p>
-            <a:pPr indent="0" lvl="0" marL="0" marR="0" rtl="0" algn="l">
-              <a:lnSpc>
-                <a:spcPct val="100000"/>
-              </a:lnSpc>
-              <a:spcBef>
-                <a:spcPts val="0"/>
-              </a:spcBef>
-              <a:spcAft>
-                <a:spcPts val="0"/>
-              </a:spcAft>
-              <a:buClr>
-                <a:srgbClr val="000000"/>
-              </a:buClr>
-              <a:buSzPts val="1400"/>
-              <a:buFont typeface="Arial"/>
-              <a:buNone/>
-            </a:pPr>
-            <a:r>
-              <a:rPr lang="en-US" sz="1050">
-                <a:solidFill>
-                  <a:srgbClr val="3C4043"/>
-                </a:solidFill>
-                <a:highlight>
-                  <a:srgbClr val="FFFFFF"/>
-                </a:highlight>
-                <a:latin typeface="Roboto"/>
-                <a:ea typeface="Roboto"/>
-                <a:cs typeface="Roboto"/>
-                <a:sym typeface="Roboto"/>
-              </a:rPr>
-              <a:t>The projects we are about to present were built in only three weeks!</a:t>
+              <a:t>We are given resource to get hands-on experience building demo on AWS in only three weeks!</a:t>
             </a:r>
             <a:endParaRPr sz="1050">
               <a:solidFill>
@@ -1229,7 +1182,7 @@
   <p:cSld>
     <p:spTree>
       <p:nvGrpSpPr>
-        <p:cNvPr id="110" name="Shape 110"/>
+        <p:cNvPr id="117" name="Shape 117"/>
         <p:cNvGrpSpPr/>
         <p:nvPr/>
       </p:nvGrpSpPr>
@@ -1243,7 +1196,7 @@
       </p:grpSpPr>
       <p:sp>
         <p:nvSpPr>
-          <p:cNvPr id="111" name="Google Shape;111;g4f601e854f_0_1:notes"/>
+          <p:cNvPr id="118" name="Google Shape;118;g4f601e854f_0_5:notes"/>
           <p:cNvSpPr/>
           <p:nvPr>
             <p:ph idx="2" type="sldImg"/>
@@ -1288,7 +1241,7 @@
       </p:sp>
       <p:sp>
         <p:nvSpPr>
-          <p:cNvPr id="112" name="Google Shape;112;g4f601e854f_0_1:notes"/>
+          <p:cNvPr id="119" name="Google Shape;119;g4f601e854f_0_5:notes"/>
           <p:cNvSpPr txBox="1"/>
           <p:nvPr>
             <p:ph idx="1" type="body"/>
@@ -1346,7 +1299,7 @@
   <p:cSld>
     <p:spTree>
       <p:nvGrpSpPr>
-        <p:cNvPr id="114" name="Shape 114"/>
+        <p:cNvPr id="122" name="Shape 122"/>
         <p:cNvGrpSpPr/>
         <p:nvPr/>
       </p:nvGrpSpPr>
@@ -1360,7 +1313,7 @@
       </p:grpSpPr>
       <p:sp>
         <p:nvSpPr>
-          <p:cNvPr id="115" name="Google Shape;115;g4ebfe77fbf_1_6:notes"/>
+          <p:cNvPr id="123" name="Google Shape;123;g4ebfe77fbf_1_6:notes"/>
           <p:cNvSpPr/>
           <p:nvPr>
             <p:ph idx="2" type="sldImg"/>
@@ -1405,7 +1358,7 @@
       </p:sp>
       <p:sp>
         <p:nvSpPr>
-          <p:cNvPr id="116" name="Google Shape;116;g4ebfe77fbf_1_6:notes"/>
+          <p:cNvPr id="124" name="Google Shape;124;g4ebfe77fbf_1_6:notes"/>
           <p:cNvSpPr txBox="1"/>
           <p:nvPr>
             <p:ph idx="1" type="body"/>
@@ -1486,7 +1439,7 @@
   <p:cSld>
     <p:spTree>
       <p:nvGrpSpPr>
-        <p:cNvPr id="120" name="Shape 120"/>
+        <p:cNvPr id="128" name="Shape 128"/>
         <p:cNvGrpSpPr/>
         <p:nvPr/>
       </p:nvGrpSpPr>
@@ -1500,7 +1453,7 @@
       </p:grpSpPr>
       <p:sp>
         <p:nvSpPr>
-          <p:cNvPr id="121" name="Google Shape;121;p3:notes"/>
+          <p:cNvPr id="129" name="Google Shape;129;p11:notes"/>
           <p:cNvSpPr/>
           <p:nvPr>
             <p:ph idx="2" type="sldImg"/>
@@ -1545,7 +1498,7 @@
       </p:sp>
       <p:sp>
         <p:nvSpPr>
-          <p:cNvPr id="122" name="Google Shape;122;p3:notes"/>
+          <p:cNvPr id="130" name="Google Shape;130;p11:notes"/>
           <p:cNvSpPr txBox="1"/>
           <p:nvPr>
             <p:ph idx="1" type="body"/>
@@ -1584,70 +1537,6 @@
               <a:buNone/>
             </a:pPr>
             <a:r>
-              <a:rPr lang="en-US"/>
-              <a:t>My devops journey started last Nov when I was accepted to Insight program. Since then I have learned a lot about this emerging field.</a:t>
-            </a:r>
-            <a:endParaRPr/>
-          </a:p>
-          <a:p>
-            <a:pPr indent="0" lvl="0" marL="0" rtl="0" algn="l">
-              <a:lnSpc>
-                <a:spcPct val="100000"/>
-              </a:lnSpc>
-              <a:spcBef>
-                <a:spcPts val="0"/>
-              </a:spcBef>
-              <a:spcAft>
-                <a:spcPts val="0"/>
-              </a:spcAft>
-              <a:buSzPts val="1400"/>
-              <a:buNone/>
-            </a:pPr>
-            <a:r>
-              <a:rPr lang="en-US"/>
-              <a:t>We not only write codes for application, but also write codes for build process (Jenkinsfiles) and infrastructure (Dockerfiles, playbook).</a:t>
-            </a:r>
-            <a:endParaRPr/>
-          </a:p>
-          <a:p>
-            <a:pPr indent="0" lvl="0" marL="0" marR="0" rtl="0" algn="l">
-              <a:lnSpc>
-                <a:spcPct val="100000"/>
-              </a:lnSpc>
-              <a:spcBef>
-                <a:spcPts val="0"/>
-              </a:spcBef>
-              <a:spcAft>
-                <a:spcPts val="0"/>
-              </a:spcAft>
-              <a:buClr>
-                <a:srgbClr val="000000"/>
-              </a:buClr>
-              <a:buSzPts val="1400"/>
-              <a:buFont typeface="Arial"/>
-              <a:buNone/>
-            </a:pPr>
-            <a:r>
-              <a:rPr lang="en-US"/>
-              <a:t>The close collaboration between dev team and ops team and continuous automation in devops offer us promising solutions to our problem.</a:t>
-            </a:r>
-            <a:endParaRPr/>
-          </a:p>
-          <a:p>
-            <a:pPr indent="0" lvl="0" marL="0" rtl="0" algn="l">
-              <a:lnSpc>
-                <a:spcPct val="100000"/>
-              </a:lnSpc>
-              <a:spcBef>
-                <a:spcPts val="0"/>
-              </a:spcBef>
-              <a:spcAft>
-                <a:spcPts val="0"/>
-              </a:spcAft>
-              <a:buSzPts val="1400"/>
-              <a:buNone/>
-            </a:pPr>
-            <a:r>
               <a:t/>
             </a:r>
             <a:endParaRPr/>
@@ -1667,7 +1556,7 @@
   <p:cSld>
     <p:spTree>
       <p:nvGrpSpPr>
-        <p:cNvPr id="126" name="Shape 126"/>
+        <p:cNvPr id="134" name="Shape 134"/>
         <p:cNvGrpSpPr/>
         <p:nvPr/>
       </p:nvGrpSpPr>
@@ -1681,7 +1570,7 @@
       </p:grpSpPr>
       <p:sp>
         <p:nvSpPr>
-          <p:cNvPr id="127" name="Google Shape;127;p11:notes"/>
+          <p:cNvPr id="135" name="Google Shape;135;p12:notes"/>
           <p:cNvSpPr/>
           <p:nvPr>
             <p:ph idx="2" type="sldImg"/>
@@ -1726,7 +1615,7 @@
       </p:sp>
       <p:sp>
         <p:nvSpPr>
-          <p:cNvPr id="128" name="Google Shape;128;p11:notes"/>
+          <p:cNvPr id="136" name="Google Shape;136;p12:notes"/>
           <p:cNvSpPr txBox="1"/>
           <p:nvPr>
             <p:ph idx="1" type="body"/>
@@ -1784,7 +1673,7 @@
   <p:cSld>
     <p:spTree>
       <p:nvGrpSpPr>
-        <p:cNvPr id="132" name="Shape 132"/>
+        <p:cNvPr id="140" name="Shape 140"/>
         <p:cNvGrpSpPr/>
         <p:nvPr/>
       </p:nvGrpSpPr>
@@ -1798,7 +1687,7 @@
       </p:grpSpPr>
       <p:sp>
         <p:nvSpPr>
-          <p:cNvPr id="133" name="Google Shape;133;p12:notes"/>
+          <p:cNvPr id="141" name="Google Shape;141;p7:notes"/>
           <p:cNvSpPr/>
           <p:nvPr>
             <p:ph idx="2" type="sldImg"/>
@@ -1843,124 +1732,7 @@
       </p:sp>
       <p:sp>
         <p:nvSpPr>
-          <p:cNvPr id="134" name="Google Shape;134;p12:notes"/>
-          <p:cNvSpPr txBox="1"/>
-          <p:nvPr>
-            <p:ph idx="1" type="body"/>
-          </p:nvPr>
-        </p:nvSpPr>
-        <p:spPr>
-          <a:xfrm>
-            <a:off x="685800" y="4343400"/>
-            <a:ext cx="5486400" cy="4114800"/>
-          </a:xfrm>
-          <a:prstGeom prst="rect">
-            <a:avLst/>
-          </a:prstGeom>
-          <a:noFill/>
-          <a:ln>
-            <a:noFill/>
-          </a:ln>
-        </p:spPr>
-        <p:txBody>
-          <a:bodyPr anchorCtr="0" anchor="t" bIns="91425" lIns="91425" spcFirstLastPara="1" rIns="91425" wrap="square" tIns="91425">
-            <a:noAutofit/>
-          </a:bodyPr>
-          <a:lstStyle/>
-          <a:p>
-            <a:pPr indent="0" lvl="0" marL="0" rtl="0" algn="l">
-              <a:lnSpc>
-                <a:spcPct val="100000"/>
-              </a:lnSpc>
-              <a:spcBef>
-                <a:spcPts val="0"/>
-              </a:spcBef>
-              <a:spcAft>
-                <a:spcPts val="0"/>
-              </a:spcAft>
-              <a:buSzPts val="1400"/>
-              <a:buNone/>
-            </a:pPr>
-            <a:r>
-              <a:t/>
-            </a:r>
-            <a:endParaRPr/>
-          </a:p>
-        </p:txBody>
-      </p:sp>
-    </p:spTree>
-  </p:cSld>
-  <p:clrMapOvr>
-    <a:masterClrMapping/>
-  </p:clrMapOvr>
-</p:notes>
-</file>
-
-<file path=ppt/notesSlides/notesSlide15.xml><?xml version="1.0" encoding="utf-8"?>
-<p:notes xmlns:a="http://schemas.openxmlformats.org/drawingml/2006/main" xmlns:r="http://schemas.openxmlformats.org/officeDocument/2006/relationships" xmlns:mc="http://schemas.openxmlformats.org/markup-compatibility/2006" xmlns:mv="urn:schemas-microsoft-com:mac:vml" xmlns:p="http://schemas.openxmlformats.org/presentationml/2006/main" xmlns:c="http://schemas.openxmlformats.org/drawingml/2006/chart" xmlns:dgm="http://schemas.openxmlformats.org/drawingml/2006/diagram" xmlns:o="urn:schemas-microsoft-com:office:office" xmlns:v="urn:schemas-microsoft-com:vml" xmlns:pvml="urn:schemas-microsoft-com:office:powerpoint" xmlns:com="http://schemas.openxmlformats.org/drawingml/2006/compatibility" xmlns:p14="http://schemas.microsoft.com/office/powerpoint/2010/main" xmlns:p15="http://schemas.microsoft.com/office/powerpoint/2012/main" showMasterPhAnim="0" showMasterSp="0">
-  <p:cSld>
-    <p:spTree>
-      <p:nvGrpSpPr>
-        <p:cNvPr id="138" name="Shape 138"/>
-        <p:cNvGrpSpPr/>
-        <p:nvPr/>
-      </p:nvGrpSpPr>
-      <p:grpSpPr>
-        <a:xfrm>
-          <a:off x="0" y="0"/>
-          <a:ext cx="0" cy="0"/>
-          <a:chOff x="0" y="0"/>
-          <a:chExt cx="0" cy="0"/>
-        </a:xfrm>
-      </p:grpSpPr>
-      <p:sp>
-        <p:nvSpPr>
-          <p:cNvPr id="139" name="Google Shape;139;p7:notes"/>
-          <p:cNvSpPr/>
-          <p:nvPr>
-            <p:ph idx="2" type="sldImg"/>
-          </p:nvPr>
-        </p:nvSpPr>
-        <p:spPr>
-          <a:xfrm>
-            <a:off x="381000" y="685800"/>
-            <a:ext cx="6096000" cy="3429000"/>
-          </a:xfrm>
-          <a:custGeom>
-            <a:rect b="b" l="l" r="r" t="t"/>
-            <a:pathLst>
-              <a:path extrusionOk="0" h="120000" w="120000">
-                <a:moveTo>
-                  <a:pt x="0" y="0"/>
-                </a:moveTo>
-                <a:lnTo>
-                  <a:pt x="120000" y="0"/>
-                </a:lnTo>
-                <a:lnTo>
-                  <a:pt x="120000" y="120000"/>
-                </a:lnTo>
-                <a:lnTo>
-                  <a:pt x="0" y="120000"/>
-                </a:lnTo>
-                <a:close/>
-              </a:path>
-            </a:pathLst>
-          </a:custGeom>
-          <a:noFill/>
-          <a:ln cap="flat" cmpd="sng" w="9525">
-            <a:solidFill>
-              <a:srgbClr val="000000"/>
-            </a:solidFill>
-            <a:prstDash val="solid"/>
-            <a:round/>
-            <a:headEnd len="sm" w="sm" type="none"/>
-            <a:tailEnd len="sm" w="sm" type="none"/>
-          </a:ln>
-        </p:spPr>
-      </p:sp>
-      <p:sp>
-        <p:nvSpPr>
-          <p:cNvPr id="140" name="Google Shape;140;p7:notes"/>
+          <p:cNvPr id="142" name="Google Shape;142;p7:notes"/>
           <p:cNvSpPr txBox="1"/>
           <p:nvPr>
             <p:ph idx="1" type="body"/>
@@ -2141,7 +1913,7 @@
             </a:pPr>
             <a:r>
               <a:rPr lang="en-US"/>
-              <a:t>There are 2 aspects to the problem:</a:t>
+              <a:t>There are 2 aspects to the problem that I am interested in:</a:t>
             </a:r>
             <a:endParaRPr/>
           </a:p>
@@ -2161,7 +1933,7 @@
             </a:pPr>
             <a:r>
               <a:rPr lang="en-US"/>
-              <a:t>First, how to automate the application development process from code, test, build, and deploy to cloud?</a:t>
+              <a:t>First, how to automate the development process from code, test, build, and deploy to cloud? Its business value is to achieve faster time-to-market speed</a:t>
             </a:r>
             <a:endParaRPr/>
           </a:p>
@@ -2181,7 +1953,7 @@
             </a:pPr>
             <a:r>
               <a:rPr lang="en-US"/>
-              <a:t>Its business value is to achieve faster time-to-market speed</a:t>
+              <a:t>Second, how can DevOps help business move to cloud to gain productivity and save costs?</a:t>
             </a:r>
             <a:endParaRPr/>
           </a:p>
@@ -2200,101 +1972,38 @@
               <a:buNone/>
             </a:pPr>
             <a:r>
+              <a:t/>
+            </a:r>
+            <a:endParaRPr/>
+          </a:p>
+          <a:p>
+            <a:pPr indent="0" lvl="0" marL="0" rtl="0" algn="l">
+              <a:lnSpc>
+                <a:spcPct val="100000"/>
+              </a:lnSpc>
+              <a:spcBef>
+                <a:spcPts val="0"/>
+              </a:spcBef>
+              <a:spcAft>
+                <a:spcPts val="0"/>
+              </a:spcAft>
+              <a:buSzPts val="1400"/>
+              <a:buNone/>
+            </a:pPr>
+            <a:r>
               <a:rPr lang="en-US"/>
-              <a:t>Second, How to migrate business to cloud in order to gain productivity and save costs?</a:t>
+              <a:t>Both aspects are challenges faced by many companies today.</a:t>
             </a:r>
             <a:endParaRPr/>
           </a:p>
           <a:p>
             <a:pPr indent="0" lvl="0" marL="0" rtl="0" algn="l">
-              <a:lnSpc>
-                <a:spcPct val="100000"/>
-              </a:lnSpc>
-              <a:spcBef>
-                <a:spcPts val="0"/>
-              </a:spcBef>
-              <a:spcAft>
-                <a:spcPts val="0"/>
-              </a:spcAft>
-              <a:buSzPts val="1400"/>
-              <a:buNone/>
-            </a:pPr>
-            <a:r>
-              <a:t/>
-            </a:r>
-            <a:endParaRPr/>
-          </a:p>
-          <a:p>
-            <a:pPr indent="0" lvl="0" marL="0" rtl="0" algn="l">
-              <a:lnSpc>
-                <a:spcPct val="100000"/>
-              </a:lnSpc>
-              <a:spcBef>
-                <a:spcPts val="0"/>
-              </a:spcBef>
-              <a:spcAft>
-                <a:spcPts val="0"/>
-              </a:spcAft>
-              <a:buSzPts val="1400"/>
-              <a:buNone/>
-            </a:pPr>
-            <a:r>
-              <a:rPr lang="en-US"/>
-              <a:t>I attended a virtual transformation conference by Amazon on Feb 6, above problem is high on the list facing many business today.</a:t>
-            </a:r>
-            <a:endParaRPr/>
-          </a:p>
-          <a:p>
-            <a:pPr indent="0" lvl="0" marL="0" rtl="0" algn="l">
-              <a:lnSpc>
-                <a:spcPct val="100000"/>
-              </a:lnSpc>
-              <a:spcBef>
-                <a:spcPts val="0"/>
-              </a:spcBef>
-              <a:spcAft>
-                <a:spcPts val="0"/>
-              </a:spcAft>
-              <a:buSzPts val="1400"/>
-              <a:buNone/>
-            </a:pPr>
-            <a:r>
-              <a:t/>
-            </a:r>
-            <a:endParaRPr/>
-          </a:p>
-          <a:p>
-            <a:pPr indent="0" lvl="0" marL="0" rtl="0" algn="l">
-              <a:lnSpc>
-                <a:spcPct val="100000"/>
-              </a:lnSpc>
-              <a:spcBef>
-                <a:spcPts val="0"/>
-              </a:spcBef>
-              <a:spcAft>
-                <a:spcPts val="0"/>
-              </a:spcAft>
-              <a:buSzPts val="1400"/>
-              <a:buNone/>
-            </a:pPr>
-            <a:r>
-              <a:rPr lang="en-US"/>
-              <a:t>DevOps is an emerging field with promise to solve above problems</a:t>
-            </a:r>
-            <a:endParaRPr/>
-          </a:p>
-          <a:p>
-            <a:pPr indent="0" lvl="0" marL="0" rtl="0" algn="l">
-              <a:lnSpc>
-                <a:spcPct val="100000"/>
-              </a:lnSpc>
-              <a:spcBef>
-                <a:spcPts val="0"/>
-              </a:spcBef>
-              <a:spcAft>
-                <a:spcPts val="0"/>
-              </a:spcAft>
-              <a:buSzPts val="1400"/>
+              <a:spcBef>
+                <a:spcPts val="0"/>
+              </a:spcBef>
+              <a:spcAft>
+                <a:spcPts val="0"/>
+              </a:spcAft>
               <a:buNone/>
             </a:pPr>
             <a:r>
@@ -2317,7 +2026,7 @@
   <p:cSld>
     <p:spTree>
       <p:nvGrpSpPr>
-        <p:cNvPr id="67" name="Shape 67"/>
+        <p:cNvPr id="71" name="Shape 71"/>
         <p:cNvGrpSpPr/>
         <p:nvPr/>
       </p:nvGrpSpPr>
@@ -2331,7 +2040,7 @@
       </p:grpSpPr>
       <p:sp>
         <p:nvSpPr>
-          <p:cNvPr id="68" name="Google Shape;68;p4:notes"/>
+          <p:cNvPr id="72" name="Google Shape;72;p4:notes"/>
           <p:cNvSpPr/>
           <p:nvPr>
             <p:ph idx="2" type="sldImg"/>
@@ -2376,7 +2085,7 @@
       </p:sp>
       <p:sp>
         <p:nvSpPr>
-          <p:cNvPr id="69" name="Google Shape;69;p4:notes"/>
+          <p:cNvPr id="73" name="Google Shape;73;p4:notes"/>
           <p:cNvSpPr txBox="1"/>
           <p:nvPr>
             <p:ph idx="1" type="body"/>
@@ -2416,7 +2125,7 @@
             </a:pPr>
             <a:r>
               <a:rPr lang="en-US"/>
-              <a:t>An essential aspect of DevOps is collaboration where Dev and Ops teams work together. </a:t>
+              <a:t>An important aspect of DevOps is collaboration between Dev and Ops teams.</a:t>
             </a:r>
             <a:endParaRPr/>
           </a:p>
@@ -2475,7 +2184,7 @@
             </a:pPr>
             <a:r>
               <a:rPr lang="en-US"/>
-              <a:t>Here is a DE pipeline which uses Lambda to process IoT traffic sensor data: XML upload to S3 triggers the Lambda function, which validate, clean and process XML, </a:t>
+              <a:t>Here is a DE pipeline that uses Lambda to process IoT traffic sensor data: </a:t>
             </a:r>
             <a:endParaRPr/>
           </a:p>
@@ -2495,7 +2204,26 @@
             </a:pPr>
             <a:r>
               <a:rPr lang="en-US"/>
-              <a:t>The schema and logs are saved to RDS/PostgreSQL, the unstructured traffic data are stored in DynamoDB. Dash as the monitor.</a:t>
+              <a:t>XML upload to S3 triggers the Lambda function, which validate, clean and process XML,  The schema and logs are saved to RDS/PostgreSQL, the unstructured traffic data are stored in DynamoDB. Dash is the monitor.</a:t>
+            </a:r>
+            <a:endParaRPr/>
+          </a:p>
+          <a:p>
+            <a:pPr indent="0" lvl="0" marL="0" rtl="0" algn="l">
+              <a:lnSpc>
+                <a:spcPct val="100000"/>
+              </a:lnSpc>
+              <a:spcBef>
+                <a:spcPts val="0"/>
+              </a:spcBef>
+              <a:spcAft>
+                <a:spcPts val="0"/>
+              </a:spcAft>
+              <a:buSzPts val="1400"/>
+              <a:buNone/>
+            </a:pPr>
+            <a:r>
+              <a:t/>
             </a:r>
             <a:endParaRPr/>
           </a:p>
@@ -2519,7 +2247,92 @@
             </a:pPr>
             <a:r>
               <a:rPr lang="en-US"/>
-              <a:t>This pipeline is very nice but lacked an integration test, without such a test case, we cannot add it to any build job. </a:t>
+              <a:t>This pipeline is very nice but lacked an integration test, without test case, it cannot be added to a build job. </a:t>
+            </a:r>
+            <a:endParaRPr/>
+          </a:p>
+          <a:p>
+            <a:pPr indent="0" lvl="0" marL="0" rtl="0" algn="l">
+              <a:lnSpc>
+                <a:spcPct val="100000"/>
+              </a:lnSpc>
+              <a:spcBef>
+                <a:spcPts val="0"/>
+              </a:spcBef>
+              <a:spcAft>
+                <a:spcPts val="0"/>
+              </a:spcAft>
+              <a:buSzPts val="1400"/>
+              <a:buNone/>
+            </a:pPr>
+            <a:r>
+              <a:t/>
+            </a:r>
+            <a:endParaRPr/>
+          </a:p>
+          <a:p>
+            <a:pPr indent="0" lvl="0" marL="0" rtl="0" algn="l">
+              <a:lnSpc>
+                <a:spcPct val="100000"/>
+              </a:lnSpc>
+              <a:spcBef>
+                <a:spcPts val="0"/>
+              </a:spcBef>
+              <a:spcAft>
+                <a:spcPts val="0"/>
+              </a:spcAft>
+              <a:buSzPts val="1400"/>
+              <a:buNone/>
+            </a:pPr>
+            <a:r>
+              <a:rPr lang="en-US"/>
+              <a:t>TO IMPROVE: </a:t>
+            </a:r>
+            <a:br>
+              <a:rPr lang="en-US"/>
+            </a:br>
+            <a:r>
+              <a:rPr lang="en-US"/>
+              <a:t>build E2E test case</a:t>
+            </a:r>
+            <a:endParaRPr/>
+          </a:p>
+          <a:p>
+            <a:pPr indent="0" lvl="0" marL="0" rtl="0" algn="l">
+              <a:lnSpc>
+                <a:spcPct val="100000"/>
+              </a:lnSpc>
+              <a:spcBef>
+                <a:spcPts val="0"/>
+              </a:spcBef>
+              <a:spcAft>
+                <a:spcPts val="0"/>
+              </a:spcAft>
+              <a:buSzPts val="1400"/>
+              <a:buNone/>
+            </a:pPr>
+            <a:r>
+              <a:rPr lang="en-US"/>
+              <a:t>run CI pipeline </a:t>
+            </a:r>
+            <a:endParaRPr/>
+          </a:p>
+          <a:p>
+            <a:pPr indent="0" lvl="0" marL="0" rtl="0" algn="l">
+              <a:lnSpc>
+                <a:spcPct val="100000"/>
+              </a:lnSpc>
+              <a:spcBef>
+                <a:spcPts val="0"/>
+              </a:spcBef>
+              <a:spcAft>
+                <a:spcPts val="0"/>
+              </a:spcAft>
+              <a:buSzPts val="1400"/>
+              <a:buNone/>
+            </a:pPr>
+            <a:r>
+              <a:t/>
             </a:r>
             <a:endParaRPr/>
           </a:p>
@@ -2557,7 +2370,7 @@
   <p:cSld>
     <p:spTree>
       <p:nvGrpSpPr>
-        <p:cNvPr id="73" name="Shape 73"/>
+        <p:cNvPr id="78" name="Shape 78"/>
         <p:cNvGrpSpPr/>
         <p:nvPr/>
       </p:nvGrpSpPr>
@@ -2571,7 +2384,7 @@
       </p:grpSpPr>
       <p:sp>
         <p:nvSpPr>
-          <p:cNvPr id="74" name="Google Shape;74;p5:notes"/>
+          <p:cNvPr id="79" name="Google Shape;79;p5:notes"/>
           <p:cNvSpPr/>
           <p:nvPr>
             <p:ph idx="2" type="sldImg"/>
@@ -2616,7 +2429,7 @@
       </p:sp>
       <p:sp>
         <p:nvSpPr>
-          <p:cNvPr id="75" name="Google Shape;75;p5:notes"/>
+          <p:cNvPr id="80" name="Google Shape;80;p5:notes"/>
           <p:cNvSpPr txBox="1"/>
           <p:nvPr>
             <p:ph idx="1" type="body"/>
@@ -2660,12 +2473,38 @@
             </a:pPr>
             <a:r>
               <a:rPr lang="en-US"/>
-              <a:t>Next I built a DevOps CI/CD pipeline.</a:t>
+              <a:t>Next I built a complete CI/CD pipeline. </a:t>
             </a:r>
             <a:endParaRPr/>
           </a:p>
           <a:p>
+            <a:pPr indent="0" lvl="0" marL="0" marR="0" rtl="0" algn="l">
+              <a:lnSpc>
+                <a:spcPct val="100000"/>
+              </a:lnSpc>
+              <a:spcBef>
+                <a:spcPts val="0"/>
+              </a:spcBef>
+              <a:spcAft>
+                <a:spcPts val="0"/>
+              </a:spcAft>
+              <a:buClr>
+                <a:srgbClr val="000000"/>
+              </a:buClr>
+              <a:buSzPts val="1400"/>
+              <a:buFont typeface="Arial"/>
+              <a:buNone/>
+            </a:pPr>
+            <a:r>
+              <a:t/>
+            </a:r>
+            <a:endParaRPr/>
+          </a:p>
+          <a:p>
             <a:pPr indent="0" lvl="0" marL="0" rtl="0" algn="l">
+              <a:lnSpc>
+                <a:spcPct val="100000"/>
+              </a:lnSpc>
               <a:spcBef>
                 <a:spcPts val="0"/>
               </a:spcBef>
@@ -2677,7 +2516,15 @@
             </a:pPr>
             <a:r>
               <a:rPr lang="en-US"/>
-              <a:t>In contrast to Data Engineering pipeline which moves and processes data, DevOps pipeline moves codes:</a:t>
+              <a:t>An ECS cluster of </a:t>
+            </a:r>
+            <a:r>
+              <a:rPr lang="en-US"/>
+              <a:t>3 instances was built using</a:t>
+            </a:r>
+            <a:r>
+              <a:rPr lang="en-US"/>
+              <a:t> cloudformation template</a:t>
             </a:r>
             <a:endParaRPr/>
           </a:p>
@@ -2696,27 +2543,8 @@
               <a:buNone/>
             </a:pPr>
             <a:r>
-              <a:t/>
-            </a:r>
-            <a:endParaRPr/>
-          </a:p>
-          <a:p>
-            <a:pPr indent="0" lvl="0" marL="0" rtl="0" algn="l">
-              <a:lnSpc>
-                <a:spcPct val="100000"/>
-              </a:lnSpc>
-              <a:spcBef>
-                <a:spcPts val="0"/>
-              </a:spcBef>
-              <a:spcAft>
-                <a:spcPts val="0"/>
-              </a:spcAft>
-              <a:buSzPts val="1400"/>
-              <a:buNone/>
-            </a:pPr>
-            <a:r>
               <a:rPr lang="en-US"/>
-              <a:t>I built an ECS cluster stack using cloudformation template with 3 EC2 instances: one dedicated for Jenkins server, other two for deploying apps.</a:t>
+              <a:t>I installed Jenkins server in one instance, other two are for deploying apps.</a:t>
             </a:r>
             <a:endParaRPr/>
           </a:p>
@@ -2775,7 +2603,7 @@
             </a:pPr>
             <a:r>
               <a:rPr lang="en-US"/>
-              <a:t>If test fails and code is related to lambda, it will revert last commit, and rollback lambda.</a:t>
+              <a:t>If test fails and code is related to lambda function, the job will revert last commit, and rollback lambda.</a:t>
             </a:r>
             <a:endParaRPr/>
           </a:p>
@@ -2795,11 +2623,11 @@
             </a:pPr>
             <a:r>
               <a:rPr lang="en-US"/>
-              <a:t>If test is successful, the job proceeds to build docker image, publish to container registry, and deploy to an </a:t>
+              <a:t>If test is successful, it proceeds to build docker image, publish to container registry, and deploy to a </a:t>
             </a:r>
             <a:r>
               <a:rPr lang="en-US"/>
-              <a:t>acceptance testing </a:t>
+              <a:t>test </a:t>
             </a:r>
             <a:r>
               <a:rPr lang="en-US"/>
@@ -2823,6 +2651,93 @@
             </a:pPr>
             <a:r>
               <a:t/>
+            </a:r>
+            <a:endParaRPr/>
+          </a:p>
+          <a:p>
+            <a:pPr indent="0" lvl="0" marL="0" rtl="0" algn="l">
+              <a:spcBef>
+                <a:spcPts val="0"/>
+              </a:spcBef>
+              <a:spcAft>
+                <a:spcPts val="0"/>
+              </a:spcAft>
+              <a:buSzPts val="1400"/>
+              <a:buNone/>
+            </a:pPr>
+            <a:r>
+              <a:rPr lang="en-US"/>
+              <a:t>In contrast to Data Engineering pipeline that moves and processes data, </a:t>
+            </a:r>
+            <a:endParaRPr/>
+          </a:p>
+          <a:p>
+            <a:pPr indent="0" lvl="0" marL="0" rtl="0" algn="l">
+              <a:spcBef>
+                <a:spcPts val="0"/>
+              </a:spcBef>
+              <a:spcAft>
+                <a:spcPts val="0"/>
+              </a:spcAft>
+              <a:buSzPts val="1400"/>
+              <a:buNone/>
+            </a:pPr>
+            <a:r>
+              <a:rPr lang="en-US"/>
+              <a:t>DevOps pipeline moves codes.</a:t>
+            </a:r>
+            <a:endParaRPr/>
+          </a:p>
+          <a:p>
+            <a:pPr indent="0" lvl="0" marL="0" rtl="0" algn="l">
+              <a:lnSpc>
+                <a:spcPct val="100000"/>
+              </a:lnSpc>
+              <a:spcBef>
+                <a:spcPts val="0"/>
+              </a:spcBef>
+              <a:spcAft>
+                <a:spcPts val="0"/>
+              </a:spcAft>
+              <a:buSzPts val="1400"/>
+              <a:buNone/>
+            </a:pPr>
+            <a:r>
+              <a:t/>
+            </a:r>
+            <a:endParaRPr/>
+          </a:p>
+          <a:p>
+            <a:pPr indent="0" lvl="0" marL="0" rtl="0" algn="l">
+              <a:spcBef>
+                <a:spcPts val="0"/>
+              </a:spcBef>
+              <a:spcAft>
+                <a:spcPts val="0"/>
+              </a:spcAft>
+              <a:buSzPts val="1400"/>
+              <a:buNone/>
+            </a:pPr>
+            <a:r>
+              <a:rPr lang="en-US"/>
+              <a:t>TO IMPROVE: </a:t>
+            </a:r>
+            <a:endParaRPr/>
+          </a:p>
+          <a:p>
+            <a:pPr indent="0" lvl="0" marL="0" rtl="0" algn="l">
+              <a:spcBef>
+                <a:spcPts val="0"/>
+              </a:spcBef>
+              <a:spcAft>
+                <a:spcPts val="0"/>
+              </a:spcAft>
+              <a:buSzPts val="1400"/>
+              <a:buNone/>
+            </a:pPr>
+            <a:r>
+              <a:rPr lang="en-US"/>
+              <a:t>divide into CI and CD 2 blocks</a:t>
             </a:r>
             <a:endParaRPr/>
           </a:p>
@@ -2841,7 +2756,7 @@
   <p:cSld>
     <p:spTree>
       <p:nvGrpSpPr>
-        <p:cNvPr id="79" name="Shape 79"/>
+        <p:cNvPr id="84" name="Shape 84"/>
         <p:cNvGrpSpPr/>
         <p:nvPr/>
       </p:nvGrpSpPr>
@@ -2855,7 +2770,7 @@
       </p:grpSpPr>
       <p:sp>
         <p:nvSpPr>
-          <p:cNvPr id="80" name="Google Shape;80;p6:notes"/>
+          <p:cNvPr id="85" name="Google Shape;85;g4f2432f834_0_2:notes"/>
           <p:cNvSpPr/>
           <p:nvPr>
             <p:ph idx="2" type="sldImg"/>
@@ -2900,7 +2815,7 @@
       </p:sp>
       <p:sp>
         <p:nvSpPr>
-          <p:cNvPr id="81" name="Google Shape;81;p6:notes"/>
+          <p:cNvPr id="86" name="Google Shape;86;g4f2432f834_0_2:notes"/>
           <p:cNvSpPr txBox="1"/>
           <p:nvPr>
             <p:ph idx="1" type="body"/>
@@ -2944,7 +2859,7 @@
             </a:pPr>
             <a:r>
               <a:rPr lang="en-US"/>
-              <a:t>Building a demo in 3 weeks is challenging. Specifically,</a:t>
+              <a:t>Building a demo in 3 weeks is very challenging. </a:t>
             </a:r>
             <a:endParaRPr/>
           </a:p>
@@ -2968,7 +2883,7 @@
             </a:pPr>
             <a:r>
               <a:rPr lang="en-US"/>
-              <a:t>1) I have to know the DE pipeline well and very quickly. </a:t>
+              <a:t>Specifically,</a:t>
             </a:r>
             <a:endParaRPr/>
           </a:p>
@@ -2992,7 +2907,7 @@
             </a:pPr>
             <a:r>
               <a:rPr lang="en-US"/>
-              <a:t>2) write bash workaround when Jenkins plugin not working</a:t>
+              <a:t>1) I have to know the DE pipeline well and very quickly. </a:t>
             </a:r>
             <a:endParaRPr/>
           </a:p>
@@ -3016,7 +2931,7 @@
             </a:pPr>
             <a:r>
               <a:rPr lang="en-US"/>
-              <a:t>3) pickup new tech stacks and tools quickly</a:t>
+              <a:t>2) write bash workaround when Jenkins plugin not working</a:t>
             </a:r>
             <a:endParaRPr/>
           </a:p>
@@ -3039,7 +2954,8 @@
               <a:buNone/>
             </a:pPr>
             <a:r>
-              <a:t/>
+              <a:rPr lang="en-US"/>
+              <a:t>3) pickup new tech stacks and tools quickly</a:t>
             </a:r>
             <a:endParaRPr/>
           </a:p>
@@ -3062,8 +2978,31 @@
               <a:buNone/>
             </a:pPr>
             <a:r>
+              <a:t/>
+            </a:r>
+            <a:endParaRPr/>
+          </a:p>
+          <a:p>
+            <a:pPr indent="0" lvl="0" marL="0" marR="0" rtl="0" algn="l">
+              <a:lnSpc>
+                <a:spcPct val="100000"/>
+              </a:lnSpc>
+              <a:spcBef>
+                <a:spcPts val="0"/>
+              </a:spcBef>
+              <a:spcAft>
+                <a:spcPts val="0"/>
+              </a:spcAft>
+              <a:buClr>
+                <a:srgbClr val="000000"/>
+              </a:buClr>
+              <a:buSzPts val="1400"/>
+              <a:buFont typeface="Arial"/>
+              <a:buNone/>
+            </a:pPr>
+            <a:r>
               <a:rPr lang="en-US"/>
-              <a:t>Overcoming each challenge is a rewarding learning experience</a:t>
+              <a:t>Overcoming each challenge is a rewarding experience</a:t>
             </a:r>
             <a:endParaRPr/>
           </a:p>
@@ -3083,6 +3022,91 @@
             </a:pPr>
             <a:r>
               <a:t/>
+            </a:r>
+            <a:endParaRPr/>
+          </a:p>
+          <a:p>
+            <a:pPr indent="0" lvl="0" marL="0" rtl="0" algn="l">
+              <a:spcBef>
+                <a:spcPts val="0"/>
+              </a:spcBef>
+              <a:spcAft>
+                <a:spcPts val="0"/>
+              </a:spcAft>
+              <a:buSzPts val="1400"/>
+              <a:buNone/>
+            </a:pPr>
+            <a:r>
+              <a:rPr lang="en-US"/>
+              <a:t>TO IMPROVE: </a:t>
+            </a:r>
+            <a:endParaRPr/>
+          </a:p>
+          <a:p>
+            <a:pPr indent="0" lvl="0" marL="0" rtl="0" algn="l">
+              <a:spcBef>
+                <a:spcPts val="0"/>
+              </a:spcBef>
+              <a:spcAft>
+                <a:spcPts val="0"/>
+              </a:spcAft>
+              <a:buSzPts val="1400"/>
+              <a:buNone/>
+            </a:pPr>
+            <a:r>
+              <a:rPr lang="en-US"/>
+              <a:t>split challenges into separate slides</a:t>
+            </a:r>
+            <a:endParaRPr/>
+          </a:p>
+          <a:p>
+            <a:pPr indent="-317500" lvl="0" marL="457200" rtl="0" algn="l">
+              <a:spcBef>
+                <a:spcPts val="0"/>
+              </a:spcBef>
+              <a:spcAft>
+                <a:spcPts val="0"/>
+              </a:spcAft>
+              <a:buSzPts val="1400"/>
+              <a:buAutoNum type="arabicParenR"/>
+            </a:pPr>
+            <a:r>
+              <a:rPr lang="en-US"/>
+              <a:t>improve DE pipeline + pytest with python codes</a:t>
+            </a:r>
+            <a:endParaRPr/>
+          </a:p>
+          <a:p>
+            <a:pPr indent="-317500" lvl="0" marL="457200" rtl="0" algn="l">
+              <a:spcBef>
+                <a:spcPts val="0"/>
+              </a:spcBef>
+              <a:spcAft>
+                <a:spcPts val="0"/>
+              </a:spcAft>
+              <a:buSzPts val="1400"/>
+              <a:buAutoNum type="arabicParenR"/>
+            </a:pPr>
+            <a:r>
+              <a:rPr lang="en-US"/>
+              <a:t>Jenkins plugin not working, show my workaround bash code</a:t>
+            </a:r>
+            <a:endParaRPr/>
+          </a:p>
+          <a:p>
+            <a:pPr indent="-317500" lvl="0" marL="457200" rtl="0" algn="l">
+              <a:spcBef>
+                <a:spcPts val="0"/>
+              </a:spcBef>
+              <a:spcAft>
+                <a:spcPts val="0"/>
+              </a:spcAft>
+              <a:buSzPts val="1400"/>
+              <a:buAutoNum type="arabicParenR"/>
+            </a:pPr>
+            <a:r>
+              <a:rPr lang="en-US"/>
+              <a:t>handling DB secrets : env var to Vault API</a:t>
             </a:r>
             <a:endParaRPr/>
           </a:p>
@@ -3101,7 +3125,7 @@
   <p:cSld>
     <p:spTree>
       <p:nvGrpSpPr>
-        <p:cNvPr id="85" name="Shape 85"/>
+        <p:cNvPr id="90" name="Shape 90"/>
         <p:cNvGrpSpPr/>
         <p:nvPr/>
       </p:nvGrpSpPr>
@@ -3115,7 +3139,7 @@
       </p:grpSpPr>
       <p:sp>
         <p:nvSpPr>
-          <p:cNvPr id="86" name="Google Shape;86;p9:notes"/>
+          <p:cNvPr id="91" name="Google Shape;91;g4f2432f834_0_7:notes"/>
           <p:cNvSpPr/>
           <p:nvPr>
             <p:ph idx="2" type="sldImg"/>
@@ -3160,7 +3184,7 @@
       </p:sp>
       <p:sp>
         <p:nvSpPr>
-          <p:cNvPr id="87" name="Google Shape;87;p9:notes"/>
+          <p:cNvPr id="92" name="Google Shape;92;g4f2432f834_0_7:notes"/>
           <p:cNvSpPr txBox="1"/>
           <p:nvPr>
             <p:ph idx="1" type="body"/>
@@ -3185,6 +3209,173 @@
           </a:bodyPr>
           <a:lstStyle/>
           <a:p>
+            <a:pPr indent="0" lvl="0" marL="0" marR="0" rtl="0" algn="l">
+              <a:lnSpc>
+                <a:spcPct val="100000"/>
+              </a:lnSpc>
+              <a:spcBef>
+                <a:spcPts val="0"/>
+              </a:spcBef>
+              <a:spcAft>
+                <a:spcPts val="0"/>
+              </a:spcAft>
+              <a:buClr>
+                <a:srgbClr val="000000"/>
+              </a:buClr>
+              <a:buSzPts val="1400"/>
+              <a:buFont typeface="Arial"/>
+              <a:buNone/>
+            </a:pPr>
+            <a:r>
+              <a:rPr lang="en-US"/>
+              <a:t>Building a demo in 3 weeks is very challenging. </a:t>
+            </a:r>
+            <a:endParaRPr/>
+          </a:p>
+          <a:p>
+            <a:pPr indent="0" lvl="0" marL="0" marR="0" rtl="0" algn="l">
+              <a:lnSpc>
+                <a:spcPct val="100000"/>
+              </a:lnSpc>
+              <a:spcBef>
+                <a:spcPts val="0"/>
+              </a:spcBef>
+              <a:spcAft>
+                <a:spcPts val="0"/>
+              </a:spcAft>
+              <a:buClr>
+                <a:srgbClr val="000000"/>
+              </a:buClr>
+              <a:buSzPts val="1400"/>
+              <a:buFont typeface="Arial"/>
+              <a:buNone/>
+            </a:pPr>
+            <a:r>
+              <a:rPr lang="en-US"/>
+              <a:t>Specifically,</a:t>
+            </a:r>
+            <a:endParaRPr/>
+          </a:p>
+          <a:p>
+            <a:pPr indent="0" lvl="0" marL="0" marR="0" rtl="0" algn="l">
+              <a:lnSpc>
+                <a:spcPct val="100000"/>
+              </a:lnSpc>
+              <a:spcBef>
+                <a:spcPts val="0"/>
+              </a:spcBef>
+              <a:spcAft>
+                <a:spcPts val="0"/>
+              </a:spcAft>
+              <a:buClr>
+                <a:srgbClr val="000000"/>
+              </a:buClr>
+              <a:buSzPts val="1400"/>
+              <a:buFont typeface="Arial"/>
+              <a:buNone/>
+            </a:pPr>
+            <a:r>
+              <a:rPr lang="en-US"/>
+              <a:t>1) I have to know the DE pipeline well and very quickly. </a:t>
+            </a:r>
+            <a:endParaRPr/>
+          </a:p>
+          <a:p>
+            <a:pPr indent="0" lvl="0" marL="0" marR="0" rtl="0" algn="l">
+              <a:lnSpc>
+                <a:spcPct val="100000"/>
+              </a:lnSpc>
+              <a:spcBef>
+                <a:spcPts val="0"/>
+              </a:spcBef>
+              <a:spcAft>
+                <a:spcPts val="0"/>
+              </a:spcAft>
+              <a:buClr>
+                <a:srgbClr val="000000"/>
+              </a:buClr>
+              <a:buSzPts val="1400"/>
+              <a:buFont typeface="Arial"/>
+              <a:buNone/>
+            </a:pPr>
+            <a:r>
+              <a:rPr lang="en-US"/>
+              <a:t>2) write bash workaround when Jenkins plugin not working</a:t>
+            </a:r>
+            <a:endParaRPr/>
+          </a:p>
+          <a:p>
+            <a:pPr indent="0" lvl="0" marL="0" marR="0" rtl="0" algn="l">
+              <a:lnSpc>
+                <a:spcPct val="100000"/>
+              </a:lnSpc>
+              <a:spcBef>
+                <a:spcPts val="0"/>
+              </a:spcBef>
+              <a:spcAft>
+                <a:spcPts val="0"/>
+              </a:spcAft>
+              <a:buClr>
+                <a:srgbClr val="000000"/>
+              </a:buClr>
+              <a:buSzPts val="1400"/>
+              <a:buFont typeface="Arial"/>
+              <a:buNone/>
+            </a:pPr>
+            <a:r>
+              <a:rPr lang="en-US"/>
+              <a:t>3) pickup new tech stacks and tools quickly</a:t>
+            </a:r>
+            <a:endParaRPr/>
+          </a:p>
+          <a:p>
+            <a:pPr indent="0" lvl="0" marL="0" marR="0" rtl="0" algn="l">
+              <a:lnSpc>
+                <a:spcPct val="100000"/>
+              </a:lnSpc>
+              <a:spcBef>
+                <a:spcPts val="0"/>
+              </a:spcBef>
+              <a:spcAft>
+                <a:spcPts val="0"/>
+              </a:spcAft>
+              <a:buClr>
+                <a:srgbClr val="000000"/>
+              </a:buClr>
+              <a:buSzPts val="1400"/>
+              <a:buFont typeface="Arial"/>
+              <a:buNone/>
+            </a:pPr>
+            <a:r>
+              <a:t/>
+            </a:r>
+            <a:endParaRPr/>
+          </a:p>
+          <a:p>
+            <a:pPr indent="0" lvl="0" marL="0" marR="0" rtl="0" algn="l">
+              <a:lnSpc>
+                <a:spcPct val="100000"/>
+              </a:lnSpc>
+              <a:spcBef>
+                <a:spcPts val="0"/>
+              </a:spcBef>
+              <a:spcAft>
+                <a:spcPts val="0"/>
+              </a:spcAft>
+              <a:buClr>
+                <a:srgbClr val="000000"/>
+              </a:buClr>
+              <a:buSzPts val="1400"/>
+              <a:buFont typeface="Arial"/>
+              <a:buNone/>
+            </a:pPr>
+            <a:r>
+              <a:rPr lang="en-US"/>
+              <a:t>Overcoming each challenge is a rewarding experience</a:t>
+            </a:r>
+            <a:endParaRPr/>
+          </a:p>
+          <a:p>
             <a:pPr indent="0" lvl="0" marL="0" rtl="0" algn="l">
               <a:lnSpc>
                 <a:spcPct val="100000"/>
@@ -3200,6 +3391,91 @@
             </a:pPr>
             <a:r>
               <a:t/>
+            </a:r>
+            <a:endParaRPr/>
+          </a:p>
+          <a:p>
+            <a:pPr indent="0" lvl="0" marL="0" rtl="0" algn="l">
+              <a:spcBef>
+                <a:spcPts val="0"/>
+              </a:spcBef>
+              <a:spcAft>
+                <a:spcPts val="0"/>
+              </a:spcAft>
+              <a:buSzPts val="1400"/>
+              <a:buNone/>
+            </a:pPr>
+            <a:r>
+              <a:rPr lang="en-US"/>
+              <a:t>TO IMPROVE: </a:t>
+            </a:r>
+            <a:endParaRPr/>
+          </a:p>
+          <a:p>
+            <a:pPr indent="0" lvl="0" marL="0" rtl="0" algn="l">
+              <a:spcBef>
+                <a:spcPts val="0"/>
+              </a:spcBef>
+              <a:spcAft>
+                <a:spcPts val="0"/>
+              </a:spcAft>
+              <a:buSzPts val="1400"/>
+              <a:buNone/>
+            </a:pPr>
+            <a:r>
+              <a:rPr lang="en-US"/>
+              <a:t>split challenges into separate slides</a:t>
+            </a:r>
+            <a:endParaRPr/>
+          </a:p>
+          <a:p>
+            <a:pPr indent="-317500" lvl="0" marL="457200" rtl="0" algn="l">
+              <a:spcBef>
+                <a:spcPts val="0"/>
+              </a:spcBef>
+              <a:spcAft>
+                <a:spcPts val="0"/>
+              </a:spcAft>
+              <a:buSzPts val="1400"/>
+              <a:buAutoNum type="arabicParenR"/>
+            </a:pPr>
+            <a:r>
+              <a:rPr lang="en-US"/>
+              <a:t>improve DE pipeline + pytest with python codes</a:t>
+            </a:r>
+            <a:endParaRPr/>
+          </a:p>
+          <a:p>
+            <a:pPr indent="-317500" lvl="0" marL="457200" rtl="0" algn="l">
+              <a:spcBef>
+                <a:spcPts val="0"/>
+              </a:spcBef>
+              <a:spcAft>
+                <a:spcPts val="0"/>
+              </a:spcAft>
+              <a:buSzPts val="1400"/>
+              <a:buAutoNum type="arabicParenR"/>
+            </a:pPr>
+            <a:r>
+              <a:rPr lang="en-US"/>
+              <a:t>Jenkins plugin not working, show my workaround bash code</a:t>
+            </a:r>
+            <a:endParaRPr/>
+          </a:p>
+          <a:p>
+            <a:pPr indent="-317500" lvl="0" marL="457200" rtl="0" algn="l">
+              <a:spcBef>
+                <a:spcPts val="0"/>
+              </a:spcBef>
+              <a:spcAft>
+                <a:spcPts val="0"/>
+              </a:spcAft>
+              <a:buSzPts val="1400"/>
+              <a:buAutoNum type="arabicParenR"/>
+            </a:pPr>
+            <a:r>
+              <a:rPr lang="en-US"/>
+              <a:t>handling DB secrets : env var to Vault API</a:t>
             </a:r>
             <a:endParaRPr/>
           </a:p>
@@ -3218,7 +3494,7 @@
   <p:cSld>
     <p:spTree>
       <p:nvGrpSpPr>
-        <p:cNvPr id="91" name="Shape 91"/>
+        <p:cNvPr id="96" name="Shape 96"/>
         <p:cNvGrpSpPr/>
         <p:nvPr/>
       </p:nvGrpSpPr>
@@ -3232,7 +3508,7 @@
       </p:grpSpPr>
       <p:sp>
         <p:nvSpPr>
-          <p:cNvPr id="92" name="Google Shape;92;p8:notes"/>
+          <p:cNvPr id="97" name="Google Shape;97;g4f2432f834_0_12:notes"/>
           <p:cNvSpPr/>
           <p:nvPr>
             <p:ph idx="2" type="sldImg"/>
@@ -3277,7 +3553,7 @@
       </p:sp>
       <p:sp>
         <p:nvSpPr>
-          <p:cNvPr id="93" name="Google Shape;93;p8:notes"/>
+          <p:cNvPr id="98" name="Google Shape;98;g4f2432f834_0_12:notes"/>
           <p:cNvSpPr txBox="1"/>
           <p:nvPr>
             <p:ph idx="1" type="body"/>
@@ -3302,6 +3578,173 @@
           </a:bodyPr>
           <a:lstStyle/>
           <a:p>
+            <a:pPr indent="0" lvl="0" marL="0" marR="0" rtl="0" algn="l">
+              <a:lnSpc>
+                <a:spcPct val="100000"/>
+              </a:lnSpc>
+              <a:spcBef>
+                <a:spcPts val="0"/>
+              </a:spcBef>
+              <a:spcAft>
+                <a:spcPts val="0"/>
+              </a:spcAft>
+              <a:buClr>
+                <a:srgbClr val="000000"/>
+              </a:buClr>
+              <a:buSzPts val="1400"/>
+              <a:buFont typeface="Arial"/>
+              <a:buNone/>
+            </a:pPr>
+            <a:r>
+              <a:rPr lang="en-US"/>
+              <a:t>Building a demo in 3 weeks is very challenging. </a:t>
+            </a:r>
+            <a:endParaRPr/>
+          </a:p>
+          <a:p>
+            <a:pPr indent="0" lvl="0" marL="0" marR="0" rtl="0" algn="l">
+              <a:lnSpc>
+                <a:spcPct val="100000"/>
+              </a:lnSpc>
+              <a:spcBef>
+                <a:spcPts val="0"/>
+              </a:spcBef>
+              <a:spcAft>
+                <a:spcPts val="0"/>
+              </a:spcAft>
+              <a:buClr>
+                <a:srgbClr val="000000"/>
+              </a:buClr>
+              <a:buSzPts val="1400"/>
+              <a:buFont typeface="Arial"/>
+              <a:buNone/>
+            </a:pPr>
+            <a:r>
+              <a:rPr lang="en-US"/>
+              <a:t>Specifically,</a:t>
+            </a:r>
+            <a:endParaRPr/>
+          </a:p>
+          <a:p>
+            <a:pPr indent="0" lvl="0" marL="0" marR="0" rtl="0" algn="l">
+              <a:lnSpc>
+                <a:spcPct val="100000"/>
+              </a:lnSpc>
+              <a:spcBef>
+                <a:spcPts val="0"/>
+              </a:spcBef>
+              <a:spcAft>
+                <a:spcPts val="0"/>
+              </a:spcAft>
+              <a:buClr>
+                <a:srgbClr val="000000"/>
+              </a:buClr>
+              <a:buSzPts val="1400"/>
+              <a:buFont typeface="Arial"/>
+              <a:buNone/>
+            </a:pPr>
+            <a:r>
+              <a:rPr lang="en-US"/>
+              <a:t>1) I have to know the DE pipeline well and very quickly. </a:t>
+            </a:r>
+            <a:endParaRPr/>
+          </a:p>
+          <a:p>
+            <a:pPr indent="0" lvl="0" marL="0" marR="0" rtl="0" algn="l">
+              <a:lnSpc>
+                <a:spcPct val="100000"/>
+              </a:lnSpc>
+              <a:spcBef>
+                <a:spcPts val="0"/>
+              </a:spcBef>
+              <a:spcAft>
+                <a:spcPts val="0"/>
+              </a:spcAft>
+              <a:buClr>
+                <a:srgbClr val="000000"/>
+              </a:buClr>
+              <a:buSzPts val="1400"/>
+              <a:buFont typeface="Arial"/>
+              <a:buNone/>
+            </a:pPr>
+            <a:r>
+              <a:rPr lang="en-US"/>
+              <a:t>2) write bash workaround when Jenkins plugin not working</a:t>
+            </a:r>
+            <a:endParaRPr/>
+          </a:p>
+          <a:p>
+            <a:pPr indent="0" lvl="0" marL="0" marR="0" rtl="0" algn="l">
+              <a:lnSpc>
+                <a:spcPct val="100000"/>
+              </a:lnSpc>
+              <a:spcBef>
+                <a:spcPts val="0"/>
+              </a:spcBef>
+              <a:spcAft>
+                <a:spcPts val="0"/>
+              </a:spcAft>
+              <a:buClr>
+                <a:srgbClr val="000000"/>
+              </a:buClr>
+              <a:buSzPts val="1400"/>
+              <a:buFont typeface="Arial"/>
+              <a:buNone/>
+            </a:pPr>
+            <a:r>
+              <a:rPr lang="en-US"/>
+              <a:t>3) pickup new tech stacks and tools quickly</a:t>
+            </a:r>
+            <a:endParaRPr/>
+          </a:p>
+          <a:p>
+            <a:pPr indent="0" lvl="0" marL="0" marR="0" rtl="0" algn="l">
+              <a:lnSpc>
+                <a:spcPct val="100000"/>
+              </a:lnSpc>
+              <a:spcBef>
+                <a:spcPts val="0"/>
+              </a:spcBef>
+              <a:spcAft>
+                <a:spcPts val="0"/>
+              </a:spcAft>
+              <a:buClr>
+                <a:srgbClr val="000000"/>
+              </a:buClr>
+              <a:buSzPts val="1400"/>
+              <a:buFont typeface="Arial"/>
+              <a:buNone/>
+            </a:pPr>
+            <a:r>
+              <a:t/>
+            </a:r>
+            <a:endParaRPr/>
+          </a:p>
+          <a:p>
+            <a:pPr indent="0" lvl="0" marL="0" marR="0" rtl="0" algn="l">
+              <a:lnSpc>
+                <a:spcPct val="100000"/>
+              </a:lnSpc>
+              <a:spcBef>
+                <a:spcPts val="0"/>
+              </a:spcBef>
+              <a:spcAft>
+                <a:spcPts val="0"/>
+              </a:spcAft>
+              <a:buClr>
+                <a:srgbClr val="000000"/>
+              </a:buClr>
+              <a:buSzPts val="1400"/>
+              <a:buFont typeface="Arial"/>
+              <a:buNone/>
+            </a:pPr>
+            <a:r>
+              <a:rPr lang="en-US"/>
+              <a:t>Overcoming each challenge is a rewarding experience</a:t>
+            </a:r>
+            <a:endParaRPr/>
+          </a:p>
+          <a:p>
             <a:pPr indent="0" lvl="0" marL="0" rtl="0" algn="l">
               <a:lnSpc>
                 <a:spcPct val="100000"/>
@@ -3316,16 +3759,29 @@
               <a:buNone/>
             </a:pPr>
             <a:r>
+              <a:t/>
+            </a:r>
+            <a:endParaRPr/>
+          </a:p>
+          <a:p>
+            <a:pPr indent="0" lvl="0" marL="0" rtl="0" algn="l">
+              <a:spcBef>
+                <a:spcPts val="0"/>
+              </a:spcBef>
+              <a:spcAft>
+                <a:spcPts val="0"/>
+              </a:spcAft>
+              <a:buSzPts val="1400"/>
+              <a:buNone/>
+            </a:pPr>
+            <a:r>
               <a:rPr lang="en-US"/>
-              <a:t>To wrap up, I am Wen Gong, had a Ph.D. in nuclear physics, and have 20 years of software engineering and consulting experience in customer master data management. I take a 7 weeks’ leave to attend Insight program to learn DevOps and cloud computing. I am very interested in exploring new opportunities in DevOps.</a:t>
+              <a:t>TO IMPROVE: </a:t>
             </a:r>
             <a:endParaRPr/>
           </a:p>
           <a:p>
             <a:pPr indent="0" lvl="0" marL="0" rtl="0" algn="l">
-              <a:lnSpc>
-                <a:spcPct val="100000"/>
-              </a:lnSpc>
               <a:spcBef>
                 <a:spcPts val="0"/>
               </a:spcBef>
@@ -3336,15 +3792,13 @@
               <a:buNone/>
             </a:pPr>
             <a:r>
-              <a:t/>
+              <a:rPr lang="en-US"/>
+              <a:t>split challenges into separate slides</a:t>
             </a:r>
             <a:endParaRPr/>
           </a:p>
           <a:p>
-            <a:pPr indent="0" lvl="0" marL="0" rtl="0" algn="l">
-              <a:lnSpc>
-                <a:spcPct val="100000"/>
-              </a:lnSpc>
+            <a:pPr indent="-317500" lvl="0" marL="457200" rtl="0" algn="l">
               <a:spcBef>
                 <a:spcPts val="0"/>
               </a:spcBef>
@@ -3352,11 +3806,45 @@
                 <a:spcPts val="0"/>
               </a:spcAft>
               <a:buSzPts val="1400"/>
-              <a:buNone/>
+              <a:buAutoNum type="arabicParenR"/>
             </a:pPr>
             <a:r>
               <a:rPr lang="en-US"/>
-              <a:t>Thanks for your attention, Any question?</a:t>
+              <a:t>improve DE pipeline + pytest with python codes</a:t>
+            </a:r>
+            <a:endParaRPr/>
+          </a:p>
+          <a:p>
+            <a:pPr indent="-317500" lvl="0" marL="457200" rtl="0" algn="l">
+              <a:spcBef>
+                <a:spcPts val="0"/>
+              </a:spcBef>
+              <a:spcAft>
+                <a:spcPts val="0"/>
+              </a:spcAft>
+              <a:buSzPts val="1400"/>
+              <a:buAutoNum type="arabicParenR"/>
+            </a:pPr>
+            <a:r>
+              <a:rPr lang="en-US"/>
+              <a:t>Jenkins plugin not working, show my workaround bash code</a:t>
+            </a:r>
+            <a:endParaRPr/>
+          </a:p>
+          <a:p>
+            <a:pPr indent="-317500" lvl="0" marL="457200" rtl="0" algn="l">
+              <a:spcBef>
+                <a:spcPts val="0"/>
+              </a:spcBef>
+              <a:spcAft>
+                <a:spcPts val="0"/>
+              </a:spcAft>
+              <a:buSzPts val="1400"/>
+              <a:buAutoNum type="arabicParenR"/>
+            </a:pPr>
+            <a:r>
+              <a:rPr lang="en-US"/>
+              <a:t>handling DB secrets : env var to Vault API</a:t>
             </a:r>
             <a:endParaRPr/>
           </a:p>
@@ -3375,7 +3863,7 @@
   <p:cSld>
     <p:spTree>
       <p:nvGrpSpPr>
-        <p:cNvPr id="101" name="Shape 101"/>
+        <p:cNvPr id="103" name="Shape 103"/>
         <p:cNvGrpSpPr/>
         <p:nvPr/>
       </p:nvGrpSpPr>
@@ -3389,7 +3877,7 @@
       </p:grpSpPr>
       <p:sp>
         <p:nvSpPr>
-          <p:cNvPr id="102" name="Google Shape;102;g4f601e854f_0_5:notes"/>
+          <p:cNvPr id="104" name="Google Shape;104;p9:notes"/>
           <p:cNvSpPr/>
           <p:nvPr>
             <p:ph idx="2" type="sldImg"/>
@@ -3434,7 +3922,7 @@
       </p:sp>
       <p:sp>
         <p:nvSpPr>
-          <p:cNvPr id="103" name="Google Shape;103;g4f601e854f_0_5:notes"/>
+          <p:cNvPr id="105" name="Google Shape;105;p9:notes"/>
           <p:cNvSpPr txBox="1"/>
           <p:nvPr>
             <p:ph idx="1" type="body"/>
@@ -3473,7 +3961,120 @@
               <a:buNone/>
             </a:pPr>
             <a:r>
+              <a:rPr lang="en-US"/>
+              <a:t>I am very thrilled to see that a streamlined process completed</a:t>
+            </a:r>
+            <a:r>
+              <a:rPr lang="en-US"/>
+              <a:t> in a few mins going </a:t>
+            </a:r>
+            <a:r>
+              <a:rPr lang="en-US"/>
+              <a:t>from code check-in to cloud deployment. Similar process took days in my current workplace.</a:t>
+            </a:r>
+            <a:endParaRPr/>
+          </a:p>
+          <a:p>
+            <a:pPr indent="0" lvl="0" marL="0" rtl="0" algn="l">
+              <a:lnSpc>
+                <a:spcPct val="100000"/>
+              </a:lnSpc>
+              <a:spcBef>
+                <a:spcPts val="0"/>
+              </a:spcBef>
+              <a:spcAft>
+                <a:spcPts val="0"/>
+              </a:spcAft>
+              <a:buSzPts val="1400"/>
+              <a:buNone/>
+            </a:pPr>
+            <a:r>
               <a:t/>
+            </a:r>
+            <a:endParaRPr/>
+          </a:p>
+          <a:p>
+            <a:pPr indent="0" lvl="0" marL="0" rtl="0" algn="l">
+              <a:spcBef>
+                <a:spcPts val="0"/>
+              </a:spcBef>
+              <a:spcAft>
+                <a:spcPts val="0"/>
+              </a:spcAft>
+              <a:buSzPts val="1400"/>
+              <a:buNone/>
+            </a:pPr>
+            <a:r>
+              <a:rPr lang="en-US"/>
+              <a:t>TO IMPROVE: </a:t>
+            </a:r>
+            <a:endParaRPr/>
+          </a:p>
+          <a:p>
+            <a:pPr indent="0" lvl="0" marL="0" rtl="0" algn="l">
+              <a:spcBef>
+                <a:spcPts val="0"/>
+              </a:spcBef>
+              <a:spcAft>
+                <a:spcPts val="0"/>
+              </a:spcAft>
+              <a:buSzPts val="1400"/>
+              <a:buNone/>
+            </a:pPr>
+            <a:r>
+              <a:rPr lang="en-US"/>
+              <a:t>create a table with 2 columns</a:t>
+            </a:r>
+            <a:endParaRPr/>
+          </a:p>
+          <a:p>
+            <a:pPr indent="0" lvl="0" marL="0" rtl="0" algn="l">
+              <a:spcBef>
+                <a:spcPts val="0"/>
+              </a:spcBef>
+              <a:spcAft>
+                <a:spcPts val="0"/>
+              </a:spcAft>
+              <a:buSzPts val="1400"/>
+              <a:buNone/>
+            </a:pPr>
+            <a:r>
+              <a:rPr lang="en-US"/>
+              <a:t>CD   </a:t>
+            </a:r>
+            <a:endParaRPr/>
+          </a:p>
+          <a:p>
+            <a:pPr indent="0" lvl="0" marL="0" rtl="0" algn="l">
+              <a:spcBef>
+                <a:spcPts val="0"/>
+              </a:spcBef>
+              <a:spcAft>
+                <a:spcPts val="0"/>
+              </a:spcAft>
+              <a:buSzPts val="1400"/>
+              <a:buNone/>
+            </a:pPr>
+            <a:r>
+              <a:rPr lang="en-US"/>
+              <a:t>CI</a:t>
+            </a:r>
+            <a:endParaRPr/>
+          </a:p>
+          <a:p>
+            <a:pPr indent="0" lvl="0" marL="0" rtl="0" algn="l">
+              <a:spcBef>
+                <a:spcPts val="0"/>
+              </a:spcBef>
+              <a:spcAft>
+                <a:spcPts val="0"/>
+              </a:spcAft>
+              <a:buSzPts val="1400"/>
+              <a:buNone/>
+            </a:pPr>
+            <a:r>
+              <a:rPr lang="en-US"/>
+              <a:t>DE</a:t>
             </a:r>
             <a:endParaRPr/>
           </a:p>
@@ -3492,7 +4093,7 @@
   <p:cSld>
     <p:spTree>
       <p:nvGrpSpPr>
-        <p:cNvPr id="106" name="Shape 106"/>
+        <p:cNvPr id="109" name="Shape 109"/>
         <p:cNvGrpSpPr/>
         <p:nvPr/>
       </p:nvGrpSpPr>
@@ -3506,7 +4107,7 @@
       </p:grpSpPr>
       <p:sp>
         <p:nvSpPr>
-          <p:cNvPr id="107" name="Google Shape;107;p10:notes"/>
+          <p:cNvPr id="110" name="Google Shape;110;p8:notes"/>
           <p:cNvSpPr/>
           <p:nvPr>
             <p:ph idx="2" type="sldImg"/>
@@ -3551,7 +4152,7 @@
       </p:sp>
       <p:sp>
         <p:nvSpPr>
-          <p:cNvPr id="108" name="Google Shape;108;p10:notes"/>
+          <p:cNvPr id="111" name="Google Shape;111;p8:notes"/>
           <p:cNvSpPr txBox="1"/>
           <p:nvPr>
             <p:ph idx="1" type="body"/>
@@ -3580,6 +4181,131 @@
               <a:lnSpc>
                 <a:spcPct val="100000"/>
               </a:lnSpc>
+              <a:spcBef>
+                <a:spcPts val="0"/>
+              </a:spcBef>
+              <a:spcAft>
+                <a:spcPts val="0"/>
+              </a:spcAft>
+              <a:buSzPts val="1400"/>
+              <a:buNone/>
+            </a:pPr>
+            <a:r>
+              <a:rPr lang="en-US"/>
+              <a:t>I am Wen Gong, had a Ph.D. in nuclear physics, and have 20 years of software development and consulting experience in customer master data management. I am taking a 7 weeks’ leave from Oracle. With newly learnt DevOps and cloud computing skills. I am very excited to explore new opportunities in this area.</a:t>
+            </a:r>
+            <a:endParaRPr/>
+          </a:p>
+          <a:p>
+            <a:pPr indent="0" lvl="0" marL="0" rtl="0" algn="l">
+              <a:lnSpc>
+                <a:spcPct val="100000"/>
+              </a:lnSpc>
+              <a:spcBef>
+                <a:spcPts val="0"/>
+              </a:spcBef>
+              <a:spcAft>
+                <a:spcPts val="0"/>
+              </a:spcAft>
+              <a:buSzPts val="1400"/>
+              <a:buNone/>
+            </a:pPr>
+            <a:r>
+              <a:t/>
+            </a:r>
+            <a:endParaRPr/>
+          </a:p>
+          <a:p>
+            <a:pPr indent="0" lvl="0" marL="0" rtl="0" algn="l">
+              <a:lnSpc>
+                <a:spcPct val="100000"/>
+              </a:lnSpc>
+              <a:spcBef>
+                <a:spcPts val="0"/>
+              </a:spcBef>
+              <a:spcAft>
+                <a:spcPts val="0"/>
+              </a:spcAft>
+              <a:buSzPts val="1400"/>
+              <a:buNone/>
+            </a:pPr>
+            <a:r>
+              <a:rPr lang="en-US"/>
+              <a:t>Thanks for your attention, Any question?</a:t>
+            </a:r>
+            <a:endParaRPr/>
+          </a:p>
+          <a:p>
+            <a:pPr indent="0" lvl="0" marL="0" rtl="0" algn="l">
+              <a:lnSpc>
+                <a:spcPct val="100000"/>
+              </a:lnSpc>
+              <a:spcBef>
+                <a:spcPts val="0"/>
+              </a:spcBef>
+              <a:spcAft>
+                <a:spcPts val="0"/>
+              </a:spcAft>
+              <a:buSzPts val="1400"/>
+              <a:buNone/>
+            </a:pPr>
+            <a:r>
+              <a:t/>
+            </a:r>
+            <a:endParaRPr/>
+          </a:p>
+          <a:p>
+            <a:pPr indent="0" lvl="0" marL="0" rtl="0" algn="l">
+              <a:spcBef>
+                <a:spcPts val="0"/>
+              </a:spcBef>
+              <a:spcAft>
+                <a:spcPts val="0"/>
+              </a:spcAft>
+              <a:buSzPts val="1400"/>
+              <a:buNone/>
+            </a:pPr>
+            <a:r>
+              <a:rPr lang="en-US"/>
+              <a:t>TO IMPROVE: </a:t>
+            </a:r>
+            <a:endParaRPr/>
+          </a:p>
+          <a:p>
+            <a:pPr indent="0" lvl="0" marL="0" rtl="0" algn="l">
+              <a:spcBef>
+                <a:spcPts val="0"/>
+              </a:spcBef>
+              <a:spcAft>
+                <a:spcPts val="0"/>
+              </a:spcAft>
+              <a:buSzPts val="1400"/>
+              <a:buNone/>
+            </a:pPr>
+            <a:r>
+              <a:t/>
+            </a:r>
+            <a:endParaRPr/>
+          </a:p>
+          <a:p>
+            <a:pPr indent="0" lvl="0" marL="0" rtl="0" algn="l">
+              <a:spcBef>
+                <a:spcPts val="0"/>
+              </a:spcBef>
+              <a:spcAft>
+                <a:spcPts val="0"/>
+              </a:spcAft>
+              <a:buSzPts val="1400"/>
+              <a:buNone/>
+            </a:pPr>
+            <a:r>
+              <a:rPr lang="en-US"/>
+              <a:t>add my profile picture + Oracle logo</a:t>
+            </a:r>
+            <a:endParaRPr/>
+          </a:p>
+          <a:p>
+            <a:pPr indent="0" lvl="0" marL="0" rtl="0" algn="l">
               <a:spcBef>
                 <a:spcPts val="0"/>
               </a:spcBef>
@@ -11814,7 +12540,7 @@
   <p:cSld>
     <p:spTree>
       <p:nvGrpSpPr>
-        <p:cNvPr id="113" name="Shape 113"/>
+        <p:cNvPr id="120" name="Shape 120"/>
         <p:cNvGrpSpPr/>
         <p:nvPr/>
       </p:nvGrpSpPr>
@@ -11826,6 +12552,62 @@
           <a:chExt cx="0" cy="0"/>
         </a:xfrm>
       </p:grpSpPr>
+      <p:sp>
+        <p:nvSpPr>
+          <p:cNvPr id="121" name="Google Shape;121;p22"/>
+          <p:cNvSpPr txBox="1"/>
+          <p:nvPr>
+            <p:ph type="title"/>
+          </p:nvPr>
+        </p:nvSpPr>
+        <p:spPr>
+          <a:xfrm>
+            <a:off x="703821" y="507850"/>
+            <a:ext cx="7736400" cy="572700"/>
+          </a:xfrm>
+          <a:prstGeom prst="rect">
+            <a:avLst/>
+          </a:prstGeom>
+          <a:noFill/>
+          <a:ln>
+            <a:noFill/>
+          </a:ln>
+        </p:spPr>
+        <p:txBody>
+          <a:bodyPr anchorCtr="0" anchor="t" bIns="91425" lIns="91425" spcFirstLastPara="1" rIns="91425" wrap="square" tIns="91425">
+            <a:noAutofit/>
+          </a:bodyPr>
+          <a:lstStyle/>
+          <a:p>
+            <a:pPr indent="0" lvl="0" marL="0" rtl="0" algn="l">
+              <a:lnSpc>
+                <a:spcPct val="100000"/>
+              </a:lnSpc>
+              <a:spcBef>
+                <a:spcPts val="0"/>
+              </a:spcBef>
+              <a:spcAft>
+                <a:spcPts val="0"/>
+              </a:spcAft>
+              <a:buSzPts val="3000"/>
+              <a:buNone/>
+            </a:pPr>
+            <a:r>
+              <a:rPr lang="en-US" sz="3200">
+                <a:solidFill>
+                  <a:schemeClr val="accent4"/>
+                </a:solidFill>
+              </a:rPr>
+              <a:t>Questions</a:t>
+            </a:r>
+            <a:endParaRPr sz="3200">
+              <a:solidFill>
+                <a:schemeClr val="accent4"/>
+              </a:solidFill>
+            </a:endParaRPr>
+          </a:p>
+        </p:txBody>
+      </p:sp>
     </p:spTree>
   </p:cSld>
   <p:clrMapOvr>
@@ -11839,7 +12621,7 @@
   <p:cSld>
     <p:spTree>
       <p:nvGrpSpPr>
-        <p:cNvPr id="117" name="Shape 117"/>
+        <p:cNvPr id="125" name="Shape 125"/>
         <p:cNvGrpSpPr/>
         <p:nvPr/>
       </p:nvGrpSpPr>
@@ -11853,7 +12635,7 @@
       </p:grpSpPr>
       <p:sp>
         <p:nvSpPr>
-          <p:cNvPr id="118" name="Google Shape;118;p23"/>
+          <p:cNvPr id="126" name="Google Shape;126;p23"/>
           <p:cNvSpPr txBox="1"/>
           <p:nvPr>
             <p:ph type="title"/>
@@ -11909,7 +12691,7 @@
       </p:sp>
       <p:sp>
         <p:nvSpPr>
-          <p:cNvPr id="119" name="Google Shape;119;p23"/>
+          <p:cNvPr id="127" name="Google Shape;127;p23"/>
           <p:cNvSpPr txBox="1"/>
           <p:nvPr>
             <p:ph idx="1" type="body"/>
@@ -12014,7 +12796,7 @@
   <p:cSld>
     <p:spTree>
       <p:nvGrpSpPr>
-        <p:cNvPr id="123" name="Shape 123"/>
+        <p:cNvPr id="131" name="Shape 131"/>
         <p:cNvGrpSpPr/>
         <p:nvPr/>
       </p:nvGrpSpPr>
@@ -12028,115 +12810,7 @@
       </p:grpSpPr>
       <p:sp>
         <p:nvSpPr>
-          <p:cNvPr id="124" name="Google Shape;124;p24"/>
-          <p:cNvSpPr txBox="1"/>
-          <p:nvPr>
-            <p:ph type="title"/>
-          </p:nvPr>
-        </p:nvSpPr>
-        <p:spPr>
-          <a:xfrm>
-            <a:off x="473269" y="324010"/>
-            <a:ext cx="8033400" cy="572700"/>
-          </a:xfrm>
-          <a:prstGeom prst="rect">
-            <a:avLst/>
-          </a:prstGeom>
-          <a:noFill/>
-          <a:ln>
-            <a:noFill/>
-          </a:ln>
-        </p:spPr>
-        <p:txBody>
-          <a:bodyPr anchorCtr="0" anchor="t" bIns="91425" lIns="91425" spcFirstLastPara="1" rIns="91425" wrap="square" tIns="91425">
-            <a:noAutofit/>
-          </a:bodyPr>
-          <a:lstStyle/>
-          <a:p>
-            <a:pPr indent="0" lvl="0" marL="0" rtl="0" algn="l">
-              <a:lnSpc>
-                <a:spcPct val="100000"/>
-              </a:lnSpc>
-              <a:spcBef>
-                <a:spcPts val="0"/>
-              </a:spcBef>
-              <a:spcAft>
-                <a:spcPts val="0"/>
-              </a:spcAft>
-              <a:buSzPts val="3000"/>
-              <a:buNone/>
-            </a:pPr>
-            <a:r>
-              <a:rPr lang="en-US" sz="3200">
-                <a:solidFill>
-                  <a:schemeClr val="accent4"/>
-                </a:solidFill>
-              </a:rPr>
-              <a:t>Solution: Dev + Ops</a:t>
-            </a:r>
-            <a:endParaRPr sz="3200">
-              <a:solidFill>
-                <a:schemeClr val="accent4"/>
-              </a:solidFill>
-            </a:endParaRPr>
-          </a:p>
-        </p:txBody>
-      </p:sp>
-      <p:pic>
-        <p:nvPicPr>
-          <p:cNvPr id="125" name="Google Shape;125;p24"/>
-          <p:cNvPicPr preferRelativeResize="0"/>
-          <p:nvPr/>
-        </p:nvPicPr>
-        <p:blipFill rotWithShape="1">
-          <a:blip r:embed="rId3">
-            <a:alphaModFix/>
-          </a:blip>
-          <a:srcRect b="0" l="0" r="0" t="0"/>
-          <a:stretch/>
-        </p:blipFill>
-        <p:spPr>
-          <a:xfrm>
-            <a:off x="1139415" y="1117302"/>
-            <a:ext cx="6887827" cy="3593243"/>
-          </a:xfrm>
-          <a:prstGeom prst="rect">
-            <a:avLst/>
-          </a:prstGeom>
-          <a:noFill/>
-          <a:ln>
-            <a:noFill/>
-          </a:ln>
-        </p:spPr>
-      </p:pic>
-    </p:spTree>
-  </p:cSld>
-  <p:clrMapOvr>
-    <a:masterClrMapping/>
-  </p:clrMapOvr>
-</p:sld>
-</file>
-
-<file path=ppt/slides/slide13.xml><?xml version="1.0" encoding="utf-8"?>
-<p:sld xmlns:a="http://schemas.openxmlformats.org/drawingml/2006/main" xmlns:r="http://schemas.openxmlformats.org/officeDocument/2006/relationships" xmlns:mc="http://schemas.openxmlformats.org/markup-compatibility/2006" xmlns:mv="urn:schemas-microsoft-com:mac:vml" xmlns:p="http://schemas.openxmlformats.org/presentationml/2006/main" xmlns:c="http://schemas.openxmlformats.org/drawingml/2006/chart" xmlns:dgm="http://schemas.openxmlformats.org/drawingml/2006/diagram" xmlns:o="urn:schemas-microsoft-com:office:office" xmlns:v="urn:schemas-microsoft-com:vml" xmlns:pvml="urn:schemas-microsoft-com:office:powerpoint" xmlns:com="http://schemas.openxmlformats.org/drawingml/2006/compatibility" xmlns:p14="http://schemas.microsoft.com/office/powerpoint/2010/main" xmlns:p15="http://schemas.microsoft.com/office/powerpoint/2012/main">
-  <p:cSld>
-    <p:spTree>
-      <p:nvGrpSpPr>
-        <p:cNvPr id="129" name="Shape 129"/>
-        <p:cNvGrpSpPr/>
-        <p:nvPr/>
-      </p:nvGrpSpPr>
-      <p:grpSpPr>
-        <a:xfrm>
-          <a:off x="0" y="0"/>
-          <a:ext cx="0" cy="0"/>
-          <a:chOff x="0" y="0"/>
-          <a:chExt cx="0" cy="0"/>
-        </a:xfrm>
-      </p:grpSpPr>
-      <p:sp>
-        <p:nvSpPr>
-          <p:cNvPr id="130" name="Google Shape;130;p25"/>
+          <p:cNvPr id="132" name="Google Shape;132;p24"/>
           <p:cNvSpPr txBox="1"/>
           <p:nvPr>
             <p:ph type="title"/>
@@ -12192,7 +12866,7 @@
       </p:sp>
       <p:pic>
         <p:nvPicPr>
-          <p:cNvPr id="131" name="Google Shape;131;p25"/>
+          <p:cNvPr id="133" name="Google Shape;133;p24"/>
           <p:cNvPicPr preferRelativeResize="0"/>
           <p:nvPr/>
         </p:nvPicPr>
@@ -12225,12 +12899,12 @@
 </p:sld>
 </file>
 
-<file path=ppt/slides/slide14.xml><?xml version="1.0" encoding="utf-8"?>
+<file path=ppt/slides/slide13.xml><?xml version="1.0" encoding="utf-8"?>
 <p:sld xmlns:a="http://schemas.openxmlformats.org/drawingml/2006/main" xmlns:r="http://schemas.openxmlformats.org/officeDocument/2006/relationships" xmlns:mc="http://schemas.openxmlformats.org/markup-compatibility/2006" xmlns:mv="urn:schemas-microsoft-com:mac:vml" xmlns:p="http://schemas.openxmlformats.org/presentationml/2006/main" xmlns:c="http://schemas.openxmlformats.org/drawingml/2006/chart" xmlns:dgm="http://schemas.openxmlformats.org/drawingml/2006/diagram" xmlns:o="urn:schemas-microsoft-com:office:office" xmlns:v="urn:schemas-microsoft-com:vml" xmlns:pvml="urn:schemas-microsoft-com:office:powerpoint" xmlns:com="http://schemas.openxmlformats.org/drawingml/2006/compatibility" xmlns:p14="http://schemas.microsoft.com/office/powerpoint/2010/main" xmlns:p15="http://schemas.microsoft.com/office/powerpoint/2012/main">
   <p:cSld>
     <p:spTree>
       <p:nvGrpSpPr>
-        <p:cNvPr id="135" name="Shape 135"/>
+        <p:cNvPr id="137" name="Shape 137"/>
         <p:cNvGrpSpPr/>
         <p:nvPr/>
       </p:nvGrpSpPr>
@@ -12244,7 +12918,7 @@
       </p:grpSpPr>
       <p:sp>
         <p:nvSpPr>
-          <p:cNvPr id="136" name="Google Shape;136;p26"/>
+          <p:cNvPr id="138" name="Google Shape;138;p25"/>
           <p:cNvSpPr txBox="1"/>
           <p:nvPr>
             <p:ph type="title"/>
@@ -12300,7 +12974,7 @@
       </p:sp>
       <p:pic>
         <p:nvPicPr>
-          <p:cNvPr id="137" name="Google Shape;137;p26"/>
+          <p:cNvPr id="139" name="Google Shape;139;p25"/>
           <p:cNvPicPr preferRelativeResize="0"/>
           <p:nvPr/>
         </p:nvPicPr>
@@ -12333,12 +13007,12 @@
 </p:sld>
 </file>
 
-<file path=ppt/slides/slide15.xml><?xml version="1.0" encoding="utf-8"?>
+<file path=ppt/slides/slide14.xml><?xml version="1.0" encoding="utf-8"?>
 <p:sld xmlns:a="http://schemas.openxmlformats.org/drawingml/2006/main" xmlns:r="http://schemas.openxmlformats.org/officeDocument/2006/relationships" xmlns:mc="http://schemas.openxmlformats.org/markup-compatibility/2006" xmlns:mv="urn:schemas-microsoft-com:mac:vml" xmlns:p="http://schemas.openxmlformats.org/presentationml/2006/main" xmlns:c="http://schemas.openxmlformats.org/drawingml/2006/chart" xmlns:dgm="http://schemas.openxmlformats.org/drawingml/2006/diagram" xmlns:o="urn:schemas-microsoft-com:office:office" xmlns:v="urn:schemas-microsoft-com:vml" xmlns:pvml="urn:schemas-microsoft-com:office:powerpoint" xmlns:com="http://schemas.openxmlformats.org/drawingml/2006/compatibility" xmlns:p14="http://schemas.microsoft.com/office/powerpoint/2010/main" xmlns:p15="http://schemas.microsoft.com/office/powerpoint/2012/main">
   <p:cSld>
     <p:spTree>
       <p:nvGrpSpPr>
-        <p:cNvPr id="141" name="Shape 141"/>
+        <p:cNvPr id="143" name="Shape 143"/>
         <p:cNvGrpSpPr/>
         <p:nvPr/>
       </p:nvGrpSpPr>
@@ -12352,7 +13026,7 @@
       </p:grpSpPr>
       <p:sp>
         <p:nvSpPr>
-          <p:cNvPr id="142" name="Google Shape;142;p27"/>
+          <p:cNvPr id="144" name="Google Shape;144;p26"/>
           <p:cNvSpPr txBox="1"/>
           <p:nvPr>
             <p:ph type="title"/>
@@ -12408,7 +13082,7 @@
       </p:sp>
       <p:pic>
         <p:nvPicPr>
-          <p:cNvPr id="143" name="Google Shape;143;p27"/>
+          <p:cNvPr id="145" name="Google Shape;145;p26"/>
           <p:cNvPicPr preferRelativeResize="0"/>
           <p:nvPr/>
         </p:nvPicPr>
@@ -12468,8 +13142,8 @@
         </p:nvSpPr>
         <p:spPr>
           <a:xfrm>
-            <a:off x="439950" y="299875"/>
-            <a:ext cx="8264700" cy="572700"/>
+            <a:off x="352025" y="299875"/>
+            <a:ext cx="3055200" cy="572700"/>
           </a:xfrm>
           <a:prstGeom prst="rect">
             <a:avLst/>
@@ -12504,7 +13178,7 @@
                   <a:schemeClr val="accent4"/>
                 </a:solidFill>
               </a:rPr>
-              <a:t>Business Problem</a:t>
+              <a:t>Motivation</a:t>
             </a:r>
             <a:endParaRPr sz="3200">
               <a:solidFill>
@@ -12524,8 +13198,8 @@
         </p:nvSpPr>
         <p:spPr>
           <a:xfrm>
-            <a:off x="601525" y="1152475"/>
-            <a:ext cx="7068000" cy="2811900"/>
+            <a:off x="352025" y="1412900"/>
+            <a:ext cx="3538800" cy="2174100"/>
           </a:xfrm>
           <a:prstGeom prst="rect">
             <a:avLst/>
@@ -12541,9 +13215,9 @@
           </a:bodyPr>
           <a:lstStyle/>
           <a:p>
-            <a:pPr indent="-342900" lvl="0" marL="457200" rtl="0" algn="l">
-              <a:lnSpc>
-                <a:spcPct val="115000"/>
+            <a:pPr indent="-381000" lvl="0" marL="457200" rtl="0" algn="l">
+              <a:lnSpc>
+                <a:spcPct val="100000"/>
               </a:lnSpc>
               <a:spcBef>
                 <a:spcPts val="0"/>
@@ -12554,54 +13228,318 @@
               <a:buClr>
                 <a:srgbClr val="FFFFFF"/>
               </a:buClr>
-              <a:buSzPts val="1800"/>
+              <a:buSzPts val="2400"/>
               <a:buChar char="●"/>
             </a:pPr>
             <a:r>
-              <a:rPr lang="en-US" sz="2000">
+              <a:rPr lang="en-US" sz="2400">
                 <a:solidFill>
                   <a:srgbClr val="FFFFFF"/>
                 </a:solidFill>
               </a:rPr>
-              <a:t>Streamline processes: code &gt; test &gt; build &gt; deploy to cloud</a:t>
-            </a:r>
-            <a:endParaRPr/>
-          </a:p>
-          <a:p>
-            <a:pPr indent="0" lvl="1" marL="1054100" rtl="0" algn="l">
-              <a:lnSpc>
-                <a:spcPct val="115000"/>
-              </a:lnSpc>
-              <a:spcBef>
-                <a:spcPts val="0"/>
-              </a:spcBef>
-              <a:spcAft>
-                <a:spcPts val="0"/>
-              </a:spcAft>
-              <a:buClr>
+              <a:t>monolithic app</a:t>
+            </a:r>
+            <a:endParaRPr sz="2400">
+              <a:solidFill>
                 <a:srgbClr val="FFFFFF"/>
-              </a:buClr>
-              <a:buSzPts val="1400"/>
-              <a:buNone/>
+              </a:solidFill>
+            </a:endParaRPr>
+          </a:p>
+          <a:p>
+            <a:pPr indent="-381000" lvl="0" marL="457200" rtl="0" algn="l">
+              <a:lnSpc>
+                <a:spcPct val="100000"/>
+              </a:lnSpc>
+              <a:spcBef>
+                <a:spcPts val="0"/>
+              </a:spcBef>
+              <a:spcAft>
+                <a:spcPts val="0"/>
+              </a:spcAft>
+              <a:buClr>
+                <a:srgbClr val="FFFFFF"/>
+              </a:buClr>
+              <a:buSzPts val="2400"/>
+              <a:buChar char="●"/>
             </a:pPr>
             <a:r>
-              <a:rPr lang="en-US">
+              <a:rPr lang="en-US" sz="2400">
+                <a:solidFill>
+                  <a:srgbClr val="FFFFFF"/>
+                </a:solidFill>
+              </a:rPr>
+              <a:t>dev not test-driven</a:t>
+            </a:r>
+            <a:endParaRPr sz="2400">
+              <a:solidFill>
+                <a:srgbClr val="FFFFFF"/>
+              </a:solidFill>
+            </a:endParaRPr>
+          </a:p>
+          <a:p>
+            <a:pPr indent="-381000" lvl="0" marL="457200" rtl="0" algn="l">
+              <a:lnSpc>
+                <a:spcPct val="100000"/>
+              </a:lnSpc>
+              <a:spcBef>
+                <a:spcPts val="0"/>
+              </a:spcBef>
+              <a:spcAft>
+                <a:spcPts val="0"/>
+              </a:spcAft>
+              <a:buClr>
+                <a:srgbClr val="FFFFFF"/>
+              </a:buClr>
+              <a:buSzPts val="2400"/>
+              <a:buChar char="●"/>
+            </a:pPr>
+            <a:r>
+              <a:rPr lang="en-US" sz="2400">
+                <a:solidFill>
+                  <a:srgbClr val="FFFFFF"/>
+                </a:solidFill>
+              </a:rPr>
+              <a:t>lack of tests</a:t>
+            </a:r>
+            <a:endParaRPr sz="2400">
+              <a:solidFill>
+                <a:srgbClr val="FFFFFF"/>
+              </a:solidFill>
+            </a:endParaRPr>
+          </a:p>
+          <a:p>
+            <a:pPr indent="-381000" lvl="0" marL="457200" rtl="0" algn="l">
+              <a:lnSpc>
+                <a:spcPct val="100000"/>
+              </a:lnSpc>
+              <a:spcBef>
+                <a:spcPts val="0"/>
+              </a:spcBef>
+              <a:spcAft>
+                <a:spcPts val="0"/>
+              </a:spcAft>
+              <a:buClr>
+                <a:srgbClr val="FFFFFF"/>
+              </a:buClr>
+              <a:buSzPts val="2400"/>
+              <a:buChar char="●"/>
+            </a:pPr>
+            <a:r>
+              <a:rPr lang="en-US" sz="2400">
+                <a:solidFill>
+                  <a:srgbClr val="FFFFFF"/>
+                </a:solidFill>
+              </a:rPr>
+              <a:t>build not automated</a:t>
+            </a:r>
+            <a:endParaRPr sz="2400">
+              <a:solidFill>
+                <a:srgbClr val="FFFFFF"/>
+              </a:solidFill>
+            </a:endParaRPr>
+          </a:p>
+          <a:p>
+            <a:pPr indent="-381000" lvl="0" marL="457200" rtl="0" algn="l">
+              <a:lnSpc>
+                <a:spcPct val="100000"/>
+              </a:lnSpc>
+              <a:spcBef>
+                <a:spcPts val="0"/>
+              </a:spcBef>
+              <a:spcAft>
+                <a:spcPts val="0"/>
+              </a:spcAft>
+              <a:buClr>
+                <a:srgbClr val="FFFFFF"/>
+              </a:buClr>
+              <a:buSzPts val="2400"/>
+              <a:buChar char="●"/>
+            </a:pPr>
+            <a:r>
+              <a:rPr lang="en-US" sz="2400">
+                <a:solidFill>
+                  <a:srgbClr val="FFFFFF"/>
+                </a:solidFill>
+              </a:rPr>
+              <a:t>slow approval</a:t>
+            </a:r>
+            <a:endParaRPr sz="2400">
+              <a:solidFill>
+                <a:srgbClr val="FFFFFF"/>
+              </a:solidFill>
+            </a:endParaRPr>
+          </a:p>
+        </p:txBody>
+      </p:sp>
+      <p:pic>
+        <p:nvPicPr>
+          <p:cNvPr id="67" name="Google Shape;67;p14"/>
+          <p:cNvPicPr preferRelativeResize="0"/>
+          <p:nvPr/>
+        </p:nvPicPr>
+        <p:blipFill rotWithShape="1">
+          <a:blip r:embed="rId3">
+            <a:alphaModFix/>
+          </a:blip>
+          <a:srcRect b="0" l="0" r="0" t="0"/>
+          <a:stretch/>
+        </p:blipFill>
+        <p:spPr>
+          <a:xfrm>
+            <a:off x="4604225" y="2867000"/>
+            <a:ext cx="3764850" cy="1964075"/>
+          </a:xfrm>
+          <a:prstGeom prst="rect">
+            <a:avLst/>
+          </a:prstGeom>
+          <a:noFill/>
+          <a:ln>
+            <a:noFill/>
+          </a:ln>
+        </p:spPr>
+      </p:pic>
+      <p:sp>
+        <p:nvSpPr>
+          <p:cNvPr id="68" name="Google Shape;68;p14"/>
+          <p:cNvSpPr txBox="1"/>
+          <p:nvPr>
+            <p:ph type="title"/>
+          </p:nvPr>
+        </p:nvSpPr>
+        <p:spPr>
+          <a:xfrm>
+            <a:off x="4604225" y="962475"/>
+            <a:ext cx="1539600" cy="572700"/>
+          </a:xfrm>
+          <a:prstGeom prst="rect">
+            <a:avLst/>
+          </a:prstGeom>
+          <a:noFill/>
+          <a:ln>
+            <a:noFill/>
+          </a:ln>
+        </p:spPr>
+        <p:txBody>
+          <a:bodyPr anchorCtr="0" anchor="t" bIns="91425" lIns="91425" spcFirstLastPara="1" rIns="91425" wrap="square" tIns="91425">
+            <a:noAutofit/>
+          </a:bodyPr>
+          <a:lstStyle/>
+          <a:p>
+            <a:pPr indent="0" lvl="0" marL="0" rtl="0" algn="l">
+              <a:lnSpc>
+                <a:spcPct val="100000"/>
+              </a:lnSpc>
+              <a:spcBef>
+                <a:spcPts val="0"/>
+              </a:spcBef>
+              <a:spcAft>
+                <a:spcPts val="0"/>
+              </a:spcAft>
+              <a:buSzPts val="3000"/>
+              <a:buNone/>
+            </a:pPr>
+            <a:r>
+              <a:rPr lang="en-US" sz="2400">
                 <a:solidFill>
                   <a:srgbClr val="F1C232"/>
                 </a:solidFill>
               </a:rPr>
-              <a:t>=&gt; Faster time-to-market speed</a:t>
-            </a:r>
-            <a:endParaRPr>
+              <a:t>Promise</a:t>
+            </a:r>
+            <a:endParaRPr sz="2400">
               <a:solidFill>
                 <a:srgbClr val="F1C232"/>
               </a:solidFill>
             </a:endParaRPr>
           </a:p>
-          <a:p>
-            <a:pPr indent="-228600" lvl="1" marL="914400" rtl="0" algn="l">
-              <a:lnSpc>
-                <a:spcPct val="115000"/>
+        </p:txBody>
+      </p:sp>
+      <p:sp>
+        <p:nvSpPr>
+          <p:cNvPr id="69" name="Google Shape;69;p14"/>
+          <p:cNvSpPr txBox="1"/>
+          <p:nvPr>
+            <p:ph type="title"/>
+          </p:nvPr>
+        </p:nvSpPr>
+        <p:spPr>
+          <a:xfrm>
+            <a:off x="352025" y="962475"/>
+            <a:ext cx="2231100" cy="572700"/>
+          </a:xfrm>
+          <a:prstGeom prst="rect">
+            <a:avLst/>
+          </a:prstGeom>
+          <a:noFill/>
+          <a:ln>
+            <a:noFill/>
+          </a:ln>
+        </p:spPr>
+        <p:txBody>
+          <a:bodyPr anchorCtr="0" anchor="t" bIns="91425" lIns="91425" spcFirstLastPara="1" rIns="91425" wrap="square" tIns="91425">
+            <a:noAutofit/>
+          </a:bodyPr>
+          <a:lstStyle/>
+          <a:p>
+            <a:pPr indent="0" lvl="0" marL="0" rtl="0" algn="l">
+              <a:lnSpc>
+                <a:spcPct val="100000"/>
+              </a:lnSpc>
+              <a:spcBef>
+                <a:spcPts val="0"/>
+              </a:spcBef>
+              <a:spcAft>
+                <a:spcPts val="0"/>
+              </a:spcAft>
+              <a:buSzPts val="3000"/>
+              <a:buNone/>
+            </a:pPr>
+            <a:r>
+              <a:rPr lang="en-US" sz="2400">
+                <a:solidFill>
+                  <a:srgbClr val="E06666"/>
+                </a:solidFill>
+              </a:rPr>
+              <a:t>Problems</a:t>
+            </a:r>
+            <a:endParaRPr sz="2400">
+              <a:solidFill>
+                <a:srgbClr val="E06666"/>
+              </a:solidFill>
+            </a:endParaRPr>
+          </a:p>
+        </p:txBody>
+      </p:sp>
+      <p:sp>
+        <p:nvSpPr>
+          <p:cNvPr id="70" name="Google Shape;70;p14"/>
+          <p:cNvSpPr txBox="1"/>
+          <p:nvPr>
+            <p:ph idx="1" type="body"/>
+          </p:nvPr>
+        </p:nvSpPr>
+        <p:spPr>
+          <a:xfrm>
+            <a:off x="4461575" y="1535175"/>
+            <a:ext cx="4506600" cy="1637400"/>
+          </a:xfrm>
+          <a:prstGeom prst="rect">
+            <a:avLst/>
+          </a:prstGeom>
+          <a:noFill/>
+          <a:ln>
+            <a:noFill/>
+          </a:ln>
+        </p:spPr>
+        <p:txBody>
+          <a:bodyPr anchorCtr="0" anchor="t" bIns="91425" lIns="91425" spcFirstLastPara="1" rIns="91425" wrap="square" tIns="91425">
+            <a:noAutofit/>
+          </a:bodyPr>
+          <a:lstStyle/>
+          <a:p>
+            <a:pPr indent="-381000" lvl="0" marL="457200" rtl="0" algn="l">
+              <a:lnSpc>
+                <a:spcPct val="100000"/>
               </a:lnSpc>
               <a:spcBef>
                 <a:spcPts val="0"/>
@@ -12612,22 +13550,27 @@
               <a:buClr>
                 <a:srgbClr val="FFFFFF"/>
               </a:buClr>
-              <a:buSzPts val="1400"/>
-              <a:buNone/>
+              <a:buSzPts val="2400"/>
+              <a:buChar char="●"/>
             </a:pPr>
             <a:r>
-              <a:t/>
-            </a:r>
-            <a:endParaRPr>
+              <a:rPr lang="en-US" sz="2400">
+                <a:solidFill>
+                  <a:srgbClr val="FFFFFF"/>
+                </a:solidFill>
+              </a:rPr>
+              <a:t>Faster time-to-market cycle</a:t>
+            </a:r>
+            <a:endParaRPr sz="2400">
               <a:solidFill>
                 <a:srgbClr val="FFFFFF"/>
               </a:solidFill>
             </a:endParaRPr>
           </a:p>
           <a:p>
-            <a:pPr indent="-342900" lvl="0" marL="457200" rtl="0" algn="l">
-              <a:lnSpc>
-                <a:spcPct val="115000"/>
+            <a:pPr indent="-381000" lvl="0" marL="457200" rtl="0" algn="l">
+              <a:lnSpc>
+                <a:spcPct val="100000"/>
               </a:lnSpc>
               <a:spcBef>
                 <a:spcPts val="0"/>
@@ -12638,190 +13581,49 @@
               <a:buClr>
                 <a:srgbClr val="FFFFFF"/>
               </a:buClr>
-              <a:buSzPts val="1800"/>
+              <a:buSzPts val="2400"/>
               <a:buChar char="●"/>
             </a:pPr>
             <a:r>
-              <a:rPr lang="en-US" sz="2000">
-                <a:solidFill>
-                  <a:schemeClr val="dk1"/>
+              <a:rPr lang="en-US" sz="2400">
+                <a:solidFill>
+                  <a:srgbClr val="FFFFFF"/>
                 </a:solidFill>
               </a:rPr>
-              <a:t>Migrate business to cloud</a:t>
-            </a:r>
-            <a:endParaRPr/>
-          </a:p>
-          <a:p>
-            <a:pPr indent="0" lvl="1" marL="1054100" rtl="0" algn="l">
-              <a:lnSpc>
-                <a:spcPct val="115000"/>
-              </a:lnSpc>
-              <a:spcBef>
-                <a:spcPts val="0"/>
-              </a:spcBef>
-              <a:spcAft>
-                <a:spcPts val="0"/>
-              </a:spcAft>
-              <a:buClr>
-                <a:schemeClr val="dk1"/>
-              </a:buClr>
-              <a:buSzPts val="1400"/>
-              <a:buNone/>
-            </a:pPr>
-            <a:r>
-              <a:rPr lang="en-US">
-                <a:solidFill>
-                  <a:srgbClr val="F1C232"/>
-                </a:solidFill>
-              </a:rPr>
-              <a:t>=&gt; Gain productivity and save cost</a:t>
-            </a:r>
-            <a:endParaRPr>
-              <a:solidFill>
-                <a:srgbClr val="F1C232"/>
-              </a:solidFill>
-            </a:endParaRPr>
-          </a:p>
-          <a:p>
-            <a:pPr indent="-228600" lvl="1" marL="914400" rtl="0" algn="l">
-              <a:lnSpc>
-                <a:spcPct val="115000"/>
-              </a:lnSpc>
-              <a:spcBef>
-                <a:spcPts val="0"/>
-              </a:spcBef>
-              <a:spcAft>
-                <a:spcPts val="0"/>
-              </a:spcAft>
-              <a:buClr>
-                <a:schemeClr val="dk1"/>
-              </a:buClr>
-              <a:buSzPts val="1400"/>
-              <a:buNone/>
-            </a:pPr>
-            <a:r>
-              <a:t/>
-            </a:r>
-            <a:endParaRPr>
-              <a:solidFill>
-                <a:schemeClr val="dk1"/>
-              </a:solidFill>
-            </a:endParaRPr>
-          </a:p>
-          <a:p>
-            <a:pPr indent="-228600" lvl="1" marL="914400" rtl="0" algn="l">
-              <a:lnSpc>
-                <a:spcPct val="115000"/>
-              </a:lnSpc>
-              <a:spcBef>
-                <a:spcPts val="0"/>
-              </a:spcBef>
-              <a:spcAft>
-                <a:spcPts val="0"/>
-              </a:spcAft>
-              <a:buClr>
-                <a:srgbClr val="F1C232"/>
-              </a:buClr>
-              <a:buSzPts val="1400"/>
-              <a:buNone/>
-            </a:pPr>
-            <a:r>
-              <a:t/>
-            </a:r>
-            <a:endParaRPr>
-              <a:solidFill>
-                <a:srgbClr val="F1C232"/>
-              </a:solidFill>
-            </a:endParaRPr>
-          </a:p>
-          <a:p>
-            <a:pPr indent="-228600" lvl="1" marL="914400" rtl="0" algn="l">
-              <a:lnSpc>
-                <a:spcPct val="115000"/>
-              </a:lnSpc>
-              <a:spcBef>
-                <a:spcPts val="0"/>
-              </a:spcBef>
-              <a:spcAft>
-                <a:spcPts val="0"/>
-              </a:spcAft>
-              <a:buClr>
-                <a:srgbClr val="FFFFFF"/>
-              </a:buClr>
-              <a:buSzPts val="1400"/>
-              <a:buNone/>
-            </a:pPr>
-            <a:r>
-              <a:t/>
-            </a:r>
-            <a:endParaRPr/>
-          </a:p>
-          <a:p>
-            <a:pPr indent="-228600" lvl="1" marL="914400" rtl="0" algn="l">
-              <a:lnSpc>
-                <a:spcPct val="115000"/>
-              </a:lnSpc>
-              <a:spcBef>
-                <a:spcPts val="0"/>
-              </a:spcBef>
-              <a:spcAft>
-                <a:spcPts val="0"/>
-              </a:spcAft>
-              <a:buClr>
-                <a:srgbClr val="FFFFFF"/>
-              </a:buClr>
-              <a:buSzPts val="1400"/>
-              <a:buNone/>
-            </a:pPr>
-            <a:r>
-              <a:t/>
-            </a:r>
-            <a:endParaRPr/>
-          </a:p>
-          <a:p>
-            <a:pPr indent="-228600" lvl="1" marL="914400" rtl="0" algn="l">
-              <a:lnSpc>
-                <a:spcPct val="115000"/>
-              </a:lnSpc>
-              <a:spcBef>
-                <a:spcPts val="0"/>
-              </a:spcBef>
-              <a:spcAft>
-                <a:spcPts val="0"/>
-              </a:spcAft>
-              <a:buClr>
-                <a:srgbClr val="FFFFFF"/>
-              </a:buClr>
-              <a:buSzPts val="1400"/>
-              <a:buNone/>
-            </a:pPr>
-            <a:r>
-              <a:t/>
-            </a:r>
-            <a:endParaRPr>
+              <a:t>Productivity gain </a:t>
+            </a:r>
+            <a:endParaRPr sz="2400">
               <a:solidFill>
                 <a:srgbClr val="FFFFFF"/>
               </a:solidFill>
             </a:endParaRPr>
           </a:p>
           <a:p>
-            <a:pPr indent="0" lvl="0" marL="457200" marR="0" rtl="0" algn="l">
-              <a:lnSpc>
-                <a:spcPct val="115000"/>
-              </a:lnSpc>
-              <a:spcBef>
-                <a:spcPts val="1600"/>
-              </a:spcBef>
-              <a:spcAft>
-                <a:spcPts val="1600"/>
-              </a:spcAft>
-              <a:buSzPts val="1800"/>
-              <a:buNone/>
+            <a:pPr indent="-381000" lvl="0" marL="457200" rtl="0" algn="l">
+              <a:lnSpc>
+                <a:spcPct val="100000"/>
+              </a:lnSpc>
+              <a:spcBef>
+                <a:spcPts val="0"/>
+              </a:spcBef>
+              <a:spcAft>
+                <a:spcPts val="0"/>
+              </a:spcAft>
+              <a:buClr>
+                <a:srgbClr val="FFFFFF"/>
+              </a:buClr>
+              <a:buSzPts val="2400"/>
+              <a:buChar char="●"/>
             </a:pPr>
             <a:r>
-              <a:t/>
-            </a:r>
-            <a:endParaRPr>
+              <a:rPr lang="en-US" sz="2400">
+                <a:solidFill>
+                  <a:srgbClr val="FFFFFF"/>
+                </a:solidFill>
+              </a:rPr>
+              <a:t>Cost savings</a:t>
+            </a:r>
+            <a:endParaRPr sz="2400">
               <a:solidFill>
                 <a:srgbClr val="FFFFFF"/>
               </a:solidFill>
@@ -12842,7 +13644,7 @@
   <p:cSld>
     <p:spTree>
       <p:nvGrpSpPr>
-        <p:cNvPr id="70" name="Shape 70"/>
+        <p:cNvPr id="74" name="Shape 74"/>
         <p:cNvGrpSpPr/>
         <p:nvPr/>
       </p:nvGrpSpPr>
@@ -12856,7 +13658,7 @@
       </p:grpSpPr>
       <p:sp>
         <p:nvSpPr>
-          <p:cNvPr id="71" name="Google Shape;71;p15"/>
+          <p:cNvPr id="75" name="Google Shape;75;p15"/>
           <p:cNvSpPr txBox="1"/>
           <p:nvPr>
             <p:ph type="title"/>
@@ -12864,8 +13666,8 @@
         </p:nvSpPr>
         <p:spPr>
           <a:xfrm>
-            <a:off x="542877" y="201850"/>
-            <a:ext cx="7990200" cy="572700"/>
+            <a:off x="573126" y="444075"/>
+            <a:ext cx="4997100" cy="572700"/>
           </a:xfrm>
           <a:prstGeom prst="rect">
             <a:avLst/>
@@ -12910,23 +13712,176 @@
           </a:p>
         </p:txBody>
       </p:sp>
+      <p:sp>
+        <p:nvSpPr>
+          <p:cNvPr id="76" name="Google Shape;76;p15"/>
+          <p:cNvSpPr txBox="1"/>
+          <p:nvPr>
+            <p:ph idx="1" type="body"/>
+          </p:nvPr>
+        </p:nvSpPr>
+        <p:spPr>
+          <a:xfrm>
+            <a:off x="5570225" y="322750"/>
+            <a:ext cx="2266500" cy="1070700"/>
+          </a:xfrm>
+          <a:prstGeom prst="rect">
+            <a:avLst/>
+          </a:prstGeom>
+          <a:noFill/>
+          <a:ln>
+            <a:noFill/>
+          </a:ln>
+        </p:spPr>
+        <p:txBody>
+          <a:bodyPr anchorCtr="0" anchor="t" bIns="91425" lIns="91425" spcFirstLastPara="1" rIns="91425" wrap="square" tIns="91425">
+            <a:noAutofit/>
+          </a:bodyPr>
+          <a:lstStyle/>
+          <a:p>
+            <a:pPr indent="0" lvl="0" marL="0" rtl="0" algn="l">
+              <a:lnSpc>
+                <a:spcPct val="100000"/>
+              </a:lnSpc>
+              <a:spcBef>
+                <a:spcPts val="0"/>
+              </a:spcBef>
+              <a:spcAft>
+                <a:spcPts val="0"/>
+              </a:spcAft>
+              <a:buNone/>
+            </a:pPr>
+            <a:r>
+              <a:rPr lang="en-US">
+                <a:solidFill>
+                  <a:srgbClr val="FFFFFF"/>
+                </a:solidFill>
+                <a:latin typeface="Arial"/>
+                <a:ea typeface="Arial"/>
+                <a:cs typeface="Arial"/>
+                <a:sym typeface="Arial"/>
+              </a:rPr>
+              <a:t>1) enhanced logging</a:t>
+            </a:r>
+            <a:endParaRPr>
+              <a:solidFill>
+                <a:srgbClr val="FFFFFF"/>
+              </a:solidFill>
+              <a:latin typeface="Arial"/>
+              <a:ea typeface="Arial"/>
+              <a:cs typeface="Arial"/>
+              <a:sym typeface="Arial"/>
+            </a:endParaRPr>
+          </a:p>
+          <a:p>
+            <a:pPr indent="0" lvl="0" marL="0" rtl="0" algn="l">
+              <a:lnSpc>
+                <a:spcPct val="100000"/>
+              </a:lnSpc>
+              <a:spcBef>
+                <a:spcPts val="0"/>
+              </a:spcBef>
+              <a:spcAft>
+                <a:spcPts val="0"/>
+              </a:spcAft>
+              <a:buNone/>
+            </a:pPr>
+            <a:r>
+              <a:rPr lang="en-US">
+                <a:solidFill>
+                  <a:srgbClr val="FFFFFF"/>
+                </a:solidFill>
+                <a:latin typeface="Arial"/>
+                <a:ea typeface="Arial"/>
+                <a:cs typeface="Arial"/>
+                <a:sym typeface="Arial"/>
+              </a:rPr>
+              <a:t>2) added E2E test</a:t>
+            </a:r>
+            <a:endParaRPr>
+              <a:solidFill>
+                <a:srgbClr val="FFFFFF"/>
+              </a:solidFill>
+              <a:latin typeface="Arial"/>
+              <a:ea typeface="Arial"/>
+              <a:cs typeface="Arial"/>
+              <a:sym typeface="Arial"/>
+            </a:endParaRPr>
+          </a:p>
+          <a:p>
+            <a:pPr indent="0" lvl="0" marL="0" rtl="0" algn="l">
+              <a:lnSpc>
+                <a:spcPct val="100000"/>
+              </a:lnSpc>
+              <a:spcBef>
+                <a:spcPts val="0"/>
+              </a:spcBef>
+              <a:spcAft>
+                <a:spcPts val="0"/>
+              </a:spcAft>
+              <a:buNone/>
+            </a:pPr>
+            <a:r>
+              <a:rPr lang="en-US">
+                <a:solidFill>
+                  <a:srgbClr val="FFFFFF"/>
+                </a:solidFill>
+                <a:latin typeface="Arial"/>
+                <a:ea typeface="Arial"/>
+                <a:cs typeface="Arial"/>
+                <a:sym typeface="Arial"/>
+              </a:rPr>
+              <a:t>3) included in CI</a:t>
+            </a:r>
+            <a:endParaRPr>
+              <a:solidFill>
+                <a:srgbClr val="FFFFFF"/>
+              </a:solidFill>
+            </a:endParaRPr>
+          </a:p>
+          <a:p>
+            <a:pPr indent="0" lvl="0" marL="0" rtl="0" algn="l">
+              <a:lnSpc>
+                <a:spcPct val="115000"/>
+              </a:lnSpc>
+              <a:spcBef>
+                <a:spcPts val="1600"/>
+              </a:spcBef>
+              <a:spcAft>
+                <a:spcPts val="1600"/>
+              </a:spcAft>
+              <a:buSzPts val="1800"/>
+              <a:buNone/>
+            </a:pPr>
+            <a:r>
+              <a:t/>
+            </a:r>
+            <a:endParaRPr>
+              <a:solidFill>
+                <a:srgbClr val="FFFFFF"/>
+              </a:solidFill>
+            </a:endParaRPr>
+          </a:p>
+        </p:txBody>
+      </p:sp>
       <p:pic>
         <p:nvPicPr>
-          <p:cNvPr id="72" name="Google Shape;72;p15"/>
+          <p:cNvPr id="77" name="Google Shape;77;p15"/>
           <p:cNvPicPr preferRelativeResize="0"/>
           <p:nvPr/>
         </p:nvPicPr>
-        <p:blipFill rotWithShape="1">
+        <p:blipFill>
           <a:blip r:embed="rId3">
             <a:alphaModFix/>
           </a:blip>
-          <a:srcRect b="0" l="0" r="0" t="0"/>
-          <a:stretch/>
+          <a:stretch>
+            <a:fillRect/>
+          </a:stretch>
         </p:blipFill>
         <p:spPr>
           <a:xfrm>
-            <a:off x="1208131" y="1141614"/>
-            <a:ext cx="6858207" cy="3607457"/>
+            <a:off x="990650" y="1318250"/>
+            <a:ext cx="6918801" cy="3639325"/>
           </a:xfrm>
           <a:prstGeom prst="rect">
             <a:avLst/>
@@ -12950,7 +13905,7 @@
   <p:cSld>
     <p:spTree>
       <p:nvGrpSpPr>
-        <p:cNvPr id="76" name="Shape 76"/>
+        <p:cNvPr id="81" name="Shape 81"/>
         <p:cNvGrpSpPr/>
         <p:nvPr/>
       </p:nvGrpSpPr>
@@ -12964,7 +13919,7 @@
       </p:grpSpPr>
       <p:sp>
         <p:nvSpPr>
-          <p:cNvPr id="77" name="Google Shape;77;p16"/>
+          <p:cNvPr id="82" name="Google Shape;82;p16"/>
           <p:cNvSpPr txBox="1"/>
           <p:nvPr>
             <p:ph type="title"/>
@@ -13008,7 +13963,23 @@
                   <a:schemeClr val="accent4"/>
                 </a:solidFill>
               </a:rPr>
-              <a:t>DevOps CI/CD Pipeline</a:t>
+              <a:t>DevOps </a:t>
+            </a:r>
+            <a:r>
+              <a:rPr lang="en-US" sz="3200">
+                <a:solidFill>
+                  <a:schemeClr val="accent4"/>
+                </a:solidFill>
+              </a:rPr>
+              <a:t>Pipelines</a:t>
+            </a:r>
+            <a:r>
+              <a:rPr lang="en-US" sz="3200">
+                <a:solidFill>
+                  <a:schemeClr val="accent4"/>
+                </a:solidFill>
+              </a:rPr>
+              <a:t>:  CI + CD </a:t>
             </a:r>
             <a:endParaRPr sz="3200">
               <a:solidFill>
@@ -13020,7 +13991,7 @@
       </p:sp>
       <p:pic>
         <p:nvPicPr>
-          <p:cNvPr id="78" name="Google Shape;78;p16"/>
+          <p:cNvPr id="83" name="Google Shape;83;p16"/>
           <p:cNvPicPr preferRelativeResize="0"/>
           <p:nvPr/>
         </p:nvPicPr>
@@ -13034,8 +14005,8 @@
         </p:blipFill>
         <p:spPr>
           <a:xfrm>
-            <a:off x="833725" y="705700"/>
-            <a:ext cx="7598874" cy="4366950"/>
+            <a:off x="1149250" y="839000"/>
+            <a:ext cx="6845492" cy="4133000"/>
           </a:xfrm>
           <a:prstGeom prst="rect">
             <a:avLst/>
@@ -13059,7 +14030,7 @@
   <p:cSld>
     <p:spTree>
       <p:nvGrpSpPr>
-        <p:cNvPr id="82" name="Shape 82"/>
+        <p:cNvPr id="87" name="Shape 87"/>
         <p:cNvGrpSpPr/>
         <p:nvPr/>
       </p:nvGrpSpPr>
@@ -13073,7 +14044,7 @@
       </p:grpSpPr>
       <p:sp>
         <p:nvSpPr>
-          <p:cNvPr id="83" name="Google Shape;83;p17"/>
+          <p:cNvPr id="88" name="Google Shape;88;p17"/>
           <p:cNvSpPr txBox="1"/>
           <p:nvPr>
             <p:ph type="title"/>
@@ -13081,7 +14052,7 @@
         </p:nvSpPr>
         <p:spPr>
           <a:xfrm>
-            <a:off x="896300" y="301725"/>
+            <a:off x="590950" y="330350"/>
             <a:ext cx="7456200" cy="572700"/>
           </a:xfrm>
           <a:prstGeom prst="rect">
@@ -13117,7 +14088,7 @@
                   <a:schemeClr val="accent4"/>
                 </a:solidFill>
               </a:rPr>
-              <a:t>Challenges</a:t>
+              <a:t>Challenge 1 - Improved DE pipeline</a:t>
             </a:r>
             <a:endParaRPr sz="3200">
               <a:solidFill>
@@ -13129,7 +14100,7 @@
       </p:sp>
       <p:sp>
         <p:nvSpPr>
-          <p:cNvPr id="84" name="Google Shape;84;p17"/>
+          <p:cNvPr id="89" name="Google Shape;89;p17"/>
           <p:cNvSpPr txBox="1"/>
           <p:nvPr>
             <p:ph idx="1" type="body"/>
@@ -13137,8 +14108,8 @@
         </p:nvSpPr>
         <p:spPr>
           <a:xfrm>
-            <a:off x="774876" y="983925"/>
-            <a:ext cx="7665300" cy="3416100"/>
+            <a:off x="330450" y="1323250"/>
+            <a:ext cx="8289000" cy="3127800"/>
           </a:xfrm>
           <a:prstGeom prst="rect">
             <a:avLst/>
@@ -13171,86 +14142,28 @@
               <a:buChar char="●"/>
             </a:pPr>
             <a:r>
-              <a:rPr lang="en-US" sz="2000">
+              <a:rPr lang="en-US" sz="2400">
                 <a:solidFill>
                   <a:schemeClr val="dk1"/>
                 </a:solidFill>
               </a:rPr>
-              <a:t>Write pytest on Data Engineer’s pipeline</a:t>
-            </a:r>
-            <a:endParaRPr/>
-          </a:p>
-          <a:p>
-            <a:pPr indent="0" lvl="1" marL="1028700" rtl="0" algn="l">
-              <a:lnSpc>
-                <a:spcPct val="138000"/>
-              </a:lnSpc>
-              <a:spcBef>
-                <a:spcPts val="0"/>
-              </a:spcBef>
-              <a:spcAft>
-                <a:spcPts val="0"/>
-              </a:spcAft>
-              <a:buClr>
-                <a:srgbClr val="FFFFFF"/>
-              </a:buClr>
-              <a:buSzPts val="1800"/>
-              <a:buNone/>
-            </a:pPr>
-            <a:r>
-              <a:rPr lang="en-US">
+              <a:t>added pytest: </a:t>
+            </a:r>
+            <a:r>
+              <a:rPr lang="en-US" sz="2400">
                 <a:solidFill>
                   <a:srgbClr val="F1C232"/>
                 </a:solidFill>
               </a:rPr>
-              <a:t>=&gt; added new table and wrote new code for schema changes</a:t>
-            </a:r>
-            <a:endParaRPr>
+              <a:t>test_lambda_function_xml.py</a:t>
+            </a:r>
+            <a:endParaRPr sz="2400">
               <a:solidFill>
                 <a:srgbClr val="F1C232"/>
               </a:solidFill>
             </a:endParaRPr>
           </a:p>
           <a:p>
-            <a:pPr indent="0" lvl="1" marL="1028700" rtl="0" algn="l">
-              <a:lnSpc>
-                <a:spcPct val="138000"/>
-              </a:lnSpc>
-              <a:spcBef>
-                <a:spcPts val="0"/>
-              </a:spcBef>
-              <a:spcAft>
-                <a:spcPts val="0"/>
-              </a:spcAft>
-              <a:buClr>
-                <a:srgbClr val="FFFFFF"/>
-              </a:buClr>
-              <a:buSzPts val="1800"/>
-              <a:buNone/>
-            </a:pPr>
-            <a:r>
-              <a:rPr lang="en-US">
-                <a:solidFill>
-                  <a:srgbClr val="FFE7A3"/>
-                </a:solidFill>
-              </a:rPr>
-              <a:t> </a:t>
-            </a:r>
-            <a:r>
-              <a:rPr lang="en-US">
-                <a:solidFill>
-                  <a:srgbClr val="F1C232"/>
-                </a:solidFill>
-              </a:rPr>
-              <a:t>=&gt; improved DE pipeline for dealing with parallel tests</a:t>
-            </a:r>
-            <a:endParaRPr>
-              <a:solidFill>
-                <a:srgbClr val="FFE7A3"/>
-              </a:solidFill>
-            </a:endParaRPr>
-          </a:p>
-          <a:p>
             <a:pPr indent="-381000" lvl="0" marL="457200" rtl="0" algn="l">
               <a:lnSpc>
                 <a:spcPct val="115000"/>
@@ -13262,47 +14175,28 @@
                 <a:spcPts val="0"/>
               </a:spcAft>
               <a:buClr>
-                <a:srgbClr val="FFFFFF"/>
+                <a:schemeClr val="dk1"/>
               </a:buClr>
               <a:buSzPts val="2400"/>
               <a:buChar char="●"/>
             </a:pPr>
             <a:r>
-              <a:rPr lang="en-US" sz="2000">
-                <a:solidFill>
-                  <a:srgbClr val="FFFFFF"/>
+              <a:rPr lang="en-US" sz="2400">
+                <a:solidFill>
+                  <a:schemeClr val="dk1"/>
                 </a:solidFill>
               </a:rPr>
-              <a:t>Jenkins plugin (Docker build and publish) not working in ECS</a:t>
-            </a:r>
-            <a:endParaRPr/>
-          </a:p>
-          <a:p>
-            <a:pPr indent="0" lvl="1" marL="1028700" rtl="0" algn="l">
-              <a:lnSpc>
-                <a:spcPct val="115000"/>
-              </a:lnSpc>
-              <a:spcBef>
-                <a:spcPts val="0"/>
-              </a:spcBef>
-              <a:spcAft>
-                <a:spcPts val="0"/>
-              </a:spcAft>
-              <a:buClr>
-                <a:srgbClr val="FFFFFF"/>
-              </a:buClr>
-              <a:buSzPts val="1800"/>
-              <a:buNone/>
-            </a:pPr>
-            <a:r>
-              <a:rPr lang="en-US">
+              <a:t>enhanced logging by adding new table: </a:t>
+            </a:r>
+            <a:r>
+              <a:rPr lang="en-US" sz="2400">
                 <a:solidFill>
                   <a:srgbClr val="F1C232"/>
                 </a:solidFill>
               </a:rPr>
-              <a:t>=&gt; Wrote workaround code in bash</a:t>
-            </a:r>
-            <a:endParaRPr>
+              <a:t>xml_txns</a:t>
+            </a:r>
+            <a:endParaRPr sz="2400">
               <a:solidFill>
                 <a:srgbClr val="F1C232"/>
               </a:solidFill>
@@ -13326,43 +14220,47 @@
               <a:buChar char="●"/>
             </a:pPr>
             <a:r>
-              <a:rPr lang="en-US" sz="2000">
+              <a:rPr lang="en-US" sz="2400">
                 <a:solidFill>
                   <a:schemeClr val="dk1"/>
                 </a:solidFill>
               </a:rPr>
-              <a:t>Handle secrets when deploying pipeline to container</a:t>
-            </a:r>
-            <a:endParaRPr/>
-          </a:p>
-          <a:p>
-            <a:pPr indent="0" lvl="1" marL="1028700" rtl="0" algn="l">
-              <a:lnSpc>
-                <a:spcPct val="138000"/>
-              </a:lnSpc>
-              <a:spcBef>
-                <a:spcPts val="0"/>
-              </a:spcBef>
-              <a:spcAft>
-                <a:spcPts val="0"/>
-              </a:spcAft>
-              <a:buClr>
-                <a:srgbClr val="FFFFFF"/>
-              </a:buClr>
-              <a:buSzPts val="1800"/>
-              <a:buNone/>
+              <a:t>improved XML parsing</a:t>
+            </a:r>
+            <a:endParaRPr sz="2400">
+              <a:solidFill>
+                <a:schemeClr val="dk1"/>
+              </a:solidFill>
+            </a:endParaRPr>
+          </a:p>
+          <a:p>
+            <a:pPr indent="-381000" lvl="0" marL="457200" rtl="0" algn="l">
+              <a:lnSpc>
+                <a:spcPct val="115000"/>
+              </a:lnSpc>
+              <a:spcBef>
+                <a:spcPts val="0"/>
+              </a:spcBef>
+              <a:spcAft>
+                <a:spcPts val="0"/>
+              </a:spcAft>
+              <a:buClr>
+                <a:schemeClr val="dk1"/>
+              </a:buClr>
+              <a:buSzPts val="2400"/>
+              <a:buChar char="●"/>
             </a:pPr>
             <a:r>
-              <a:rPr lang="en-US">
-                <a:solidFill>
-                  <a:srgbClr val="F1C232"/>
+              <a:rPr lang="en-US" sz="2400">
+                <a:solidFill>
+                  <a:schemeClr val="dk1"/>
                 </a:solidFill>
               </a:rPr>
-              <a:t>=&gt; enhanced code to use Vault</a:t>
-            </a:r>
-            <a:endParaRPr>
+              <a:t>fixed issue when uploading 2 files within the same minute.</a:t>
+            </a:r>
+            <a:endParaRPr sz="2400">
               <a:solidFill>
-                <a:srgbClr val="F1C232"/>
+                <a:schemeClr val="dk1"/>
               </a:solidFill>
             </a:endParaRPr>
           </a:p>
@@ -13381,7 +14279,7 @@
   <p:cSld>
     <p:spTree>
       <p:nvGrpSpPr>
-        <p:cNvPr id="88" name="Shape 88"/>
+        <p:cNvPr id="93" name="Shape 93"/>
         <p:cNvGrpSpPr/>
         <p:nvPr/>
       </p:nvGrpSpPr>
@@ -13395,7 +14293,7 @@
       </p:grpSpPr>
       <p:sp>
         <p:nvSpPr>
-          <p:cNvPr id="89" name="Google Shape;89;p18"/>
+          <p:cNvPr id="94" name="Google Shape;94;p18"/>
           <p:cNvSpPr txBox="1"/>
           <p:nvPr>
             <p:ph type="title"/>
@@ -13403,7 +14301,316 @@
         </p:nvSpPr>
         <p:spPr>
           <a:xfrm>
-            <a:off x="703821" y="507850"/>
+            <a:off x="590950" y="330350"/>
+            <a:ext cx="7456200" cy="572700"/>
+          </a:xfrm>
+          <a:prstGeom prst="rect">
+            <a:avLst/>
+          </a:prstGeom>
+          <a:noFill/>
+          <a:ln>
+            <a:noFill/>
+          </a:ln>
+        </p:spPr>
+        <p:txBody>
+          <a:bodyPr anchorCtr="0" anchor="t" bIns="91425" lIns="91425" spcFirstLastPara="1" rIns="91425" wrap="square" tIns="91425">
+            <a:noAutofit/>
+          </a:bodyPr>
+          <a:lstStyle/>
+          <a:p>
+            <a:pPr indent="0" lvl="0" marL="0" rtl="0" algn="l">
+              <a:lnSpc>
+                <a:spcPct val="100000"/>
+              </a:lnSpc>
+              <a:spcBef>
+                <a:spcPts val="0"/>
+              </a:spcBef>
+              <a:spcAft>
+                <a:spcPts val="0"/>
+              </a:spcAft>
+              <a:buSzPts val="3000"/>
+              <a:buNone/>
+            </a:pPr>
+            <a:r>
+              <a:rPr lang="en-US" sz="3200">
+                <a:solidFill>
+                  <a:schemeClr val="accent4"/>
+                </a:solidFill>
+              </a:rPr>
+              <a:t>Challenge 2 - </a:t>
+            </a:r>
+            <a:r>
+              <a:rPr lang="en-US" sz="3200">
+                <a:solidFill>
+                  <a:schemeClr val="accent4"/>
+                </a:solidFill>
+              </a:rPr>
+              <a:t>worked-around </a:t>
+            </a:r>
+            <a:r>
+              <a:rPr lang="en-US" sz="3200">
+                <a:solidFill>
+                  <a:schemeClr val="accent4"/>
+                </a:solidFill>
+              </a:rPr>
+              <a:t>Jenkins plugin error </a:t>
+            </a:r>
+            <a:endParaRPr sz="3200">
+              <a:solidFill>
+                <a:schemeClr val="accent4"/>
+              </a:solidFill>
+            </a:endParaRPr>
+          </a:p>
+        </p:txBody>
+      </p:sp>
+      <p:pic>
+        <p:nvPicPr>
+          <p:cNvPr id="95" name="Google Shape;95;p18"/>
+          <p:cNvPicPr preferRelativeResize="0"/>
+          <p:nvPr/>
+        </p:nvPicPr>
+        <p:blipFill>
+          <a:blip r:embed="rId3">
+            <a:alphaModFix/>
+          </a:blip>
+          <a:stretch>
+            <a:fillRect/>
+          </a:stretch>
+        </p:blipFill>
+        <p:spPr>
+          <a:xfrm>
+            <a:off x="820563" y="1019050"/>
+            <a:ext cx="6996975" cy="3819550"/>
+          </a:xfrm>
+          <a:prstGeom prst="rect">
+            <a:avLst/>
+          </a:prstGeom>
+          <a:noFill/>
+          <a:ln>
+            <a:noFill/>
+          </a:ln>
+        </p:spPr>
+      </p:pic>
+    </p:spTree>
+  </p:cSld>
+  <p:clrMapOvr>
+    <a:masterClrMapping/>
+  </p:clrMapOvr>
+</p:sld>
+</file>
+
+<file path=ppt/slides/slide7.xml><?xml version="1.0" encoding="utf-8"?>
+<p:sld xmlns:a="http://schemas.openxmlformats.org/drawingml/2006/main" xmlns:r="http://schemas.openxmlformats.org/officeDocument/2006/relationships" xmlns:mc="http://schemas.openxmlformats.org/markup-compatibility/2006" xmlns:mv="urn:schemas-microsoft-com:mac:vml" xmlns:p="http://schemas.openxmlformats.org/presentationml/2006/main" xmlns:c="http://schemas.openxmlformats.org/drawingml/2006/chart" xmlns:dgm="http://schemas.openxmlformats.org/drawingml/2006/diagram" xmlns:o="urn:schemas-microsoft-com:office:office" xmlns:v="urn:schemas-microsoft-com:vml" xmlns:pvml="urn:schemas-microsoft-com:office:powerpoint" xmlns:com="http://schemas.openxmlformats.org/drawingml/2006/compatibility" xmlns:p14="http://schemas.microsoft.com/office/powerpoint/2010/main" xmlns:p15="http://schemas.microsoft.com/office/powerpoint/2012/main">
+  <p:cSld>
+    <p:spTree>
+      <p:nvGrpSpPr>
+        <p:cNvPr id="99" name="Shape 99"/>
+        <p:cNvGrpSpPr/>
+        <p:nvPr/>
+      </p:nvGrpSpPr>
+      <p:grpSpPr>
+        <a:xfrm>
+          <a:off x="0" y="0"/>
+          <a:ext cx="0" cy="0"/>
+          <a:chOff x="0" y="0"/>
+          <a:chExt cx="0" cy="0"/>
+        </a:xfrm>
+      </p:grpSpPr>
+      <p:sp>
+        <p:nvSpPr>
+          <p:cNvPr id="100" name="Google Shape;100;p19"/>
+          <p:cNvSpPr txBox="1"/>
+          <p:nvPr>
+            <p:ph type="title"/>
+          </p:nvPr>
+        </p:nvSpPr>
+        <p:spPr>
+          <a:xfrm>
+            <a:off x="590950" y="330350"/>
+            <a:ext cx="7456200" cy="572700"/>
+          </a:xfrm>
+          <a:prstGeom prst="rect">
+            <a:avLst/>
+          </a:prstGeom>
+          <a:noFill/>
+          <a:ln>
+            <a:noFill/>
+          </a:ln>
+        </p:spPr>
+        <p:txBody>
+          <a:bodyPr anchorCtr="0" anchor="t" bIns="91425" lIns="91425" spcFirstLastPara="1" rIns="91425" wrap="square" tIns="91425">
+            <a:noAutofit/>
+          </a:bodyPr>
+          <a:lstStyle/>
+          <a:p>
+            <a:pPr indent="0" lvl="0" marL="0" rtl="0" algn="l">
+              <a:lnSpc>
+                <a:spcPct val="100000"/>
+              </a:lnSpc>
+              <a:spcBef>
+                <a:spcPts val="0"/>
+              </a:spcBef>
+              <a:spcAft>
+                <a:spcPts val="0"/>
+              </a:spcAft>
+              <a:buSzPts val="3000"/>
+              <a:buNone/>
+            </a:pPr>
+            <a:r>
+              <a:rPr lang="en-US" sz="3200">
+                <a:solidFill>
+                  <a:schemeClr val="accent4"/>
+                </a:solidFill>
+              </a:rPr>
+              <a:t>Challenge 3 - DB secrets in Lambda + Docker</a:t>
+            </a:r>
+            <a:endParaRPr sz="3200">
+              <a:solidFill>
+                <a:schemeClr val="accent4"/>
+              </a:solidFill>
+            </a:endParaRPr>
+          </a:p>
+        </p:txBody>
+      </p:sp>
+      <p:sp>
+        <p:nvSpPr>
+          <p:cNvPr id="101" name="Google Shape;101;p19"/>
+          <p:cNvSpPr txBox="1"/>
+          <p:nvPr>
+            <p:ph idx="1" type="body"/>
+          </p:nvPr>
+        </p:nvSpPr>
+        <p:spPr>
+          <a:xfrm>
+            <a:off x="486400" y="1029500"/>
+            <a:ext cx="7665300" cy="572700"/>
+          </a:xfrm>
+          <a:prstGeom prst="rect">
+            <a:avLst/>
+          </a:prstGeom>
+          <a:noFill/>
+          <a:ln>
+            <a:noFill/>
+          </a:ln>
+        </p:spPr>
+        <p:txBody>
+          <a:bodyPr anchorCtr="0" anchor="t" bIns="91425" lIns="91425" spcFirstLastPara="1" rIns="91425" wrap="square" tIns="91425">
+            <a:noAutofit/>
+          </a:bodyPr>
+          <a:lstStyle/>
+          <a:p>
+            <a:pPr indent="-381000" lvl="0" marL="457200" rtl="0" algn="l">
+              <a:lnSpc>
+                <a:spcPct val="115000"/>
+              </a:lnSpc>
+              <a:spcBef>
+                <a:spcPts val="0"/>
+              </a:spcBef>
+              <a:spcAft>
+                <a:spcPts val="0"/>
+              </a:spcAft>
+              <a:buClr>
+                <a:schemeClr val="dk1"/>
+              </a:buClr>
+              <a:buSzPts val="2400"/>
+              <a:buChar char="●"/>
+            </a:pPr>
+            <a:r>
+              <a:rPr lang="en-US" sz="2400">
+                <a:solidFill>
+                  <a:schemeClr val="dk1"/>
+                </a:solidFill>
+              </a:rPr>
+              <a:t>evaluated python client for </a:t>
+            </a:r>
+            <a:r>
+              <a:rPr lang="en-US" sz="2400">
+                <a:solidFill>
+                  <a:schemeClr val="dk1"/>
+                </a:solidFill>
+              </a:rPr>
+              <a:t>Vault (</a:t>
+            </a:r>
+            <a:r>
+              <a:rPr lang="en-US" sz="2400">
+                <a:solidFill>
+                  <a:schemeClr val="dk1"/>
+                </a:solidFill>
+              </a:rPr>
+              <a:t>hvac)</a:t>
+            </a:r>
+            <a:endParaRPr sz="2400">
+              <a:solidFill>
+                <a:schemeClr val="dk1"/>
+              </a:solidFill>
+            </a:endParaRPr>
+          </a:p>
+        </p:txBody>
+      </p:sp>
+      <p:pic>
+        <p:nvPicPr>
+          <p:cNvPr id="102" name="Google Shape;102;p19"/>
+          <p:cNvPicPr preferRelativeResize="0"/>
+          <p:nvPr/>
+        </p:nvPicPr>
+        <p:blipFill>
+          <a:blip r:embed="rId3">
+            <a:alphaModFix/>
+          </a:blip>
+          <a:stretch>
+            <a:fillRect/>
+          </a:stretch>
+        </p:blipFill>
+        <p:spPr>
+          <a:xfrm>
+            <a:off x="904351" y="1803125"/>
+            <a:ext cx="7247350" cy="2850422"/>
+          </a:xfrm>
+          <a:prstGeom prst="rect">
+            <a:avLst/>
+          </a:prstGeom>
+          <a:noFill/>
+          <a:ln>
+            <a:noFill/>
+          </a:ln>
+        </p:spPr>
+      </p:pic>
+    </p:spTree>
+  </p:cSld>
+  <p:clrMapOvr>
+    <a:masterClrMapping/>
+  </p:clrMapOvr>
+</p:sld>
+</file>
+
+<file path=ppt/slides/slide8.xml><?xml version="1.0" encoding="utf-8"?>
+<p:sld xmlns:a="http://schemas.openxmlformats.org/drawingml/2006/main" xmlns:r="http://schemas.openxmlformats.org/officeDocument/2006/relationships" xmlns:mc="http://schemas.openxmlformats.org/markup-compatibility/2006" xmlns:mv="urn:schemas-microsoft-com:mac:vml" xmlns:p="http://schemas.openxmlformats.org/presentationml/2006/main" xmlns:c="http://schemas.openxmlformats.org/drawingml/2006/chart" xmlns:dgm="http://schemas.openxmlformats.org/drawingml/2006/diagram" xmlns:o="urn:schemas-microsoft-com:office:office" xmlns:v="urn:schemas-microsoft-com:vml" xmlns:pvml="urn:schemas-microsoft-com:office:powerpoint" xmlns:com="http://schemas.openxmlformats.org/drawingml/2006/compatibility" xmlns:p14="http://schemas.microsoft.com/office/powerpoint/2010/main" xmlns:p15="http://schemas.microsoft.com/office/powerpoint/2012/main">
+  <p:cSld>
+    <p:spTree>
+      <p:nvGrpSpPr>
+        <p:cNvPr id="106" name="Shape 106"/>
+        <p:cNvGrpSpPr/>
+        <p:nvPr/>
+      </p:nvGrpSpPr>
+      <p:grpSpPr>
+        <a:xfrm>
+          <a:off x="0" y="0"/>
+          <a:ext cx="0" cy="0"/>
+          <a:chOff x="0" y="0"/>
+          <a:chExt cx="0" cy="0"/>
+        </a:xfrm>
+      </p:grpSpPr>
+      <p:sp>
+        <p:nvSpPr>
+          <p:cNvPr id="107" name="Google Shape;107;p20"/>
+          <p:cNvSpPr txBox="1"/>
+          <p:nvPr>
+            <p:ph type="title"/>
+          </p:nvPr>
+        </p:nvSpPr>
+        <p:spPr>
+          <a:xfrm>
+            <a:off x="494996" y="485875"/>
             <a:ext cx="7736400" cy="572700"/>
           </a:xfrm>
           <a:prstGeom prst="rect">
@@ -13449,92 +14656,362 @@
           </a:p>
         </p:txBody>
       </p:sp>
-      <p:sp>
-        <p:nvSpPr>
-          <p:cNvPr id="90" name="Google Shape;90;p18"/>
-          <p:cNvSpPr txBox="1"/>
+      <p:graphicFrame>
+        <p:nvGraphicFramePr>
+          <p:cNvPr id="108" name="Google Shape;108;p20"/>
+          <p:cNvGraphicFramePr/>
           <p:nvPr/>
-        </p:nvSpPr>
-        <p:spPr>
-          <a:xfrm>
-            <a:off x="901525" y="1472750"/>
-            <a:ext cx="7341000" cy="856500"/>
-          </a:xfrm>
-          <a:prstGeom prst="rect">
-            <a:avLst/>
-          </a:prstGeom>
-          <a:noFill/>
-          <a:ln>
-            <a:noFill/>
-          </a:ln>
-        </p:spPr>
-        <p:txBody>
-          <a:bodyPr anchorCtr="0" anchor="t" bIns="91425" lIns="91425" spcFirstLastPara="1" rIns="91425" wrap="square" tIns="91425">
-            <a:noAutofit/>
-          </a:bodyPr>
-          <a:lstStyle/>
-          <a:p>
-            <a:pPr indent="-342900" lvl="0" marL="457200" rtl="0" algn="l">
-              <a:lnSpc>
-                <a:spcPct val="115000"/>
-              </a:lnSpc>
-              <a:spcBef>
-                <a:spcPts val="0"/>
-              </a:spcBef>
-              <a:spcAft>
-                <a:spcPts val="0"/>
-              </a:spcAft>
-              <a:buClr>
-                <a:srgbClr val="F1C232"/>
-              </a:buClr>
-              <a:buSzPts val="1800"/>
-              <a:buFont typeface="Average"/>
-              <a:buChar char="•"/>
-            </a:pPr>
-            <a:r>
-              <a:rPr lang="en-US" sz="2000">
-                <a:solidFill>
-                  <a:srgbClr val="F1C232"/>
-                </a:solidFill>
-                <a:latin typeface="Average"/>
-                <a:ea typeface="Average"/>
-                <a:cs typeface="Average"/>
-                <a:sym typeface="Average"/>
-              </a:rPr>
-              <a:t>video link</a:t>
-            </a:r>
-            <a:endParaRPr sz="2000">
-              <a:solidFill>
-                <a:srgbClr val="F1C232"/>
-              </a:solidFill>
-              <a:latin typeface="Average"/>
-              <a:ea typeface="Average"/>
-              <a:cs typeface="Average"/>
-              <a:sym typeface="Average"/>
-            </a:endParaRPr>
-          </a:p>
-          <a:p>
-            <a:pPr indent="0" lvl="0" marL="0" rtl="0" algn="l">
-              <a:spcBef>
-                <a:spcPts val="0"/>
-              </a:spcBef>
-              <a:spcAft>
-                <a:spcPts val="0"/>
-              </a:spcAft>
-              <a:buNone/>
-            </a:pPr>
-            <a:r>
-              <a:t/>
-            </a:r>
-            <a:endParaRPr>
-              <a:latin typeface="Average"/>
-              <a:ea typeface="Average"/>
-              <a:cs typeface="Average"/>
-              <a:sym typeface="Average"/>
-            </a:endParaRPr>
-          </a:p>
-        </p:txBody>
-      </p:sp>
+        </p:nvGraphicFramePr>
+        <p:xfrm>
+          <a:off x="628313" y="1559275"/>
+          <a:ext cx="3000000" cy="3000000"/>
+        </p:xfrm>
+        <a:graphic>
+          <a:graphicData uri="http://schemas.openxmlformats.org/drawingml/2006/table">
+            <a:tbl>
+              <a:tblPr>
+                <a:noFill/>
+                <a:tableStyleId>{A1897019-7328-4CCF-8201-620AA9B9EFE4}</a:tableStyleId>
+              </a:tblPr>
+              <a:tblGrid>
+                <a:gridCol w="1014800"/>
+                <a:gridCol w="6740725"/>
+              </a:tblGrid>
+              <a:tr h="381000">
+                <a:tc>
+                  <a:txBody>
+                    <a:bodyPr>
+                      <a:noAutofit/>
+                    </a:bodyPr>
+                    <a:lstStyle/>
+                    <a:p>
+                      <a:pPr indent="0" lvl="0" marL="0" rtl="0" algn="ctr">
+                        <a:lnSpc>
+                          <a:spcPct val="115000"/>
+                        </a:lnSpc>
+                        <a:spcBef>
+                          <a:spcPts val="0"/>
+                        </a:spcBef>
+                        <a:spcAft>
+                          <a:spcPts val="0"/>
+                        </a:spcAft>
+                        <a:buNone/>
+                      </a:pPr>
+                      <a:r>
+                        <a:rPr lang="en-US" sz="2000">
+                          <a:solidFill>
+                            <a:schemeClr val="dk1"/>
+                          </a:solidFill>
+                          <a:uFill>
+                            <a:noFill/>
+                          </a:uFill>
+                          <a:latin typeface="Average"/>
+                          <a:ea typeface="Average"/>
+                          <a:cs typeface="Average"/>
+                          <a:sym typeface="Average"/>
+                          <a:hlinkClick r:id="rId3"/>
+                        </a:rPr>
+                        <a:t>CD</a:t>
+                      </a:r>
+                      <a:r>
+                        <a:rPr lang="en-US" sz="2000">
+                          <a:solidFill>
+                            <a:schemeClr val="dk1"/>
+                          </a:solidFill>
+                          <a:latin typeface="Average"/>
+                          <a:ea typeface="Average"/>
+                          <a:cs typeface="Average"/>
+                          <a:sym typeface="Average"/>
+                        </a:rPr>
+                        <a:t> </a:t>
+                      </a:r>
+                      <a:endParaRPr/>
+                    </a:p>
+                  </a:txBody>
+                  <a:tcPr marT="91425" marB="91425" marR="91425" marL="91425"/>
+                </a:tc>
+                <a:tc>
+                  <a:txBody>
+                    <a:bodyPr>
+                      <a:noAutofit/>
+                    </a:bodyPr>
+                    <a:lstStyle/>
+                    <a:p>
+                      <a:pPr indent="0" lvl="0" marL="0" rtl="0" algn="l">
+                        <a:lnSpc>
+                          <a:spcPct val="115000"/>
+                        </a:lnSpc>
+                        <a:spcBef>
+                          <a:spcPts val="0"/>
+                        </a:spcBef>
+                        <a:spcAft>
+                          <a:spcPts val="0"/>
+                        </a:spcAft>
+                        <a:buNone/>
+                      </a:pPr>
+                      <a:r>
+                        <a:rPr lang="en-US" sz="2000">
+                          <a:solidFill>
+                            <a:schemeClr val="accent5"/>
+                          </a:solidFill>
+                          <a:latin typeface="Average"/>
+                          <a:ea typeface="Average"/>
+                          <a:cs typeface="Average"/>
+                          <a:sym typeface="Average"/>
+                        </a:rPr>
+                        <a:t>walk through from git push to service deployed in AWS</a:t>
+                      </a:r>
+                      <a:r>
+                        <a:rPr lang="en-US" sz="2000">
+                          <a:solidFill>
+                            <a:srgbClr val="FFF2CC"/>
+                          </a:solidFill>
+                          <a:latin typeface="Average"/>
+                          <a:ea typeface="Average"/>
+                          <a:cs typeface="Average"/>
+                          <a:sym typeface="Average"/>
+                        </a:rPr>
+                        <a:t> </a:t>
+                      </a:r>
+                      <a:r>
+                        <a:rPr lang="en-US" sz="1200">
+                          <a:solidFill>
+                            <a:srgbClr val="FFF2CC"/>
+                          </a:solidFill>
+                          <a:latin typeface="Average"/>
+                          <a:ea typeface="Average"/>
+                          <a:cs typeface="Average"/>
+                          <a:sym typeface="Average"/>
+                        </a:rPr>
+                        <a:t>(</a:t>
+                      </a:r>
+                      <a:r>
+                        <a:rPr lang="en-US" sz="1200" u="sng">
+                          <a:solidFill>
+                            <a:srgbClr val="FFF2CC"/>
+                          </a:solidFill>
+                          <a:latin typeface="Average"/>
+                          <a:ea typeface="Average"/>
+                          <a:cs typeface="Average"/>
+                          <a:sym typeface="Average"/>
+                          <a:hlinkClick r:id="rId4"/>
+                        </a:rPr>
+                        <a:t>https://youtu.be/dxnUyEwXZhw</a:t>
+                      </a:r>
+                      <a:r>
+                        <a:rPr lang="en-US" sz="1200">
+                          <a:solidFill>
+                            <a:srgbClr val="FFF2CC"/>
+                          </a:solidFill>
+                          <a:latin typeface="Average"/>
+                          <a:ea typeface="Average"/>
+                          <a:cs typeface="Average"/>
+                          <a:sym typeface="Average"/>
+                        </a:rPr>
+                        <a:t>)</a:t>
+                      </a:r>
+                      <a:endParaRPr/>
+                    </a:p>
+                  </a:txBody>
+                  <a:tcPr marT="91425" marB="91425" marR="91425" marL="91425"/>
+                </a:tc>
+              </a:tr>
+              <a:tr h="381000">
+                <a:tc>
+                  <a:txBody>
+                    <a:bodyPr>
+                      <a:noAutofit/>
+                    </a:bodyPr>
+                    <a:lstStyle/>
+                    <a:p>
+                      <a:pPr indent="0" lvl="0" marL="0" rtl="0" algn="ctr">
+                        <a:lnSpc>
+                          <a:spcPct val="115000"/>
+                        </a:lnSpc>
+                        <a:spcBef>
+                          <a:spcPts val="0"/>
+                        </a:spcBef>
+                        <a:spcAft>
+                          <a:spcPts val="0"/>
+                        </a:spcAft>
+                        <a:buNone/>
+                      </a:pPr>
+                      <a:r>
+                        <a:rPr lang="en-US" sz="2000">
+                          <a:solidFill>
+                            <a:schemeClr val="dk1"/>
+                          </a:solidFill>
+                          <a:uFill>
+                            <a:noFill/>
+                          </a:uFill>
+                          <a:latin typeface="Average"/>
+                          <a:ea typeface="Average"/>
+                          <a:cs typeface="Average"/>
+                          <a:sym typeface="Average"/>
+                          <a:hlinkClick r:id="rId5"/>
+                        </a:rPr>
+                        <a:t>CI</a:t>
+                      </a:r>
+                      <a:endParaRPr/>
+                    </a:p>
+                  </a:txBody>
+                  <a:tcPr marT="91425" marB="91425" marR="91425" marL="91425"/>
+                </a:tc>
+                <a:tc>
+                  <a:txBody>
+                    <a:bodyPr>
+                      <a:noAutofit/>
+                    </a:bodyPr>
+                    <a:lstStyle/>
+                    <a:p>
+                      <a:pPr indent="0" lvl="0" marL="0" rtl="0" algn="l">
+                        <a:lnSpc>
+                          <a:spcPct val="115000"/>
+                        </a:lnSpc>
+                        <a:spcBef>
+                          <a:spcPts val="0"/>
+                        </a:spcBef>
+                        <a:spcAft>
+                          <a:spcPts val="0"/>
+                        </a:spcAft>
+                        <a:buNone/>
+                      </a:pPr>
+                      <a:r>
+                        <a:rPr lang="en-US" sz="2000">
+                          <a:solidFill>
+                            <a:schemeClr val="accent5"/>
+                          </a:solidFill>
+                          <a:latin typeface="Average"/>
+                          <a:ea typeface="Average"/>
+                          <a:cs typeface="Average"/>
+                          <a:sym typeface="Average"/>
+                        </a:rPr>
+                        <a:t>walk through from git push to docker push </a:t>
+                      </a:r>
+                      <a:r>
+                        <a:rPr lang="en-US" sz="1200">
+                          <a:solidFill>
+                            <a:srgbClr val="FFF2CC"/>
+                          </a:solidFill>
+                          <a:latin typeface="Average"/>
+                          <a:ea typeface="Average"/>
+                          <a:cs typeface="Average"/>
+                          <a:sym typeface="Average"/>
+                        </a:rPr>
+                        <a:t>(https://youtu.be/rKY6u4Z6AzM)</a:t>
+                      </a:r>
+                      <a:endParaRPr/>
+                    </a:p>
+                  </a:txBody>
+                  <a:tcPr marT="91425" marB="91425" marR="91425" marL="91425"/>
+                </a:tc>
+              </a:tr>
+              <a:tr h="381000">
+                <a:tc>
+                  <a:txBody>
+                    <a:bodyPr>
+                      <a:noAutofit/>
+                    </a:bodyPr>
+                    <a:lstStyle/>
+                    <a:p>
+                      <a:pPr indent="0" lvl="0" marL="0" rtl="0" algn="ctr">
+                        <a:lnSpc>
+                          <a:spcPct val="115000"/>
+                        </a:lnSpc>
+                        <a:spcBef>
+                          <a:spcPts val="0"/>
+                        </a:spcBef>
+                        <a:spcAft>
+                          <a:spcPts val="0"/>
+                        </a:spcAft>
+                        <a:buNone/>
+                      </a:pPr>
+                      <a:r>
+                        <a:rPr lang="en-US" sz="2000">
+                          <a:solidFill>
+                            <a:schemeClr val="dk1"/>
+                          </a:solidFill>
+                          <a:uFill>
+                            <a:noFill/>
+                          </a:uFill>
+                          <a:latin typeface="Average"/>
+                          <a:ea typeface="Average"/>
+                          <a:cs typeface="Average"/>
+                          <a:sym typeface="Average"/>
+                          <a:hlinkClick r:id="rId6"/>
+                        </a:rPr>
+                        <a:t>DE</a:t>
+                      </a:r>
+                      <a:endParaRPr/>
+                    </a:p>
+                  </a:txBody>
+                  <a:tcPr marT="91425" marB="91425" marR="91425" marL="91425"/>
+                </a:tc>
+                <a:tc>
+                  <a:txBody>
+                    <a:bodyPr>
+                      <a:noAutofit/>
+                    </a:bodyPr>
+                    <a:lstStyle/>
+                    <a:p>
+                      <a:pPr indent="0" lvl="0" marL="0" rtl="0" algn="l">
+                        <a:lnSpc>
+                          <a:spcPct val="115000"/>
+                        </a:lnSpc>
+                        <a:spcBef>
+                          <a:spcPts val="0"/>
+                        </a:spcBef>
+                        <a:spcAft>
+                          <a:spcPts val="0"/>
+                        </a:spcAft>
+                        <a:buNone/>
+                      </a:pPr>
+                      <a:r>
+                        <a:rPr lang="en-US" sz="2000">
+                          <a:solidFill>
+                            <a:schemeClr val="accent5"/>
+                          </a:solidFill>
+                          <a:latin typeface="Average"/>
+                          <a:ea typeface="Average"/>
+                          <a:cs typeface="Average"/>
+                          <a:sym typeface="Average"/>
+                        </a:rPr>
+                        <a:t>walk through DE pipeline</a:t>
+                      </a:r>
+                      <a:r>
+                        <a:rPr lang="en-US" sz="2000">
+                          <a:solidFill>
+                            <a:srgbClr val="FFF2CC"/>
+                          </a:solidFill>
+                          <a:latin typeface="Average"/>
+                          <a:ea typeface="Average"/>
+                          <a:cs typeface="Average"/>
+                          <a:sym typeface="Average"/>
+                        </a:rPr>
+                        <a:t> </a:t>
+                      </a:r>
+                      <a:r>
+                        <a:rPr lang="en-US" sz="1200">
+                          <a:solidFill>
+                            <a:srgbClr val="FFF2CC"/>
+                          </a:solidFill>
+                          <a:latin typeface="Average"/>
+                          <a:ea typeface="Average"/>
+                          <a:cs typeface="Average"/>
+                          <a:sym typeface="Average"/>
+                        </a:rPr>
+                        <a:t>(https://youtu.be/qpPLTKGVnkc)</a:t>
+                      </a:r>
+                      <a:endParaRPr/>
+                    </a:p>
+                  </a:txBody>
+                  <a:tcPr marT="91425" marB="91425" marR="91425" marL="91425"/>
+                </a:tc>
+              </a:tr>
+            </a:tbl>
+          </a:graphicData>
+        </a:graphic>
+      </p:graphicFrame>
     </p:spTree>
   </p:cSld>
   <p:clrMapOvr>
@@ -13543,12 +15020,12 @@
 </p:sld>
 </file>
 
-<file path=ppt/slides/slide7.xml><?xml version="1.0" encoding="utf-8"?>
+<file path=ppt/slides/slide9.xml><?xml version="1.0" encoding="utf-8"?>
 <p:sld xmlns:a="http://schemas.openxmlformats.org/drawingml/2006/main" xmlns:r="http://schemas.openxmlformats.org/officeDocument/2006/relationships" xmlns:mc="http://schemas.openxmlformats.org/markup-compatibility/2006" xmlns:mv="urn:schemas-microsoft-com:mac:vml" xmlns:p="http://schemas.openxmlformats.org/presentationml/2006/main" xmlns:c="http://schemas.openxmlformats.org/drawingml/2006/chart" xmlns:dgm="http://schemas.openxmlformats.org/drawingml/2006/diagram" xmlns:o="urn:schemas-microsoft-com:office:office" xmlns:v="urn:schemas-microsoft-com:vml" xmlns:pvml="urn:schemas-microsoft-com:office:powerpoint" xmlns:com="http://schemas.openxmlformats.org/drawingml/2006/compatibility" xmlns:p14="http://schemas.microsoft.com/office/powerpoint/2010/main" xmlns:p15="http://schemas.microsoft.com/office/powerpoint/2012/main">
   <p:cSld>
     <p:spTree>
       <p:nvGrpSpPr>
-        <p:cNvPr id="94" name="Shape 94"/>
+        <p:cNvPr id="112" name="Shape 112"/>
         <p:cNvGrpSpPr/>
         <p:nvPr/>
       </p:nvGrpSpPr>
@@ -13562,7 +15039,7 @@
       </p:grpSpPr>
       <p:sp>
         <p:nvSpPr>
-          <p:cNvPr id="95" name="Google Shape;95;p19"/>
+          <p:cNvPr id="113" name="Google Shape;113;p21"/>
           <p:cNvSpPr txBox="1"/>
           <p:nvPr>
             <p:ph type="title"/>
@@ -13618,7 +15095,7 @@
       </p:sp>
       <p:sp>
         <p:nvSpPr>
-          <p:cNvPr id="96" name="Google Shape;96;p19"/>
+          <p:cNvPr id="114" name="Google Shape;114;p21"/>
           <p:cNvSpPr txBox="1"/>
           <p:nvPr>
             <p:ph idx="1" type="body"/>
@@ -13626,8 +15103,8 @@
         </p:nvSpPr>
         <p:spPr>
           <a:xfrm>
-            <a:off x="646500" y="1152475"/>
-            <a:ext cx="7735800" cy="3735000"/>
+            <a:off x="2791725" y="1094650"/>
+            <a:ext cx="5736900" cy="3735000"/>
           </a:xfrm>
           <a:prstGeom prst="rect">
             <a:avLst/>
@@ -13660,96 +15137,12 @@
               <a:buChar char="•"/>
             </a:pPr>
             <a:r>
-              <a:rPr lang="en-US" sz="2000">
-                <a:solidFill>
-                  <a:srgbClr val="FFFFFF"/>
+              <a:rPr lang="en-US">
+                <a:solidFill>
+                  <a:schemeClr val="dk1"/>
                 </a:solidFill>
               </a:rPr>
-              <a:t>20 years of experience as Software Engineer / Consultant</a:t>
-            </a:r>
-            <a:endParaRPr sz="2000"/>
-          </a:p>
-          <a:p>
-            <a:pPr indent="0" lvl="0" marL="914400" rtl="0" algn="l">
-              <a:lnSpc>
-                <a:spcPct val="115000"/>
-              </a:lnSpc>
-              <a:spcBef>
-                <a:spcPts val="0"/>
-              </a:spcBef>
-              <a:spcAft>
-                <a:spcPts val="0"/>
-              </a:spcAft>
-              <a:buNone/>
-            </a:pPr>
-            <a:r>
-              <a:rPr lang="en-US" sz="1400">
-                <a:solidFill>
-                  <a:srgbClr val="F1C232"/>
-                </a:solidFill>
-              </a:rPr>
-              <a:t>=&gt; </a:t>
-            </a:r>
-            <a:r>
-              <a:rPr lang="en-US" sz="1400">
-                <a:solidFill>
-                  <a:srgbClr val="F1C232"/>
-                </a:solidFill>
-              </a:rPr>
-              <a:t>Built customer master, integration bridges, ETL &amp; data quality tools</a:t>
-            </a:r>
-            <a:endParaRPr sz="1400">
-              <a:solidFill>
-                <a:srgbClr val="F1C232"/>
-              </a:solidFill>
-            </a:endParaRPr>
-          </a:p>
-          <a:p>
-            <a:pPr indent="-342900" lvl="0" marL="457200" rtl="0" algn="l">
-              <a:lnSpc>
-                <a:spcPct val="115000"/>
-              </a:lnSpc>
-              <a:spcBef>
-                <a:spcPts val="0"/>
-              </a:spcBef>
-              <a:spcAft>
-                <a:spcPts val="0"/>
-              </a:spcAft>
-              <a:buClr>
-                <a:schemeClr val="dk1"/>
-              </a:buClr>
-              <a:buSzPts val="1800"/>
-              <a:buChar char="•"/>
-            </a:pPr>
-            <a:r>
-              <a:rPr lang="en-US">
-                <a:solidFill>
-                  <a:schemeClr val="dk1"/>
-                </a:solidFill>
-              </a:rPr>
-              <a:t>Interested in new opty in DevOps</a:t>
-            </a:r>
-            <a:endParaRPr/>
-          </a:p>
-          <a:p>
-            <a:pPr indent="-228600" lvl="0" marL="457200" rtl="0" algn="l">
-              <a:lnSpc>
-                <a:spcPct val="115000"/>
-              </a:lnSpc>
-              <a:spcBef>
-                <a:spcPts val="0"/>
-              </a:spcBef>
-              <a:spcAft>
-                <a:spcPts val="0"/>
-              </a:spcAft>
-              <a:buClr>
-                <a:schemeClr val="dk1"/>
-              </a:buClr>
-              <a:buSzPts val="1800"/>
-              <a:buNone/>
-            </a:pPr>
-            <a:r>
-              <a:t/>
+              <a:t>Ph.D. in nuclear physics</a:t>
             </a:r>
             <a:endParaRPr>
               <a:solidFill>
@@ -13769,18 +15162,163 @@
                 <a:spcPts val="0"/>
               </a:spcAft>
               <a:buClr>
-                <a:schemeClr val="dk1"/>
+                <a:srgbClr val="FFFFFF"/>
               </a:buClr>
               <a:buSzPts val="1800"/>
               <a:buChar char="•"/>
             </a:pPr>
             <a:r>
+              <a:rPr lang="en-US" sz="2000">
+                <a:solidFill>
+                  <a:srgbClr val="FFFFFF"/>
+                </a:solidFill>
+              </a:rPr>
+              <a:t>20 years of experience as Software Engineer  &amp; Consultant</a:t>
+            </a:r>
+            <a:endParaRPr sz="2000"/>
+          </a:p>
+          <a:p>
+            <a:pPr indent="0" lvl="0" marL="914400" rtl="0" algn="l">
+              <a:lnSpc>
+                <a:spcPct val="115000"/>
+              </a:lnSpc>
+              <a:spcBef>
+                <a:spcPts val="0"/>
+              </a:spcBef>
+              <a:spcAft>
+                <a:spcPts val="0"/>
+              </a:spcAft>
+              <a:buNone/>
+            </a:pPr>
+            <a:r>
               <a:rPr lang="en-US">
                 <a:solidFill>
+                  <a:srgbClr val="F1C232"/>
+                </a:solidFill>
+              </a:rPr>
+              <a:t>CRM &amp; </a:t>
+            </a:r>
+            <a:r>
+              <a:rPr lang="en-US">
+                <a:solidFill>
+                  <a:srgbClr val="F1C232"/>
+                </a:solidFill>
+              </a:rPr>
+              <a:t>master data management</a:t>
+            </a:r>
+            <a:endParaRPr>
+              <a:solidFill>
+                <a:srgbClr val="F1C232"/>
+              </a:solidFill>
+            </a:endParaRPr>
+          </a:p>
+          <a:p>
+            <a:pPr indent="0" lvl="0" marL="914400" rtl="0" algn="l">
+              <a:spcBef>
+                <a:spcPts val="0"/>
+              </a:spcBef>
+              <a:spcAft>
+                <a:spcPts val="0"/>
+              </a:spcAft>
+              <a:buClr>
+                <a:srgbClr val="000000"/>
+              </a:buClr>
+              <a:buSzPts val="1100"/>
+              <a:buFont typeface="Arial"/>
+              <a:buNone/>
+            </a:pPr>
+            <a:r>
+              <a:rPr lang="en-US">
+                <a:solidFill>
+                  <a:srgbClr val="F1C232"/>
+                </a:solidFill>
+              </a:rPr>
+              <a:t>data quality</a:t>
+            </a:r>
+            <a:endParaRPr>
+              <a:solidFill>
+                <a:srgbClr val="F1C232"/>
+              </a:solidFill>
+            </a:endParaRPr>
+          </a:p>
+          <a:p>
+            <a:pPr indent="0" lvl="0" marL="914400" rtl="0" algn="l">
+              <a:lnSpc>
+                <a:spcPct val="115000"/>
+              </a:lnSpc>
+              <a:spcBef>
+                <a:spcPts val="0"/>
+              </a:spcBef>
+              <a:spcAft>
+                <a:spcPts val="0"/>
+              </a:spcAft>
+              <a:buNone/>
+            </a:pPr>
+            <a:r>
+              <a:rPr lang="en-US">
+                <a:solidFill>
+                  <a:srgbClr val="F1C232"/>
+                </a:solidFill>
+              </a:rPr>
+              <a:t>integration bridges</a:t>
+            </a:r>
+            <a:endParaRPr>
+              <a:solidFill>
+                <a:srgbClr val="F1C232"/>
+              </a:solidFill>
+            </a:endParaRPr>
+          </a:p>
+          <a:p>
+            <a:pPr indent="0" lvl="0" marL="914400" rtl="0" algn="l">
+              <a:lnSpc>
+                <a:spcPct val="115000"/>
+              </a:lnSpc>
+              <a:spcBef>
+                <a:spcPts val="0"/>
+              </a:spcBef>
+              <a:spcAft>
+                <a:spcPts val="0"/>
+              </a:spcAft>
+              <a:buNone/>
+            </a:pPr>
+            <a:r>
+              <a:rPr lang="en-US">
+                <a:solidFill>
+                  <a:srgbClr val="F1C232"/>
+                </a:solidFill>
+              </a:rPr>
+              <a:t>ETL</a:t>
+            </a:r>
+            <a:endParaRPr>
+              <a:solidFill>
+                <a:srgbClr val="F1C232"/>
+              </a:solidFill>
+            </a:endParaRPr>
+          </a:p>
+          <a:p>
+            <a:pPr indent="-342900" lvl="0" marL="457200" rtl="0" algn="l">
+              <a:lnSpc>
+                <a:spcPct val="115000"/>
+              </a:lnSpc>
+              <a:spcBef>
+                <a:spcPts val="0"/>
+              </a:spcBef>
+              <a:spcAft>
+                <a:spcPts val="0"/>
+              </a:spcAft>
+              <a:buClr>
+                <a:schemeClr val="dk1"/>
+              </a:buClr>
+              <a:buSzPts val="1800"/>
+              <a:buChar char="•"/>
+            </a:pPr>
+            <a:r>
+              <a:rPr lang="en-US">
+                <a:solidFill>
                   <a:schemeClr val="dk1"/>
                 </a:solidFill>
               </a:rPr>
-              <a:t>Passionate about STEM edu</a:t>
+              <a:t>Passionate about STEM</a:t>
             </a:r>
             <a:endParaRPr>
               <a:solidFill>
@@ -13802,22 +15340,22 @@
               <a:buNone/>
             </a:pPr>
             <a:r>
-              <a:rPr lang="en-US" sz="1400">
+              <a:rPr lang="en-US">
                 <a:solidFill>
                   <a:srgbClr val="F1C232"/>
                 </a:solidFill>
               </a:rPr>
-              <a:t>=&gt;</a:t>
-            </a:r>
-            <a:r>
-              <a:rPr lang="en-US" sz="1400">
+              <a:t>t</a:t>
+            </a:r>
+            <a:r>
+              <a:rPr lang="en-US">
                 <a:solidFill>
                   <a:srgbClr val="F1C232"/>
                 </a:solidFill>
               </a:rPr>
-              <a:t> Teach py4kids</a:t>
-            </a:r>
-            <a:endParaRPr sz="1400">
+              <a:t>each py4kids</a:t>
+            </a:r>
+            <a:endParaRPr>
               <a:solidFill>
                 <a:srgbClr val="F1C232"/>
               </a:solidFill>
@@ -13837,43 +15375,12 @@
               <a:buNone/>
             </a:pPr>
             <a:r>
-              <a:rPr lang="en-US" sz="1400">
+              <a:rPr lang="en-US">
                 <a:solidFill>
                   <a:srgbClr val="F1C232"/>
                 </a:solidFill>
               </a:rPr>
-              <a:t>=&gt; One student selected as 2019 Regeneron STS Scholar</a:t>
-            </a:r>
-            <a:endParaRPr sz="1400">
-              <a:solidFill>
-                <a:srgbClr val="F1C232"/>
-              </a:solidFill>
-            </a:endParaRPr>
-          </a:p>
-          <a:p>
-            <a:pPr indent="-342900" lvl="0" marL="457200" rtl="0" algn="l">
-              <a:lnSpc>
-                <a:spcPct val="115000"/>
-              </a:lnSpc>
-              <a:spcBef>
-                <a:spcPts val="0"/>
-              </a:spcBef>
-              <a:spcAft>
-                <a:spcPts val="0"/>
-              </a:spcAft>
-              <a:buClr>
-                <a:schemeClr val="dk1"/>
-              </a:buClr>
-              <a:buSzPts val="1800"/>
-              <a:buChar char="•"/>
-            </a:pPr>
-            <a:r>
-              <a:rPr lang="en-US">
-                <a:solidFill>
-                  <a:schemeClr val="dk1"/>
-                </a:solidFill>
-              </a:rPr>
-              <a:t>Ph.D. in nuclear physics</a:t>
+              <a:t>student named 2019 Regeneron STS Scholar</a:t>
             </a:r>
             <a:endParaRPr/>
           </a:p>
@@ -13904,7 +15411,7 @@
       </p:sp>
       <p:pic>
         <p:nvPicPr>
-          <p:cNvPr id="97" name="Google Shape;97;p19"/>
+          <p:cNvPr id="115" name="Google Shape;115;p21"/>
           <p:cNvPicPr preferRelativeResize="0"/>
           <p:nvPr/>
         </p:nvPicPr>
@@ -13917,8 +15424,8 @@
         </p:blipFill>
         <p:spPr>
           <a:xfrm>
-            <a:off x="2128710" y="4002195"/>
-            <a:ext cx="2800518" cy="694599"/>
+            <a:off x="701350" y="4079125"/>
+            <a:ext cx="1793624" cy="444850"/>
           </a:xfrm>
           <a:prstGeom prst="rect">
             <a:avLst/>
@@ -13931,21 +15438,22 @@
       </p:pic>
       <p:pic>
         <p:nvPicPr>
-          <p:cNvPr id="98" name="Google Shape;98;p19"/>
+          <p:cNvPr id="116" name="Google Shape;116;p21"/>
           <p:cNvPicPr preferRelativeResize="0"/>
           <p:nvPr/>
         </p:nvPicPr>
-        <p:blipFill rotWithShape="1">
+        <p:blipFill>
           <a:blip r:embed="rId4">
             <a:alphaModFix/>
           </a:blip>
-          <a:srcRect b="0" l="0" r="0" t="0"/>
-          <a:stretch/>
+          <a:stretch>
+            <a:fillRect/>
+          </a:stretch>
         </p:blipFill>
         <p:spPr>
           <a:xfrm>
-            <a:off x="670056" y="3968486"/>
-            <a:ext cx="961973" cy="728308"/>
+            <a:off x="459550" y="1222204"/>
+            <a:ext cx="2186250" cy="2605621"/>
           </a:xfrm>
           <a:prstGeom prst="rect">
             <a:avLst/>
@@ -13956,166 +15464,6 @@
           </a:ln>
         </p:spPr>
       </p:pic>
-      <p:pic>
-        <p:nvPicPr>
-          <p:cNvPr id="99" name="Google Shape;99;p19"/>
-          <p:cNvPicPr preferRelativeResize="0"/>
-          <p:nvPr/>
-        </p:nvPicPr>
-        <p:blipFill rotWithShape="1">
-          <a:blip r:embed="rId5">
-            <a:alphaModFix/>
-          </a:blip>
-          <a:srcRect b="0" l="0" r="0" t="0"/>
-          <a:stretch/>
-        </p:blipFill>
-        <p:spPr>
-          <a:xfrm>
-            <a:off x="5486421" y="3968485"/>
-            <a:ext cx="763657" cy="748592"/>
-          </a:xfrm>
-          <a:prstGeom prst="rect">
-            <a:avLst/>
-          </a:prstGeom>
-          <a:noFill/>
-          <a:ln>
-            <a:noFill/>
-          </a:ln>
-        </p:spPr>
-      </p:pic>
-      <p:pic>
-        <p:nvPicPr>
-          <p:cNvPr id="100" name="Google Shape;100;p19"/>
-          <p:cNvPicPr preferRelativeResize="0"/>
-          <p:nvPr/>
-        </p:nvPicPr>
-        <p:blipFill rotWithShape="1">
-          <a:blip r:embed="rId6">
-            <a:alphaModFix/>
-          </a:blip>
-          <a:srcRect b="0" l="0" r="0" t="0"/>
-          <a:stretch/>
-        </p:blipFill>
-        <p:spPr>
-          <a:xfrm>
-            <a:off x="6769748" y="3968485"/>
-            <a:ext cx="1493470" cy="759017"/>
-          </a:xfrm>
-          <a:prstGeom prst="rect">
-            <a:avLst/>
-          </a:prstGeom>
-          <a:noFill/>
-          <a:ln>
-            <a:noFill/>
-          </a:ln>
-        </p:spPr>
-      </p:pic>
-    </p:spTree>
-  </p:cSld>
-  <p:clrMapOvr>
-    <a:masterClrMapping/>
-  </p:clrMapOvr>
-</p:sld>
-</file>
-
-<file path=ppt/slides/slide8.xml><?xml version="1.0" encoding="utf-8"?>
-<p:sld xmlns:a="http://schemas.openxmlformats.org/drawingml/2006/main" xmlns:r="http://schemas.openxmlformats.org/officeDocument/2006/relationships" xmlns:mc="http://schemas.openxmlformats.org/markup-compatibility/2006" xmlns:mv="urn:schemas-microsoft-com:mac:vml" xmlns:p="http://schemas.openxmlformats.org/presentationml/2006/main" xmlns:c="http://schemas.openxmlformats.org/drawingml/2006/chart" xmlns:dgm="http://schemas.openxmlformats.org/drawingml/2006/diagram" xmlns:o="urn:schemas-microsoft-com:office:office" xmlns:v="urn:schemas-microsoft-com:vml" xmlns:pvml="urn:schemas-microsoft-com:office:powerpoint" xmlns:com="http://schemas.openxmlformats.org/drawingml/2006/compatibility" xmlns:p14="http://schemas.microsoft.com/office/powerpoint/2010/main" xmlns:p15="http://schemas.microsoft.com/office/powerpoint/2012/main">
-  <p:cSld>
-    <p:spTree>
-      <p:nvGrpSpPr>
-        <p:cNvPr id="104" name="Shape 104"/>
-        <p:cNvGrpSpPr/>
-        <p:nvPr/>
-      </p:nvGrpSpPr>
-      <p:grpSpPr>
-        <a:xfrm>
-          <a:off x="0" y="0"/>
-          <a:ext cx="0" cy="0"/>
-          <a:chOff x="0" y="0"/>
-          <a:chExt cx="0" cy="0"/>
-        </a:xfrm>
-      </p:grpSpPr>
-      <p:sp>
-        <p:nvSpPr>
-          <p:cNvPr id="105" name="Google Shape;105;p20"/>
-          <p:cNvSpPr txBox="1"/>
-          <p:nvPr>
-            <p:ph type="title"/>
-          </p:nvPr>
-        </p:nvSpPr>
-        <p:spPr>
-          <a:xfrm>
-            <a:off x="703821" y="507850"/>
-            <a:ext cx="7736400" cy="572700"/>
-          </a:xfrm>
-          <a:prstGeom prst="rect">
-            <a:avLst/>
-          </a:prstGeom>
-          <a:noFill/>
-          <a:ln>
-            <a:noFill/>
-          </a:ln>
-        </p:spPr>
-        <p:txBody>
-          <a:bodyPr anchorCtr="0" anchor="t" bIns="91425" lIns="91425" spcFirstLastPara="1" rIns="91425" wrap="square" tIns="91425">
-            <a:noAutofit/>
-          </a:bodyPr>
-          <a:lstStyle/>
-          <a:p>
-            <a:pPr indent="0" lvl="0" marL="0" rtl="0" algn="l">
-              <a:lnSpc>
-                <a:spcPct val="100000"/>
-              </a:lnSpc>
-              <a:spcBef>
-                <a:spcPts val="0"/>
-              </a:spcBef>
-              <a:spcAft>
-                <a:spcPts val="0"/>
-              </a:spcAft>
-              <a:buSzPts val="3000"/>
-              <a:buNone/>
-            </a:pPr>
-            <a:r>
-              <a:rPr lang="en-US" sz="3200">
-                <a:solidFill>
-                  <a:schemeClr val="accent4"/>
-                </a:solidFill>
-              </a:rPr>
-              <a:t>Questions</a:t>
-            </a:r>
-            <a:endParaRPr sz="3200">
-              <a:solidFill>
-                <a:schemeClr val="accent4"/>
-              </a:solidFill>
-            </a:endParaRPr>
-          </a:p>
-        </p:txBody>
-      </p:sp>
-    </p:spTree>
-  </p:cSld>
-  <p:clrMapOvr>
-    <a:masterClrMapping/>
-  </p:clrMapOvr>
-</p:sld>
-</file>
-
-<file path=ppt/slides/slide9.xml><?xml version="1.0" encoding="utf-8"?>
-<p:sld xmlns:a="http://schemas.openxmlformats.org/drawingml/2006/main" xmlns:r="http://schemas.openxmlformats.org/officeDocument/2006/relationships" xmlns:mc="http://schemas.openxmlformats.org/markup-compatibility/2006" xmlns:mv="urn:schemas-microsoft-com:mac:vml" xmlns:p="http://schemas.openxmlformats.org/presentationml/2006/main" xmlns:c="http://schemas.openxmlformats.org/drawingml/2006/chart" xmlns:dgm="http://schemas.openxmlformats.org/drawingml/2006/diagram" xmlns:o="urn:schemas-microsoft-com:office:office" xmlns:v="urn:schemas-microsoft-com:vml" xmlns:pvml="urn:schemas-microsoft-com:office:powerpoint" xmlns:com="http://schemas.openxmlformats.org/drawingml/2006/compatibility" xmlns:p14="http://schemas.microsoft.com/office/powerpoint/2010/main" xmlns:p15="http://schemas.microsoft.com/office/powerpoint/2012/main">
-  <p:cSld>
-    <p:spTree>
-      <p:nvGrpSpPr>
-        <p:cNvPr id="109" name="Shape 109"/>
-        <p:cNvGrpSpPr/>
-        <p:nvPr/>
-      </p:nvGrpSpPr>
-      <p:grpSpPr>
-        <a:xfrm>
-          <a:off x="0" y="0"/>
-          <a:ext cx="0" cy="0"/>
-          <a:chOff x="0" y="0"/>
-          <a:chExt cx="0" cy="0"/>
-        </a:xfrm>
-      </p:grpSpPr>
     </p:spTree>
   </p:cSld>
   <p:clrMapOvr>

--- a/docs/code2cloud.pptx
+++ b/docs/code2cloud.pptx
@@ -22,25 +22,27 @@
     <p:sldId id="267" r:id="rId17"/>
     <p:sldId id="268" r:id="rId18"/>
     <p:sldId id="269" r:id="rId19"/>
+    <p:sldId id="270" r:id="rId20"/>
+    <p:sldId id="271" r:id="rId21"/>
   </p:sldIdLst>
   <p:sldSz cy="5143500" cx="9144000"/>
   <p:notesSz cx="6858000" cy="9144000"/>
   <p:embeddedFontLst>
     <p:embeddedFont>
       <p:font typeface="Roboto"/>
-      <p:regular r:id="rId20"/>
-      <p:bold r:id="rId21"/>
-      <p:italic r:id="rId22"/>
-      <p:boldItalic r:id="rId23"/>
+      <p:regular r:id="rId22"/>
+      <p:bold r:id="rId23"/>
+      <p:italic r:id="rId24"/>
+      <p:boldItalic r:id="rId25"/>
     </p:embeddedFont>
     <p:embeddedFont>
       <p:font typeface="Average"/>
-      <p:regular r:id="rId24"/>
+      <p:regular r:id="rId26"/>
     </p:embeddedFont>
     <p:embeddedFont>
       <p:font typeface="Oswald"/>
-      <p:regular r:id="rId25"/>
-      <p:bold r:id="rId26"/>
+      <p:regular r:id="rId27"/>
+      <p:bold r:id="rId28"/>
     </p:embeddedFont>
   </p:embeddedFontLst>
   <p:defaultTextStyle>
@@ -949,7 +951,7 @@
             </a:pPr>
             <a:r>
               <a:rPr lang="en-US"/>
-              <a:t>I am Wen Gong, an Insight DevOps fellow. My project title is “code-to-cloud”, it is about streamlining development and release processes</a:t>
+              <a:t>I am Wen Gong, an Insight DevOps fellow. My demo project is called “code-to-cloud”, It is about streamlining app development and release processes</a:t>
             </a:r>
             <a:endParaRPr/>
           </a:p>
@@ -1453,7 +1455,7 @@
       </p:grpSpPr>
       <p:sp>
         <p:nvSpPr>
-          <p:cNvPr id="129" name="Google Shape;129;p11:notes"/>
+          <p:cNvPr id="129" name="Google Shape;129;g4fc3cb7c0c_0_1:notes"/>
           <p:cNvSpPr/>
           <p:nvPr>
             <p:ph idx="2" type="sldImg"/>
@@ -1498,7 +1500,7 @@
       </p:sp>
       <p:sp>
         <p:nvSpPr>
-          <p:cNvPr id="130" name="Google Shape;130;p11:notes"/>
+          <p:cNvPr id="130" name="Google Shape;130;g4fc3cb7c0c_0_1:notes"/>
           <p:cNvSpPr txBox="1"/>
           <p:nvPr>
             <p:ph idx="1" type="body"/>
@@ -1570,7 +1572,7 @@
       </p:grpSpPr>
       <p:sp>
         <p:nvSpPr>
-          <p:cNvPr id="135" name="Google Shape;135;p12:notes"/>
+          <p:cNvPr id="135" name="Google Shape;135;p11:notes"/>
           <p:cNvSpPr/>
           <p:nvPr>
             <p:ph idx="2" type="sldImg"/>
@@ -1615,7 +1617,7 @@
       </p:sp>
       <p:sp>
         <p:nvSpPr>
-          <p:cNvPr id="136" name="Google Shape;136;p12:notes"/>
+          <p:cNvPr id="136" name="Google Shape;136;p11:notes"/>
           <p:cNvSpPr txBox="1"/>
           <p:nvPr>
             <p:ph idx="1" type="body"/>
@@ -1687,7 +1689,7 @@
       </p:grpSpPr>
       <p:sp>
         <p:nvSpPr>
-          <p:cNvPr id="141" name="Google Shape;141;p7:notes"/>
+          <p:cNvPr id="141" name="Google Shape;141;p12:notes"/>
           <p:cNvSpPr/>
           <p:nvPr>
             <p:ph idx="2" type="sldImg"/>
@@ -1732,7 +1734,265 @@
       </p:sp>
       <p:sp>
         <p:nvSpPr>
-          <p:cNvPr id="142" name="Google Shape;142;p7:notes"/>
+          <p:cNvPr id="142" name="Google Shape;142;p12:notes"/>
+          <p:cNvSpPr txBox="1"/>
+          <p:nvPr>
+            <p:ph idx="1" type="body"/>
+          </p:nvPr>
+        </p:nvSpPr>
+        <p:spPr>
+          <a:xfrm>
+            <a:off x="685800" y="4343400"/>
+            <a:ext cx="5486400" cy="4114800"/>
+          </a:xfrm>
+          <a:prstGeom prst="rect">
+            <a:avLst/>
+          </a:prstGeom>
+          <a:noFill/>
+          <a:ln>
+            <a:noFill/>
+          </a:ln>
+        </p:spPr>
+        <p:txBody>
+          <a:bodyPr anchorCtr="0" anchor="t" bIns="91425" lIns="91425" spcFirstLastPara="1" rIns="91425" wrap="square" tIns="91425">
+            <a:noAutofit/>
+          </a:bodyPr>
+          <a:lstStyle/>
+          <a:p>
+            <a:pPr indent="0" lvl="0" marL="0" rtl="0" algn="l">
+              <a:lnSpc>
+                <a:spcPct val="100000"/>
+              </a:lnSpc>
+              <a:spcBef>
+                <a:spcPts val="0"/>
+              </a:spcBef>
+              <a:spcAft>
+                <a:spcPts val="0"/>
+              </a:spcAft>
+              <a:buSzPts val="1400"/>
+              <a:buNone/>
+            </a:pPr>
+            <a:r>
+              <a:t/>
+            </a:r>
+            <a:endParaRPr/>
+          </a:p>
+        </p:txBody>
+      </p:sp>
+    </p:spTree>
+  </p:cSld>
+  <p:clrMapOvr>
+    <a:masterClrMapping/>
+  </p:clrMapOvr>
+</p:notes>
+</file>
+
+<file path=ppt/notesSlides/notesSlide15.xml><?xml version="1.0" encoding="utf-8"?>
+<p:notes xmlns:a="http://schemas.openxmlformats.org/drawingml/2006/main" xmlns:r="http://schemas.openxmlformats.org/officeDocument/2006/relationships" xmlns:mc="http://schemas.openxmlformats.org/markup-compatibility/2006" xmlns:mv="urn:schemas-microsoft-com:mac:vml" xmlns:p="http://schemas.openxmlformats.org/presentationml/2006/main" xmlns:c="http://schemas.openxmlformats.org/drawingml/2006/chart" xmlns:dgm="http://schemas.openxmlformats.org/drawingml/2006/diagram" xmlns:o="urn:schemas-microsoft-com:office:office" xmlns:v="urn:schemas-microsoft-com:vml" xmlns:pvml="urn:schemas-microsoft-com:office:powerpoint" xmlns:com="http://schemas.openxmlformats.org/drawingml/2006/compatibility" xmlns:p14="http://schemas.microsoft.com/office/powerpoint/2010/main" xmlns:p15="http://schemas.microsoft.com/office/powerpoint/2012/main" showMasterPhAnim="0" showMasterSp="0">
+  <p:cSld>
+    <p:spTree>
+      <p:nvGrpSpPr>
+        <p:cNvPr id="146" name="Shape 146"/>
+        <p:cNvGrpSpPr/>
+        <p:nvPr/>
+      </p:nvGrpSpPr>
+      <p:grpSpPr>
+        <a:xfrm>
+          <a:off x="0" y="0"/>
+          <a:ext cx="0" cy="0"/>
+          <a:chOff x="0" y="0"/>
+          <a:chExt cx="0" cy="0"/>
+        </a:xfrm>
+      </p:grpSpPr>
+      <p:sp>
+        <p:nvSpPr>
+          <p:cNvPr id="147" name="Google Shape;147;p7:notes"/>
+          <p:cNvSpPr/>
+          <p:nvPr>
+            <p:ph idx="2" type="sldImg"/>
+          </p:nvPr>
+        </p:nvSpPr>
+        <p:spPr>
+          <a:xfrm>
+            <a:off x="381000" y="685800"/>
+            <a:ext cx="6096000" cy="3429000"/>
+          </a:xfrm>
+          <a:custGeom>
+            <a:rect b="b" l="l" r="r" t="t"/>
+            <a:pathLst>
+              <a:path extrusionOk="0" h="120000" w="120000">
+                <a:moveTo>
+                  <a:pt x="0" y="0"/>
+                </a:moveTo>
+                <a:lnTo>
+                  <a:pt x="120000" y="0"/>
+                </a:lnTo>
+                <a:lnTo>
+                  <a:pt x="120000" y="120000"/>
+                </a:lnTo>
+                <a:lnTo>
+                  <a:pt x="0" y="120000"/>
+                </a:lnTo>
+                <a:close/>
+              </a:path>
+            </a:pathLst>
+          </a:custGeom>
+          <a:noFill/>
+          <a:ln cap="flat" cmpd="sng" w="9525">
+            <a:solidFill>
+              <a:srgbClr val="000000"/>
+            </a:solidFill>
+            <a:prstDash val="solid"/>
+            <a:round/>
+            <a:headEnd len="sm" w="sm" type="none"/>
+            <a:tailEnd len="sm" w="sm" type="none"/>
+          </a:ln>
+        </p:spPr>
+      </p:sp>
+      <p:sp>
+        <p:nvSpPr>
+          <p:cNvPr id="148" name="Google Shape;148;p7:notes"/>
+          <p:cNvSpPr txBox="1"/>
+          <p:nvPr>
+            <p:ph idx="1" type="body"/>
+          </p:nvPr>
+        </p:nvSpPr>
+        <p:spPr>
+          <a:xfrm>
+            <a:off x="685800" y="4343400"/>
+            <a:ext cx="5486400" cy="4114800"/>
+          </a:xfrm>
+          <a:prstGeom prst="rect">
+            <a:avLst/>
+          </a:prstGeom>
+          <a:noFill/>
+          <a:ln>
+            <a:noFill/>
+          </a:ln>
+        </p:spPr>
+        <p:txBody>
+          <a:bodyPr anchorCtr="0" anchor="t" bIns="91425" lIns="91425" spcFirstLastPara="1" rIns="91425" wrap="square" tIns="91425">
+            <a:noAutofit/>
+          </a:bodyPr>
+          <a:lstStyle/>
+          <a:p>
+            <a:pPr indent="0" lvl="0" marL="0" marR="0" rtl="0" algn="l">
+              <a:lnSpc>
+                <a:spcPct val="100000"/>
+              </a:lnSpc>
+              <a:spcBef>
+                <a:spcPts val="0"/>
+              </a:spcBef>
+              <a:spcAft>
+                <a:spcPts val="0"/>
+              </a:spcAft>
+              <a:buClr>
+                <a:srgbClr val="000000"/>
+              </a:buClr>
+              <a:buSzPts val="1400"/>
+              <a:buFont typeface="Arial"/>
+              <a:buNone/>
+            </a:pPr>
+            <a:r>
+              <a:rPr lang="en-US"/>
+              <a:t>I used Jenkins Blue Ocean plugin to monitor build, here is a screenshot.</a:t>
+            </a:r>
+            <a:endParaRPr/>
+          </a:p>
+          <a:p>
+            <a:pPr indent="0" lvl="0" marL="0" rtl="0" algn="l">
+              <a:lnSpc>
+                <a:spcPct val="100000"/>
+              </a:lnSpc>
+              <a:spcBef>
+                <a:spcPts val="0"/>
+              </a:spcBef>
+              <a:spcAft>
+                <a:spcPts val="0"/>
+              </a:spcAft>
+              <a:buSzPts val="1400"/>
+              <a:buNone/>
+            </a:pPr>
+            <a:r>
+              <a:t/>
+            </a:r>
+            <a:endParaRPr/>
+          </a:p>
+        </p:txBody>
+      </p:sp>
+    </p:spTree>
+  </p:cSld>
+  <p:clrMapOvr>
+    <a:masterClrMapping/>
+  </p:clrMapOvr>
+</p:notes>
+</file>
+
+<file path=ppt/notesSlides/notesSlide16.xml><?xml version="1.0" encoding="utf-8"?>
+<p:notes xmlns:a="http://schemas.openxmlformats.org/drawingml/2006/main" xmlns:r="http://schemas.openxmlformats.org/officeDocument/2006/relationships" xmlns:mc="http://schemas.openxmlformats.org/markup-compatibility/2006" xmlns:mv="urn:schemas-microsoft-com:mac:vml" xmlns:p="http://schemas.openxmlformats.org/presentationml/2006/main" xmlns:c="http://schemas.openxmlformats.org/drawingml/2006/chart" xmlns:dgm="http://schemas.openxmlformats.org/drawingml/2006/diagram" xmlns:o="urn:schemas-microsoft-com:office:office" xmlns:v="urn:schemas-microsoft-com:vml" xmlns:pvml="urn:schemas-microsoft-com:office:powerpoint" xmlns:com="http://schemas.openxmlformats.org/drawingml/2006/compatibility" xmlns:p14="http://schemas.microsoft.com/office/powerpoint/2010/main" xmlns:p15="http://schemas.microsoft.com/office/powerpoint/2012/main" showMasterPhAnim="0" showMasterSp="0">
+  <p:cSld>
+    <p:spTree>
+      <p:nvGrpSpPr>
+        <p:cNvPr id="152" name="Shape 152"/>
+        <p:cNvGrpSpPr/>
+        <p:nvPr/>
+      </p:nvGrpSpPr>
+      <p:grpSpPr>
+        <a:xfrm>
+          <a:off x="0" y="0"/>
+          <a:ext cx="0" cy="0"/>
+          <a:chOff x="0" y="0"/>
+          <a:chExt cx="0" cy="0"/>
+        </a:xfrm>
+      </p:grpSpPr>
+      <p:sp>
+        <p:nvSpPr>
+          <p:cNvPr id="153" name="Google Shape;153;g4fc3cb7c0c_0_8:notes"/>
+          <p:cNvSpPr/>
+          <p:nvPr>
+            <p:ph idx="2" type="sldImg"/>
+          </p:nvPr>
+        </p:nvSpPr>
+        <p:spPr>
+          <a:xfrm>
+            <a:off x="381000" y="685800"/>
+            <a:ext cx="6096000" cy="3429000"/>
+          </a:xfrm>
+          <a:custGeom>
+            <a:rect b="b" l="l" r="r" t="t"/>
+            <a:pathLst>
+              <a:path extrusionOk="0" h="120000" w="120000">
+                <a:moveTo>
+                  <a:pt x="0" y="0"/>
+                </a:moveTo>
+                <a:lnTo>
+                  <a:pt x="120000" y="0"/>
+                </a:lnTo>
+                <a:lnTo>
+                  <a:pt x="120000" y="120000"/>
+                </a:lnTo>
+                <a:lnTo>
+                  <a:pt x="0" y="120000"/>
+                </a:lnTo>
+                <a:close/>
+              </a:path>
+            </a:pathLst>
+          </a:custGeom>
+          <a:noFill/>
+          <a:ln cap="flat" cmpd="sng" w="9525">
+            <a:solidFill>
+              <a:srgbClr val="000000"/>
+            </a:solidFill>
+            <a:prstDash val="solid"/>
+            <a:round/>
+            <a:headEnd len="sm" w="sm" type="none"/>
+            <a:tailEnd len="sm" w="sm" type="none"/>
+          </a:ln>
+        </p:spPr>
+      </p:sp>
+      <p:sp>
+        <p:nvSpPr>
+          <p:cNvPr id="154" name="Google Shape;154;g4fc3cb7c0c_0_8:notes"/>
           <p:cNvSpPr txBox="1"/>
           <p:nvPr>
             <p:ph idx="1" type="body"/>
@@ -1913,7 +2173,7 @@
             </a:pPr>
             <a:r>
               <a:rPr lang="en-US"/>
-              <a:t>There are 2 aspects to the problem that I am interested in:</a:t>
+              <a:t>DevOps is a new trend in IT. By tightly integrating Dev and Ops processes, it has great promises such as </a:t>
             </a:r>
             <a:endParaRPr/>
           </a:p>
@@ -1933,7 +2193,11 @@
             </a:pPr>
             <a:r>
               <a:rPr lang="en-US"/>
-              <a:t>First, how to automate the development process from code, test, build, and deploy to cloud? Its business value is to achieve faster time-to-market speed</a:t>
+              <a:t>1) </a:t>
+            </a:r>
+            <a:r>
+              <a:rPr lang="en-US"/>
+              <a:t>faster time-to-market speed</a:t>
             </a:r>
             <a:endParaRPr/>
           </a:p>
@@ -1953,7 +2217,7 @@
             </a:pPr>
             <a:r>
               <a:rPr lang="en-US"/>
-              <a:t>Second, how can DevOps help business move to cloud to gain productivity and save costs?</a:t>
+              <a:t>2) gain productivity </a:t>
             </a:r>
             <a:endParaRPr/>
           </a:p>
@@ -1972,7 +2236,8 @@
               <a:buNone/>
             </a:pPr>
             <a:r>
-              <a:t/>
+              <a:rPr lang="en-US"/>
+              <a:t>3) large cost savings</a:t>
             </a:r>
             <a:endParaRPr/>
           </a:p>
@@ -1992,7 +2257,7 @@
             </a:pPr>
             <a:r>
               <a:rPr lang="en-US"/>
-              <a:t>Both aspects are challenges faced by many companies today.</a:t>
+              <a:t>But reality is quite different, many companies are still facing problems list below.</a:t>
             </a:r>
             <a:endParaRPr/>
           </a:p>
@@ -2007,7 +2272,8 @@
               <a:buNone/>
             </a:pPr>
             <a:r>
-              <a:t/>
+              <a:rPr lang="en-US"/>
+              <a:t>My interest is to explore a path forward.</a:t>
             </a:r>
             <a:endParaRPr/>
           </a:p>
@@ -2125,7 +2391,11 @@
             </a:pPr>
             <a:r>
               <a:rPr lang="en-US"/>
-              <a:t>An important aspect of DevOps is collaboration between Dev and Ops teams.</a:t>
+              <a:t>Collaboration between Dev and Ops teams is an </a:t>
+            </a:r>
+            <a:r>
+              <a:rPr lang="en-US"/>
+              <a:t>important theme of DevOps. </a:t>
             </a:r>
             <a:endParaRPr/>
           </a:p>
@@ -2145,7 +2415,15 @@
             </a:pPr>
             <a:r>
               <a:rPr lang="en-US"/>
-              <a:t>The first part of my project is to include Data Engineer’s project into build process.</a:t>
+              <a:t>The first part of my project is to </a:t>
+            </a:r>
+            <a:r>
+              <a:rPr lang="en-US"/>
+              <a:t>incorporate a </a:t>
+            </a:r>
+            <a:r>
+              <a:rPr lang="en-US"/>
+              <a:t>DE pipeline into build process.</a:t>
             </a:r>
             <a:endParaRPr/>
           </a:p>
@@ -2184,7 +2462,7 @@
             </a:pPr>
             <a:r>
               <a:rPr lang="en-US"/>
-              <a:t>Here is a DE pipeline that uses Lambda to process IoT traffic sensor data: </a:t>
+              <a:t> DE pipeline that uses Lambda to process IoT traffic sensor data: </a:t>
             </a:r>
             <a:endParaRPr/>
           </a:p>
@@ -2248,72 +2526,6 @@
             <a:r>
               <a:rPr lang="en-US"/>
               <a:t>This pipeline is very nice but lacked an integration test, without test case, it cannot be added to a build job. </a:t>
-            </a:r>
-            <a:endParaRPr/>
-          </a:p>
-          <a:p>
-            <a:pPr indent="0" lvl="0" marL="0" rtl="0" algn="l">
-              <a:lnSpc>
-                <a:spcPct val="100000"/>
-              </a:lnSpc>
-              <a:spcBef>
-                <a:spcPts val="0"/>
-              </a:spcBef>
-              <a:spcAft>
-                <a:spcPts val="0"/>
-              </a:spcAft>
-              <a:buSzPts val="1400"/>
-              <a:buNone/>
-            </a:pPr>
-            <a:r>
-              <a:t/>
-            </a:r>
-            <a:endParaRPr/>
-          </a:p>
-          <a:p>
-            <a:pPr indent="0" lvl="0" marL="0" rtl="0" algn="l">
-              <a:lnSpc>
-                <a:spcPct val="100000"/>
-              </a:lnSpc>
-              <a:spcBef>
-                <a:spcPts val="0"/>
-              </a:spcBef>
-              <a:spcAft>
-                <a:spcPts val="0"/>
-              </a:spcAft>
-              <a:buSzPts val="1400"/>
-              <a:buNone/>
-            </a:pPr>
-            <a:r>
-              <a:rPr lang="en-US"/>
-              <a:t>TO IMPROVE: </a:t>
-            </a:r>
-            <a:br>
-              <a:rPr lang="en-US"/>
-            </a:br>
-            <a:r>
-              <a:rPr lang="en-US"/>
-              <a:t>build E2E test case</a:t>
-            </a:r>
-            <a:endParaRPr/>
-          </a:p>
-          <a:p>
-            <a:pPr indent="0" lvl="0" marL="0" rtl="0" algn="l">
-              <a:lnSpc>
-                <a:spcPct val="100000"/>
-              </a:lnSpc>
-              <a:spcBef>
-                <a:spcPts val="0"/>
-              </a:spcBef>
-              <a:spcAft>
-                <a:spcPts val="0"/>
-              </a:spcAft>
-              <a:buSzPts val="1400"/>
-              <a:buNone/>
-            </a:pPr>
-            <a:r>
-              <a:rPr lang="en-US"/>
-              <a:t>run CI pipeline </a:t>
             </a:r>
             <a:endParaRPr/>
           </a:p>
@@ -2688,59 +2900,6 @@
             </a:r>
             <a:endParaRPr/>
           </a:p>
-          <a:p>
-            <a:pPr indent="0" lvl="0" marL="0" rtl="0" algn="l">
-              <a:lnSpc>
-                <a:spcPct val="100000"/>
-              </a:lnSpc>
-              <a:spcBef>
-                <a:spcPts val="0"/>
-              </a:spcBef>
-              <a:spcAft>
-                <a:spcPts val="0"/>
-              </a:spcAft>
-              <a:buSzPts val="1400"/>
-              <a:buNone/>
-            </a:pPr>
-            <a:r>
-              <a:t/>
-            </a:r>
-            <a:endParaRPr/>
-          </a:p>
-          <a:p>
-            <a:pPr indent="0" lvl="0" marL="0" rtl="0" algn="l">
-              <a:spcBef>
-                <a:spcPts val="0"/>
-              </a:spcBef>
-              <a:spcAft>
-                <a:spcPts val="0"/>
-              </a:spcAft>
-              <a:buSzPts val="1400"/>
-              <a:buNone/>
-            </a:pPr>
-            <a:r>
-              <a:rPr lang="en-US"/>
-              <a:t>TO IMPROVE: </a:t>
-            </a:r>
-            <a:endParaRPr/>
-          </a:p>
-          <a:p>
-            <a:pPr indent="0" lvl="0" marL="0" rtl="0" algn="l">
-              <a:spcBef>
-                <a:spcPts val="0"/>
-              </a:spcBef>
-              <a:spcAft>
-                <a:spcPts val="0"/>
-              </a:spcAft>
-              <a:buSzPts val="1400"/>
-              <a:buNone/>
-            </a:pPr>
-            <a:r>
-              <a:rPr lang="en-US"/>
-              <a:t>divide into CI and CD 2 blocks</a:t>
-            </a:r>
-            <a:endParaRPr/>
-          </a:p>
         </p:txBody>
       </p:sp>
     </p:spTree>
@@ -2888,74 +3047,50 @@
             <a:endParaRPr/>
           </a:p>
           <a:p>
-            <a:pPr indent="0" lvl="0" marL="0" marR="0" rtl="0" algn="l">
-              <a:lnSpc>
-                <a:spcPct val="100000"/>
-              </a:lnSpc>
-              <a:spcBef>
-                <a:spcPts val="0"/>
-              </a:spcBef>
-              <a:spcAft>
-                <a:spcPts val="0"/>
-              </a:spcAft>
-              <a:buClr>
-                <a:srgbClr val="000000"/>
-              </a:buClr>
-              <a:buSzPts val="1400"/>
-              <a:buFont typeface="Arial"/>
+            <a:pPr indent="0" lvl="0" marL="0" rtl="0" algn="l">
+              <a:spcBef>
+                <a:spcPts val="0"/>
+              </a:spcBef>
+              <a:spcAft>
+                <a:spcPts val="0"/>
+              </a:spcAft>
               <a:buNone/>
             </a:pPr>
             <a:r>
               <a:rPr lang="en-US"/>
-              <a:t>1) I have to know the DE pipeline well and very quickly. </a:t>
+              <a:t>1) improve DE pipeline + pytest with python codes</a:t>
             </a:r>
             <a:endParaRPr/>
           </a:p>
           <a:p>
-            <a:pPr indent="0" lvl="0" marL="0" marR="0" rtl="0" algn="l">
-              <a:lnSpc>
-                <a:spcPct val="100000"/>
-              </a:lnSpc>
-              <a:spcBef>
-                <a:spcPts val="0"/>
-              </a:spcBef>
-              <a:spcAft>
-                <a:spcPts val="0"/>
-              </a:spcAft>
-              <a:buClr>
-                <a:srgbClr val="000000"/>
-              </a:buClr>
-              <a:buSzPts val="1400"/>
-              <a:buFont typeface="Arial"/>
+            <a:pPr indent="0" lvl="0" marL="0" rtl="0" algn="l">
+              <a:spcBef>
+                <a:spcPts val="0"/>
+              </a:spcBef>
+              <a:spcAft>
+                <a:spcPts val="0"/>
+              </a:spcAft>
               <a:buNone/>
             </a:pPr>
             <a:r>
               <a:rPr lang="en-US"/>
-              <a:t>2) write bash workaround when Jenkins plugin not working</a:t>
+              <a:t>2) Jenkins plugin not working, show my workaround bash code</a:t>
             </a:r>
             <a:endParaRPr/>
           </a:p>
           <a:p>
-            <a:pPr indent="0" lvl="0" marL="0" marR="0" rtl="0" algn="l">
-              <a:lnSpc>
-                <a:spcPct val="100000"/>
-              </a:lnSpc>
-              <a:spcBef>
-                <a:spcPts val="0"/>
-              </a:spcBef>
-              <a:spcAft>
-                <a:spcPts val="0"/>
-              </a:spcAft>
-              <a:buClr>
-                <a:srgbClr val="000000"/>
-              </a:buClr>
-              <a:buSzPts val="1400"/>
-              <a:buFont typeface="Arial"/>
+            <a:pPr indent="0" lvl="0" marL="0" rtl="0" algn="l">
+              <a:spcBef>
+                <a:spcPts val="0"/>
+              </a:spcBef>
+              <a:spcAft>
+                <a:spcPts val="0"/>
+              </a:spcAft>
               <a:buNone/>
             </a:pPr>
             <a:r>
               <a:rPr lang="en-US"/>
-              <a:t>3) pickup new tech stacks and tools quickly</a:t>
+              <a:t>3) handling DB secrets : env var to Vault API</a:t>
             </a:r>
             <a:endParaRPr/>
           </a:p>
@@ -3003,110 +3138,6 @@
             <a:r>
               <a:rPr lang="en-US"/>
               <a:t>Overcoming each challenge is a rewarding experience</a:t>
-            </a:r>
-            <a:endParaRPr/>
-          </a:p>
-          <a:p>
-            <a:pPr indent="0" lvl="0" marL="0" rtl="0" algn="l">
-              <a:lnSpc>
-                <a:spcPct val="100000"/>
-              </a:lnSpc>
-              <a:spcBef>
-                <a:spcPts val="0"/>
-              </a:spcBef>
-              <a:spcAft>
-                <a:spcPts val="0"/>
-              </a:spcAft>
-              <a:buSzPts val="1400"/>
-              <a:buNone/>
-            </a:pPr>
-            <a:r>
-              <a:t/>
-            </a:r>
-            <a:endParaRPr/>
-          </a:p>
-          <a:p>
-            <a:pPr indent="0" lvl="0" marL="0" rtl="0" algn="l">
-              <a:spcBef>
-                <a:spcPts val="0"/>
-              </a:spcBef>
-              <a:spcAft>
-                <a:spcPts val="0"/>
-              </a:spcAft>
-              <a:buSzPts val="1400"/>
-              <a:buNone/>
-            </a:pPr>
-            <a:r>
-              <a:rPr lang="en-US"/>
-              <a:t>TO IMPROVE: </a:t>
-            </a:r>
-            <a:endParaRPr/>
-          </a:p>
-          <a:p>
-            <a:pPr indent="0" lvl="0" marL="0" rtl="0" algn="l">
-              <a:spcBef>
-                <a:spcPts val="0"/>
-              </a:spcBef>
-              <a:spcAft>
-                <a:spcPts val="0"/>
-              </a:spcAft>
-              <a:buSzPts val="1400"/>
-              <a:buNone/>
-            </a:pPr>
-            <a:r>
-              <a:rPr lang="en-US"/>
-              <a:t>split challenges into separate slides</a:t>
-            </a:r>
-            <a:endParaRPr/>
-          </a:p>
-          <a:p>
-            <a:pPr indent="-317500" lvl="0" marL="457200" rtl="0" algn="l">
-              <a:spcBef>
-                <a:spcPts val="0"/>
-              </a:spcBef>
-              <a:spcAft>
-                <a:spcPts val="0"/>
-              </a:spcAft>
-              <a:buSzPts val="1400"/>
-              <a:buAutoNum type="arabicParenR"/>
-            </a:pPr>
-            <a:r>
-              <a:rPr lang="en-US"/>
-              <a:t>improve DE pipeline + pytest with python codes</a:t>
-            </a:r>
-            <a:endParaRPr/>
-          </a:p>
-          <a:p>
-            <a:pPr indent="-317500" lvl="0" marL="457200" rtl="0" algn="l">
-              <a:spcBef>
-                <a:spcPts val="0"/>
-              </a:spcBef>
-              <a:spcAft>
-                <a:spcPts val="0"/>
-              </a:spcAft>
-              <a:buSzPts val="1400"/>
-              <a:buAutoNum type="arabicParenR"/>
-            </a:pPr>
-            <a:r>
-              <a:rPr lang="en-US"/>
-              <a:t>Jenkins plugin not working, show my workaround bash code</a:t>
-            </a:r>
-            <a:endParaRPr/>
-          </a:p>
-          <a:p>
-            <a:pPr indent="-317500" lvl="0" marL="457200" rtl="0" algn="l">
-              <a:spcBef>
-                <a:spcPts val="0"/>
-              </a:spcBef>
-              <a:spcAft>
-                <a:spcPts val="0"/>
-              </a:spcAft>
-              <a:buSzPts val="1400"/>
-              <a:buAutoNum type="arabicParenR"/>
-            </a:pPr>
-            <a:r>
-              <a:rPr lang="en-US"/>
-              <a:t>handling DB secrets : env var to Vault API</a:t>
             </a:r>
             <a:endParaRPr/>
           </a:p>
@@ -3209,273 +3240,17 @@
           </a:bodyPr>
           <a:lstStyle/>
           <a:p>
-            <a:pPr indent="0" lvl="0" marL="0" marR="0" rtl="0" algn="l">
-              <a:lnSpc>
-                <a:spcPct val="100000"/>
-              </a:lnSpc>
-              <a:spcBef>
-                <a:spcPts val="0"/>
-              </a:spcBef>
-              <a:spcAft>
-                <a:spcPts val="0"/>
-              </a:spcAft>
-              <a:buClr>
-                <a:srgbClr val="000000"/>
-              </a:buClr>
-              <a:buSzPts val="1400"/>
-              <a:buFont typeface="Arial"/>
-              <a:buNone/>
-            </a:pPr>
-            <a:r>
-              <a:rPr lang="en-US"/>
-              <a:t>Building a demo in 3 weeks is very challenging. </a:t>
-            </a:r>
-            <a:endParaRPr/>
-          </a:p>
-          <a:p>
-            <a:pPr indent="0" lvl="0" marL="0" marR="0" rtl="0" algn="l">
-              <a:lnSpc>
-                <a:spcPct val="100000"/>
-              </a:lnSpc>
-              <a:spcBef>
-                <a:spcPts val="0"/>
-              </a:spcBef>
-              <a:spcAft>
-                <a:spcPts val="0"/>
-              </a:spcAft>
-              <a:buClr>
-                <a:srgbClr val="000000"/>
-              </a:buClr>
-              <a:buSzPts val="1400"/>
-              <a:buFont typeface="Arial"/>
-              <a:buNone/>
-            </a:pPr>
-            <a:r>
-              <a:rPr lang="en-US"/>
-              <a:t>Specifically,</a:t>
-            </a:r>
-            <a:endParaRPr/>
-          </a:p>
-          <a:p>
-            <a:pPr indent="0" lvl="0" marL="0" marR="0" rtl="0" algn="l">
-              <a:lnSpc>
-                <a:spcPct val="100000"/>
-              </a:lnSpc>
-              <a:spcBef>
-                <a:spcPts val="0"/>
-              </a:spcBef>
-              <a:spcAft>
-                <a:spcPts val="0"/>
-              </a:spcAft>
-              <a:buClr>
-                <a:srgbClr val="000000"/>
-              </a:buClr>
-              <a:buSzPts val="1400"/>
-              <a:buFont typeface="Arial"/>
-              <a:buNone/>
-            </a:pPr>
-            <a:r>
-              <a:rPr lang="en-US"/>
-              <a:t>1) I have to know the DE pipeline well and very quickly. </a:t>
-            </a:r>
-            <a:endParaRPr/>
-          </a:p>
-          <a:p>
-            <a:pPr indent="0" lvl="0" marL="0" marR="0" rtl="0" algn="l">
-              <a:lnSpc>
-                <a:spcPct val="100000"/>
-              </a:lnSpc>
-              <a:spcBef>
-                <a:spcPts val="0"/>
-              </a:spcBef>
-              <a:spcAft>
-                <a:spcPts val="0"/>
-              </a:spcAft>
-              <a:buClr>
-                <a:srgbClr val="000000"/>
-              </a:buClr>
-              <a:buSzPts val="1400"/>
-              <a:buFont typeface="Arial"/>
-              <a:buNone/>
-            </a:pPr>
-            <a:r>
-              <a:rPr lang="en-US"/>
-              <a:t>2) write bash workaround when Jenkins plugin not working</a:t>
-            </a:r>
-            <a:endParaRPr/>
-          </a:p>
-          <a:p>
-            <a:pPr indent="0" lvl="0" marL="0" marR="0" rtl="0" algn="l">
-              <a:lnSpc>
-                <a:spcPct val="100000"/>
-              </a:lnSpc>
-              <a:spcBef>
-                <a:spcPts val="0"/>
-              </a:spcBef>
-              <a:spcAft>
-                <a:spcPts val="0"/>
-              </a:spcAft>
-              <a:buClr>
-                <a:srgbClr val="000000"/>
-              </a:buClr>
-              <a:buSzPts val="1400"/>
-              <a:buFont typeface="Arial"/>
-              <a:buNone/>
-            </a:pPr>
-            <a:r>
-              <a:rPr lang="en-US"/>
-              <a:t>3) pickup new tech stacks and tools quickly</a:t>
-            </a:r>
-            <a:endParaRPr/>
-          </a:p>
-          <a:p>
-            <a:pPr indent="0" lvl="0" marL="0" marR="0" rtl="0" algn="l">
-              <a:lnSpc>
-                <a:spcPct val="100000"/>
-              </a:lnSpc>
-              <a:spcBef>
-                <a:spcPts val="0"/>
-              </a:spcBef>
-              <a:spcAft>
-                <a:spcPts val="0"/>
-              </a:spcAft>
-              <a:buClr>
-                <a:srgbClr val="000000"/>
-              </a:buClr>
-              <a:buSzPts val="1400"/>
-              <a:buFont typeface="Arial"/>
+            <a:pPr indent="0" lvl="0" marL="0" rtl="0" algn="l">
+              <a:spcBef>
+                <a:spcPts val="0"/>
+              </a:spcBef>
+              <a:spcAft>
+                <a:spcPts val="0"/>
+              </a:spcAft>
               <a:buNone/>
             </a:pPr>
             <a:r>
               <a:t/>
-            </a:r>
-            <a:endParaRPr/>
-          </a:p>
-          <a:p>
-            <a:pPr indent="0" lvl="0" marL="0" marR="0" rtl="0" algn="l">
-              <a:lnSpc>
-                <a:spcPct val="100000"/>
-              </a:lnSpc>
-              <a:spcBef>
-                <a:spcPts val="0"/>
-              </a:spcBef>
-              <a:spcAft>
-                <a:spcPts val="0"/>
-              </a:spcAft>
-              <a:buClr>
-                <a:srgbClr val="000000"/>
-              </a:buClr>
-              <a:buSzPts val="1400"/>
-              <a:buFont typeface="Arial"/>
-              <a:buNone/>
-            </a:pPr>
-            <a:r>
-              <a:rPr lang="en-US"/>
-              <a:t>Overcoming each challenge is a rewarding experience</a:t>
-            </a:r>
-            <a:endParaRPr/>
-          </a:p>
-          <a:p>
-            <a:pPr indent="0" lvl="0" marL="0" rtl="0" algn="l">
-              <a:lnSpc>
-                <a:spcPct val="100000"/>
-              </a:lnSpc>
-              <a:spcBef>
-                <a:spcPts val="0"/>
-              </a:spcBef>
-              <a:spcAft>
-                <a:spcPts val="0"/>
-              </a:spcAft>
-              <a:buSzPts val="1400"/>
-              <a:buNone/>
-            </a:pPr>
-            <a:r>
-              <a:t/>
-            </a:r>
-            <a:endParaRPr/>
-          </a:p>
-          <a:p>
-            <a:pPr indent="0" lvl="0" marL="0" rtl="0" algn="l">
-              <a:spcBef>
-                <a:spcPts val="0"/>
-              </a:spcBef>
-              <a:spcAft>
-                <a:spcPts val="0"/>
-              </a:spcAft>
-              <a:buSzPts val="1400"/>
-              <a:buNone/>
-            </a:pPr>
-            <a:r>
-              <a:rPr lang="en-US"/>
-              <a:t>TO IMPROVE: </a:t>
-            </a:r>
-            <a:endParaRPr/>
-          </a:p>
-          <a:p>
-            <a:pPr indent="0" lvl="0" marL="0" rtl="0" algn="l">
-              <a:spcBef>
-                <a:spcPts val="0"/>
-              </a:spcBef>
-              <a:spcAft>
-                <a:spcPts val="0"/>
-              </a:spcAft>
-              <a:buSzPts val="1400"/>
-              <a:buNone/>
-            </a:pPr>
-            <a:r>
-              <a:rPr lang="en-US"/>
-              <a:t>split challenges into separate slides</a:t>
-            </a:r>
-            <a:endParaRPr/>
-          </a:p>
-          <a:p>
-            <a:pPr indent="-317500" lvl="0" marL="457200" rtl="0" algn="l">
-              <a:spcBef>
-                <a:spcPts val="0"/>
-              </a:spcBef>
-              <a:spcAft>
-                <a:spcPts val="0"/>
-              </a:spcAft>
-              <a:buSzPts val="1400"/>
-              <a:buAutoNum type="arabicParenR"/>
-            </a:pPr>
-            <a:r>
-              <a:rPr lang="en-US"/>
-              <a:t>improve DE pipeline + pytest with python codes</a:t>
-            </a:r>
-            <a:endParaRPr/>
-          </a:p>
-          <a:p>
-            <a:pPr indent="-317500" lvl="0" marL="457200" rtl="0" algn="l">
-              <a:spcBef>
-                <a:spcPts val="0"/>
-              </a:spcBef>
-              <a:spcAft>
-                <a:spcPts val="0"/>
-              </a:spcAft>
-              <a:buSzPts val="1400"/>
-              <a:buAutoNum type="arabicParenR"/>
-            </a:pPr>
-            <a:r>
-              <a:rPr lang="en-US"/>
-              <a:t>Jenkins plugin not working, show my workaround bash code</a:t>
-            </a:r>
-            <a:endParaRPr/>
-          </a:p>
-          <a:p>
-            <a:pPr indent="-317500" lvl="0" marL="457200" rtl="0" algn="l">
-              <a:spcBef>
-                <a:spcPts val="0"/>
-              </a:spcBef>
-              <a:spcAft>
-                <a:spcPts val="0"/>
-              </a:spcAft>
-              <a:buSzPts val="1400"/>
-              <a:buAutoNum type="arabicParenR"/>
-            </a:pPr>
-            <a:r>
-              <a:rPr lang="en-US"/>
-              <a:t>handling DB secrets : env var to Vault API</a:t>
             </a:r>
             <a:endParaRPr/>
           </a:p>
@@ -3578,273 +3353,17 @@
           </a:bodyPr>
           <a:lstStyle/>
           <a:p>
-            <a:pPr indent="0" lvl="0" marL="0" marR="0" rtl="0" algn="l">
-              <a:lnSpc>
-                <a:spcPct val="100000"/>
-              </a:lnSpc>
-              <a:spcBef>
-                <a:spcPts val="0"/>
-              </a:spcBef>
-              <a:spcAft>
-                <a:spcPts val="0"/>
-              </a:spcAft>
-              <a:buClr>
-                <a:srgbClr val="000000"/>
-              </a:buClr>
-              <a:buSzPts val="1400"/>
-              <a:buFont typeface="Arial"/>
-              <a:buNone/>
-            </a:pPr>
-            <a:r>
-              <a:rPr lang="en-US"/>
-              <a:t>Building a demo in 3 weeks is very challenging. </a:t>
-            </a:r>
-            <a:endParaRPr/>
-          </a:p>
-          <a:p>
-            <a:pPr indent="0" lvl="0" marL="0" marR="0" rtl="0" algn="l">
-              <a:lnSpc>
-                <a:spcPct val="100000"/>
-              </a:lnSpc>
-              <a:spcBef>
-                <a:spcPts val="0"/>
-              </a:spcBef>
-              <a:spcAft>
-                <a:spcPts val="0"/>
-              </a:spcAft>
-              <a:buClr>
-                <a:srgbClr val="000000"/>
-              </a:buClr>
-              <a:buSzPts val="1400"/>
-              <a:buFont typeface="Arial"/>
-              <a:buNone/>
-            </a:pPr>
-            <a:r>
-              <a:rPr lang="en-US"/>
-              <a:t>Specifically,</a:t>
-            </a:r>
-            <a:endParaRPr/>
-          </a:p>
-          <a:p>
-            <a:pPr indent="0" lvl="0" marL="0" marR="0" rtl="0" algn="l">
-              <a:lnSpc>
-                <a:spcPct val="100000"/>
-              </a:lnSpc>
-              <a:spcBef>
-                <a:spcPts val="0"/>
-              </a:spcBef>
-              <a:spcAft>
-                <a:spcPts val="0"/>
-              </a:spcAft>
-              <a:buClr>
-                <a:srgbClr val="000000"/>
-              </a:buClr>
-              <a:buSzPts val="1400"/>
-              <a:buFont typeface="Arial"/>
-              <a:buNone/>
-            </a:pPr>
-            <a:r>
-              <a:rPr lang="en-US"/>
-              <a:t>1) I have to know the DE pipeline well and very quickly. </a:t>
-            </a:r>
-            <a:endParaRPr/>
-          </a:p>
-          <a:p>
-            <a:pPr indent="0" lvl="0" marL="0" marR="0" rtl="0" algn="l">
-              <a:lnSpc>
-                <a:spcPct val="100000"/>
-              </a:lnSpc>
-              <a:spcBef>
-                <a:spcPts val="0"/>
-              </a:spcBef>
-              <a:spcAft>
-                <a:spcPts val="0"/>
-              </a:spcAft>
-              <a:buClr>
-                <a:srgbClr val="000000"/>
-              </a:buClr>
-              <a:buSzPts val="1400"/>
-              <a:buFont typeface="Arial"/>
-              <a:buNone/>
-            </a:pPr>
-            <a:r>
-              <a:rPr lang="en-US"/>
-              <a:t>2) write bash workaround when Jenkins plugin not working</a:t>
-            </a:r>
-            <a:endParaRPr/>
-          </a:p>
-          <a:p>
-            <a:pPr indent="0" lvl="0" marL="0" marR="0" rtl="0" algn="l">
-              <a:lnSpc>
-                <a:spcPct val="100000"/>
-              </a:lnSpc>
-              <a:spcBef>
-                <a:spcPts val="0"/>
-              </a:spcBef>
-              <a:spcAft>
-                <a:spcPts val="0"/>
-              </a:spcAft>
-              <a:buClr>
-                <a:srgbClr val="000000"/>
-              </a:buClr>
-              <a:buSzPts val="1400"/>
-              <a:buFont typeface="Arial"/>
-              <a:buNone/>
-            </a:pPr>
-            <a:r>
-              <a:rPr lang="en-US"/>
-              <a:t>3) pickup new tech stacks and tools quickly</a:t>
-            </a:r>
-            <a:endParaRPr/>
-          </a:p>
-          <a:p>
-            <a:pPr indent="0" lvl="0" marL="0" marR="0" rtl="0" algn="l">
-              <a:lnSpc>
-                <a:spcPct val="100000"/>
-              </a:lnSpc>
-              <a:spcBef>
-                <a:spcPts val="0"/>
-              </a:spcBef>
-              <a:spcAft>
-                <a:spcPts val="0"/>
-              </a:spcAft>
-              <a:buClr>
-                <a:srgbClr val="000000"/>
-              </a:buClr>
-              <a:buSzPts val="1400"/>
-              <a:buFont typeface="Arial"/>
+            <a:pPr indent="0" lvl="0" marL="0" rtl="0" algn="l">
+              <a:spcBef>
+                <a:spcPts val="0"/>
+              </a:spcBef>
+              <a:spcAft>
+                <a:spcPts val="0"/>
+              </a:spcAft>
               <a:buNone/>
             </a:pPr>
             <a:r>
               <a:t/>
-            </a:r>
-            <a:endParaRPr/>
-          </a:p>
-          <a:p>
-            <a:pPr indent="0" lvl="0" marL="0" marR="0" rtl="0" algn="l">
-              <a:lnSpc>
-                <a:spcPct val="100000"/>
-              </a:lnSpc>
-              <a:spcBef>
-                <a:spcPts val="0"/>
-              </a:spcBef>
-              <a:spcAft>
-                <a:spcPts val="0"/>
-              </a:spcAft>
-              <a:buClr>
-                <a:srgbClr val="000000"/>
-              </a:buClr>
-              <a:buSzPts val="1400"/>
-              <a:buFont typeface="Arial"/>
-              <a:buNone/>
-            </a:pPr>
-            <a:r>
-              <a:rPr lang="en-US"/>
-              <a:t>Overcoming each challenge is a rewarding experience</a:t>
-            </a:r>
-            <a:endParaRPr/>
-          </a:p>
-          <a:p>
-            <a:pPr indent="0" lvl="0" marL="0" rtl="0" algn="l">
-              <a:lnSpc>
-                <a:spcPct val="100000"/>
-              </a:lnSpc>
-              <a:spcBef>
-                <a:spcPts val="0"/>
-              </a:spcBef>
-              <a:spcAft>
-                <a:spcPts val="0"/>
-              </a:spcAft>
-              <a:buSzPts val="1400"/>
-              <a:buNone/>
-            </a:pPr>
-            <a:r>
-              <a:t/>
-            </a:r>
-            <a:endParaRPr/>
-          </a:p>
-          <a:p>
-            <a:pPr indent="0" lvl="0" marL="0" rtl="0" algn="l">
-              <a:spcBef>
-                <a:spcPts val="0"/>
-              </a:spcBef>
-              <a:spcAft>
-                <a:spcPts val="0"/>
-              </a:spcAft>
-              <a:buSzPts val="1400"/>
-              <a:buNone/>
-            </a:pPr>
-            <a:r>
-              <a:rPr lang="en-US"/>
-              <a:t>TO IMPROVE: </a:t>
-            </a:r>
-            <a:endParaRPr/>
-          </a:p>
-          <a:p>
-            <a:pPr indent="0" lvl="0" marL="0" rtl="0" algn="l">
-              <a:spcBef>
-                <a:spcPts val="0"/>
-              </a:spcBef>
-              <a:spcAft>
-                <a:spcPts val="0"/>
-              </a:spcAft>
-              <a:buSzPts val="1400"/>
-              <a:buNone/>
-            </a:pPr>
-            <a:r>
-              <a:rPr lang="en-US"/>
-              <a:t>split challenges into separate slides</a:t>
-            </a:r>
-            <a:endParaRPr/>
-          </a:p>
-          <a:p>
-            <a:pPr indent="-317500" lvl="0" marL="457200" rtl="0" algn="l">
-              <a:spcBef>
-                <a:spcPts val="0"/>
-              </a:spcBef>
-              <a:spcAft>
-                <a:spcPts val="0"/>
-              </a:spcAft>
-              <a:buSzPts val="1400"/>
-              <a:buAutoNum type="arabicParenR"/>
-            </a:pPr>
-            <a:r>
-              <a:rPr lang="en-US"/>
-              <a:t>improve DE pipeline + pytest with python codes</a:t>
-            </a:r>
-            <a:endParaRPr/>
-          </a:p>
-          <a:p>
-            <a:pPr indent="-317500" lvl="0" marL="457200" rtl="0" algn="l">
-              <a:spcBef>
-                <a:spcPts val="0"/>
-              </a:spcBef>
-              <a:spcAft>
-                <a:spcPts val="0"/>
-              </a:spcAft>
-              <a:buSzPts val="1400"/>
-              <a:buAutoNum type="arabicParenR"/>
-            </a:pPr>
-            <a:r>
-              <a:rPr lang="en-US"/>
-              <a:t>Jenkins plugin not working, show my workaround bash code</a:t>
-            </a:r>
-            <a:endParaRPr/>
-          </a:p>
-          <a:p>
-            <a:pPr indent="-317500" lvl="0" marL="457200" rtl="0" algn="l">
-              <a:spcBef>
-                <a:spcPts val="0"/>
-              </a:spcBef>
-              <a:spcAft>
-                <a:spcPts val="0"/>
-              </a:spcAft>
-              <a:buSzPts val="1400"/>
-              <a:buAutoNum type="arabicParenR"/>
-            </a:pPr>
-            <a:r>
-              <a:rPr lang="en-US"/>
-              <a:t>handling DB secrets : env var to Vault API</a:t>
             </a:r>
             <a:endParaRPr/>
           </a:p>
@@ -3962,7 +3481,46 @@
             </a:pPr>
             <a:r>
               <a:rPr lang="en-US"/>
-              <a:t>I am very thrilled to see that a streamlined process completed</a:t>
+              <a:t>Due to lack of time, I have recorded demo in 3 videos, focusing on each area of the project.</a:t>
+            </a:r>
+            <a:endParaRPr/>
+          </a:p>
+          <a:p>
+            <a:pPr indent="0" lvl="0" marL="0" rtl="0" algn="l">
+              <a:lnSpc>
+                <a:spcPct val="100000"/>
+              </a:lnSpc>
+              <a:spcBef>
+                <a:spcPts val="0"/>
+              </a:spcBef>
+              <a:spcAft>
+                <a:spcPts val="0"/>
+              </a:spcAft>
+              <a:buSzPts val="1400"/>
+              <a:buNone/>
+            </a:pPr>
+            <a:r>
+              <a:t/>
+            </a:r>
+            <a:endParaRPr/>
+          </a:p>
+          <a:p>
+            <a:pPr indent="0" lvl="0" marL="0" rtl="0" algn="l">
+              <a:lnSpc>
+                <a:spcPct val="100000"/>
+              </a:lnSpc>
+              <a:spcBef>
+                <a:spcPts val="0"/>
+              </a:spcBef>
+              <a:spcAft>
+                <a:spcPts val="0"/>
+              </a:spcAft>
+              <a:buSzPts val="1400"/>
+              <a:buNone/>
+            </a:pPr>
+            <a:r>
+              <a:rPr lang="en-US"/>
+              <a:t>To summarize, I am very thrilled to see that a streamlined process completed</a:t>
             </a:r>
             <a:r>
               <a:rPr lang="en-US"/>
@@ -3976,9 +3534,6 @@
           </a:p>
           <a:p>
             <a:pPr indent="0" lvl="0" marL="0" rtl="0" algn="l">
-              <a:lnSpc>
-                <a:spcPct val="100000"/>
-              </a:lnSpc>
               <a:spcBef>
                 <a:spcPts val="0"/>
               </a:spcBef>
@@ -3990,91 +3545,6 @@
             </a:pPr>
             <a:r>
               <a:t/>
-            </a:r>
-            <a:endParaRPr/>
-          </a:p>
-          <a:p>
-            <a:pPr indent="0" lvl="0" marL="0" rtl="0" algn="l">
-              <a:spcBef>
-                <a:spcPts val="0"/>
-              </a:spcBef>
-              <a:spcAft>
-                <a:spcPts val="0"/>
-              </a:spcAft>
-              <a:buSzPts val="1400"/>
-              <a:buNone/>
-            </a:pPr>
-            <a:r>
-              <a:rPr lang="en-US"/>
-              <a:t>TO IMPROVE: </a:t>
-            </a:r>
-            <a:endParaRPr/>
-          </a:p>
-          <a:p>
-            <a:pPr indent="0" lvl="0" marL="0" rtl="0" algn="l">
-              <a:spcBef>
-                <a:spcPts val="0"/>
-              </a:spcBef>
-              <a:spcAft>
-                <a:spcPts val="0"/>
-              </a:spcAft>
-              <a:buSzPts val="1400"/>
-              <a:buNone/>
-            </a:pPr>
-            <a:r>
-              <a:rPr lang="en-US"/>
-              <a:t>create a table with 2 columns</a:t>
-            </a:r>
-            <a:endParaRPr/>
-          </a:p>
-          <a:p>
-            <a:pPr indent="0" lvl="0" marL="0" rtl="0" algn="l">
-              <a:spcBef>
-                <a:spcPts val="0"/>
-              </a:spcBef>
-              <a:spcAft>
-                <a:spcPts val="0"/>
-              </a:spcAft>
-              <a:buSzPts val="1400"/>
-              <a:buNone/>
-            </a:pPr>
-            <a:r>
-              <a:rPr lang="en-US"/>
-              <a:t>CD   </a:t>
-            </a:r>
-            <a:endParaRPr/>
-          </a:p>
-          <a:p>
-            <a:pPr indent="0" lvl="0" marL="0" rtl="0" algn="l">
-              <a:spcBef>
-                <a:spcPts val="0"/>
-              </a:spcBef>
-              <a:spcAft>
-                <a:spcPts val="0"/>
-              </a:spcAft>
-              <a:buSzPts val="1400"/>
-              <a:buNone/>
-            </a:pPr>
-            <a:r>
-              <a:rPr lang="en-US"/>
-              <a:t>CI</a:t>
-            </a:r>
-            <a:endParaRPr/>
-          </a:p>
-          <a:p>
-            <a:pPr indent="0" lvl="0" marL="0" rtl="0" algn="l">
-              <a:spcBef>
-                <a:spcPts val="0"/>
-              </a:spcBef>
-              <a:spcAft>
-                <a:spcPts val="0"/>
-              </a:spcAft>
-              <a:buSzPts val="1400"/>
-              <a:buNone/>
-            </a:pPr>
-            <a:r>
-              <a:rPr lang="en-US"/>
-              <a:t>DE</a:t>
             </a:r>
             <a:endParaRPr/>
           </a:p>
@@ -4192,7 +3662,7 @@
             </a:pPr>
             <a:r>
               <a:rPr lang="en-US"/>
-              <a:t>I am Wen Gong, had a Ph.D. in nuclear physics, and have 20 years of software development and consulting experience in customer master data management. I am taking a 7 weeks’ leave from Oracle. With newly learnt DevOps and cloud computing skills. I am very excited to explore new opportunities in this area.</a:t>
+              <a:t>I am Wen Gong, had a Ph.D. in nuclear physics, and have 20 years of software development and consulting experience in database applications. After coming to Insight, I am very excited to explore new opportunities in DevOps space.</a:t>
             </a:r>
             <a:endParaRPr/>
           </a:p>
@@ -4237,9 +3707,6 @@
           </a:p>
           <a:p>
             <a:pPr indent="0" lvl="0" marL="0" rtl="0" algn="l">
-              <a:lnSpc>
-                <a:spcPct val="100000"/>
-              </a:lnSpc>
               <a:spcBef>
                 <a:spcPts val="0"/>
               </a:spcBef>
@@ -4251,56 +3718,6 @@
             </a:pPr>
             <a:r>
               <a:t/>
-            </a:r>
-            <a:endParaRPr/>
-          </a:p>
-          <a:p>
-            <a:pPr indent="0" lvl="0" marL="0" rtl="0" algn="l">
-              <a:spcBef>
-                <a:spcPts val="0"/>
-              </a:spcBef>
-              <a:spcAft>
-                <a:spcPts val="0"/>
-              </a:spcAft>
-              <a:buSzPts val="1400"/>
-              <a:buNone/>
-            </a:pPr>
-            <a:r>
-              <a:rPr lang="en-US"/>
-              <a:t>TO IMPROVE: </a:t>
-            </a:r>
-            <a:endParaRPr/>
-          </a:p>
-          <a:p>
-            <a:pPr indent="0" lvl="0" marL="0" rtl="0" algn="l">
-              <a:spcBef>
-                <a:spcPts val="0"/>
-              </a:spcBef>
-              <a:spcAft>
-                <a:spcPts val="0"/>
-              </a:spcAft>
-              <a:buSzPts val="1400"/>
-              <a:buNone/>
-            </a:pPr>
-            <a:r>
-              <a:t/>
-            </a:r>
-            <a:endParaRPr/>
-          </a:p>
-          <a:p>
-            <a:pPr indent="0" lvl="0" marL="0" rtl="0" algn="l">
-              <a:spcBef>
-                <a:spcPts val="0"/>
-              </a:spcBef>
-              <a:spcAft>
-                <a:spcPts val="0"/>
-              </a:spcAft>
-              <a:buSzPts val="1400"/>
-              <a:buNone/>
-            </a:pPr>
-            <a:r>
-              <a:rPr lang="en-US"/>
-              <a:t>add my profile picture + Oracle logo</a:t>
             </a:r>
             <a:endParaRPr/>
           </a:p>
@@ -12717,6 +12134,38 @@
           <a:lstStyle/>
           <a:p>
             <a:pPr indent="-381000" lvl="0" marL="457200" rtl="0" algn="l">
+              <a:spcBef>
+                <a:spcPts val="0"/>
+              </a:spcBef>
+              <a:spcAft>
+                <a:spcPts val="0"/>
+              </a:spcAft>
+              <a:buClr>
+                <a:schemeClr val="dk1"/>
+              </a:buClr>
+              <a:buSzPts val="2400"/>
+              <a:buChar char="●"/>
+            </a:pPr>
+            <a:r>
+              <a:rPr lang="en-US" sz="2400">
+                <a:solidFill>
+                  <a:schemeClr val="accent5"/>
+                </a:solidFill>
+                <a:uFill>
+                  <a:noFill/>
+                </a:uFill>
+                <a:hlinkClick r:id="rId3"/>
+              </a:rPr>
+              <a:t>https://github.com/wgong/code2cloud</a:t>
+            </a:r>
+            <a:endParaRPr sz="2400">
+              <a:solidFill>
+                <a:srgbClr val="F1C232"/>
+              </a:solidFill>
+            </a:endParaRPr>
+          </a:p>
+          <a:p>
+            <a:pPr indent="-381000" lvl="0" marL="457200" rtl="0" algn="l">
               <a:lnSpc>
                 <a:spcPct val="115000"/>
               </a:lnSpc>
@@ -12747,7 +12196,7 @@
             </a:endParaRPr>
           </a:p>
           <a:p>
-            <a:pPr indent="-381000" lvl="0" marL="457200" rtl="0" algn="l">
+            <a:pPr indent="0" lvl="0" marL="457200" rtl="0" algn="l">
               <a:lnSpc>
                 <a:spcPct val="115000"/>
               </a:lnSpc>
@@ -12757,23 +12206,10 @@
               <a:spcAft>
                 <a:spcPts val="0"/>
               </a:spcAft>
-              <a:buClr>
-                <a:schemeClr val="dk1"/>
-              </a:buClr>
-              <a:buSzPts val="2400"/>
-              <a:buChar char="●"/>
+              <a:buNone/>
             </a:pPr>
             <a:r>
-              <a:rPr lang="en-US" sz="2400">
-                <a:solidFill>
-                  <a:schemeClr val="hlink"/>
-                </a:solidFill>
-                <a:uFill>
-                  <a:noFill/>
-                </a:uFill>
-                <a:hlinkClick r:id="rId3"/>
-              </a:rPr>
-              <a:t>https://github.com/wgong/code2cloud</a:t>
+              <a:t/>
             </a:r>
             <a:endParaRPr sz="2400">
               <a:solidFill>
@@ -12854,7 +12290,7 @@
                   <a:schemeClr val="accent4"/>
                 </a:solidFill>
               </a:rPr>
-              <a:t>Jenkins: Pipeline/Jenkinsfile</a:t>
+              <a:t>PyTest</a:t>
             </a:r>
             <a:endParaRPr sz="3200">
               <a:solidFill>
@@ -12870,17 +12306,18 @@
           <p:cNvPicPr preferRelativeResize="0"/>
           <p:nvPr/>
         </p:nvPicPr>
-        <p:blipFill rotWithShape="1">
+        <p:blipFill>
           <a:blip r:embed="rId3">
             <a:alphaModFix/>
           </a:blip>
-          <a:srcRect b="0" l="0" r="0" t="0"/>
-          <a:stretch/>
+          <a:stretch>
+            <a:fillRect/>
+          </a:stretch>
         </p:blipFill>
         <p:spPr>
           <a:xfrm>
-            <a:off x="972150" y="755500"/>
-            <a:ext cx="6939239" cy="4083200"/>
+            <a:off x="1072225" y="755500"/>
+            <a:ext cx="5841587" cy="4083200"/>
           </a:xfrm>
           <a:prstGeom prst="rect">
             <a:avLst/>
@@ -12962,7 +12399,7 @@
                   <a:schemeClr val="accent4"/>
                 </a:solidFill>
               </a:rPr>
-              <a:t>Jenkins: Build Config</a:t>
+              <a:t>Jenkins: Pipeline/Jenkinsfile</a:t>
             </a:r>
             <a:endParaRPr sz="3200">
               <a:solidFill>
@@ -12987,8 +12424,8 @@
         </p:blipFill>
         <p:spPr>
           <a:xfrm>
-            <a:off x="890975" y="940050"/>
-            <a:ext cx="6902207" cy="3877175"/>
+            <a:off x="972150" y="755500"/>
+            <a:ext cx="6939239" cy="4083200"/>
           </a:xfrm>
           <a:prstGeom prst="rect">
             <a:avLst/>
@@ -13070,7 +12507,7 @@
                   <a:schemeClr val="accent4"/>
                 </a:solidFill>
               </a:rPr>
-              <a:t>Jenkins: Dashboard</a:t>
+              <a:t>Jenkins: Build Config</a:t>
             </a:r>
             <a:endParaRPr sz="3200">
               <a:solidFill>
@@ -13095,8 +12532,225 @@
         </p:blipFill>
         <p:spPr>
           <a:xfrm>
+            <a:off x="890975" y="940050"/>
+            <a:ext cx="6902207" cy="3877175"/>
+          </a:xfrm>
+          <a:prstGeom prst="rect">
+            <a:avLst/>
+          </a:prstGeom>
+          <a:noFill/>
+          <a:ln>
+            <a:noFill/>
+          </a:ln>
+        </p:spPr>
+      </p:pic>
+    </p:spTree>
+  </p:cSld>
+  <p:clrMapOvr>
+    <a:masterClrMapping/>
+  </p:clrMapOvr>
+</p:sld>
+</file>
+
+<file path=ppt/slides/slide15.xml><?xml version="1.0" encoding="utf-8"?>
+<p:sld xmlns:a="http://schemas.openxmlformats.org/drawingml/2006/main" xmlns:r="http://schemas.openxmlformats.org/officeDocument/2006/relationships" xmlns:mc="http://schemas.openxmlformats.org/markup-compatibility/2006" xmlns:mv="urn:schemas-microsoft-com:mac:vml" xmlns:p="http://schemas.openxmlformats.org/presentationml/2006/main" xmlns:c="http://schemas.openxmlformats.org/drawingml/2006/chart" xmlns:dgm="http://schemas.openxmlformats.org/drawingml/2006/diagram" xmlns:o="urn:schemas-microsoft-com:office:office" xmlns:v="urn:schemas-microsoft-com:vml" xmlns:pvml="urn:schemas-microsoft-com:office:powerpoint" xmlns:com="http://schemas.openxmlformats.org/drawingml/2006/compatibility" xmlns:p14="http://schemas.microsoft.com/office/powerpoint/2010/main" xmlns:p15="http://schemas.microsoft.com/office/powerpoint/2012/main">
+  <p:cSld>
+    <p:spTree>
+      <p:nvGrpSpPr>
+        <p:cNvPr id="149" name="Shape 149"/>
+        <p:cNvGrpSpPr/>
+        <p:nvPr/>
+      </p:nvGrpSpPr>
+      <p:grpSpPr>
+        <a:xfrm>
+          <a:off x="0" y="0"/>
+          <a:ext cx="0" cy="0"/>
+          <a:chOff x="0" y="0"/>
+          <a:chExt cx="0" cy="0"/>
+        </a:xfrm>
+      </p:grpSpPr>
+      <p:sp>
+        <p:nvSpPr>
+          <p:cNvPr id="150" name="Google Shape;150;p27"/>
+          <p:cNvSpPr txBox="1"/>
+          <p:nvPr>
+            <p:ph type="title"/>
+          </p:nvPr>
+        </p:nvSpPr>
+        <p:spPr>
+          <a:xfrm>
+            <a:off x="662275" y="182800"/>
+            <a:ext cx="8102700" cy="572700"/>
+          </a:xfrm>
+          <a:prstGeom prst="rect">
+            <a:avLst/>
+          </a:prstGeom>
+          <a:noFill/>
+          <a:ln>
+            <a:noFill/>
+          </a:ln>
+        </p:spPr>
+        <p:txBody>
+          <a:bodyPr anchorCtr="0" anchor="t" bIns="91425" lIns="91425" spcFirstLastPara="1" rIns="91425" wrap="square" tIns="91425">
+            <a:noAutofit/>
+          </a:bodyPr>
+          <a:lstStyle/>
+          <a:p>
+            <a:pPr indent="0" lvl="0" marL="0" rtl="0" algn="l">
+              <a:lnSpc>
+                <a:spcPct val="100000"/>
+              </a:lnSpc>
+              <a:spcBef>
+                <a:spcPts val="0"/>
+              </a:spcBef>
+              <a:spcAft>
+                <a:spcPts val="0"/>
+              </a:spcAft>
+              <a:buSzPts val="3000"/>
+              <a:buNone/>
+            </a:pPr>
+            <a:r>
+              <a:rPr lang="en-US" sz="3200">
+                <a:solidFill>
+                  <a:schemeClr val="accent4"/>
+                </a:solidFill>
+              </a:rPr>
+              <a:t>Jenkins: Dashboard</a:t>
+            </a:r>
+            <a:endParaRPr sz="3200">
+              <a:solidFill>
+                <a:schemeClr val="accent4"/>
+              </a:solidFill>
+            </a:endParaRPr>
+          </a:p>
+        </p:txBody>
+      </p:sp>
+      <p:pic>
+        <p:nvPicPr>
+          <p:cNvPr id="151" name="Google Shape;151;p27"/>
+          <p:cNvPicPr preferRelativeResize="0"/>
+          <p:nvPr/>
+        </p:nvPicPr>
+        <p:blipFill rotWithShape="1">
+          <a:blip r:embed="rId3">
+            <a:alphaModFix/>
+          </a:blip>
+          <a:srcRect b="0" l="0" r="0" t="0"/>
+          <a:stretch/>
+        </p:blipFill>
+        <p:spPr>
+          <a:xfrm>
             <a:off x="1197032" y="939981"/>
             <a:ext cx="6639098" cy="3947927"/>
+          </a:xfrm>
+          <a:prstGeom prst="rect">
+            <a:avLst/>
+          </a:prstGeom>
+          <a:noFill/>
+          <a:ln>
+            <a:noFill/>
+          </a:ln>
+        </p:spPr>
+      </p:pic>
+    </p:spTree>
+  </p:cSld>
+  <p:clrMapOvr>
+    <a:masterClrMapping/>
+  </p:clrMapOvr>
+</p:sld>
+</file>
+
+<file path=ppt/slides/slide16.xml><?xml version="1.0" encoding="utf-8"?>
+<p:sld xmlns:a="http://schemas.openxmlformats.org/drawingml/2006/main" xmlns:r="http://schemas.openxmlformats.org/officeDocument/2006/relationships" xmlns:mc="http://schemas.openxmlformats.org/markup-compatibility/2006" xmlns:mv="urn:schemas-microsoft-com:mac:vml" xmlns:p="http://schemas.openxmlformats.org/presentationml/2006/main" xmlns:c="http://schemas.openxmlformats.org/drawingml/2006/chart" xmlns:dgm="http://schemas.openxmlformats.org/drawingml/2006/diagram" xmlns:o="urn:schemas-microsoft-com:office:office" xmlns:v="urn:schemas-microsoft-com:vml" xmlns:pvml="urn:schemas-microsoft-com:office:powerpoint" xmlns:com="http://schemas.openxmlformats.org/drawingml/2006/compatibility" xmlns:p14="http://schemas.microsoft.com/office/powerpoint/2010/main" xmlns:p15="http://schemas.microsoft.com/office/powerpoint/2012/main">
+  <p:cSld>
+    <p:spTree>
+      <p:nvGrpSpPr>
+        <p:cNvPr id="155" name="Shape 155"/>
+        <p:cNvGrpSpPr/>
+        <p:nvPr/>
+      </p:nvGrpSpPr>
+      <p:grpSpPr>
+        <a:xfrm>
+          <a:off x="0" y="0"/>
+          <a:ext cx="0" cy="0"/>
+          <a:chOff x="0" y="0"/>
+          <a:chExt cx="0" cy="0"/>
+        </a:xfrm>
+      </p:grpSpPr>
+      <p:sp>
+        <p:nvSpPr>
+          <p:cNvPr id="156" name="Google Shape;156;p28"/>
+          <p:cNvSpPr txBox="1"/>
+          <p:nvPr>
+            <p:ph type="title"/>
+          </p:nvPr>
+        </p:nvSpPr>
+        <p:spPr>
+          <a:xfrm>
+            <a:off x="662275" y="182800"/>
+            <a:ext cx="8102700" cy="572700"/>
+          </a:xfrm>
+          <a:prstGeom prst="rect">
+            <a:avLst/>
+          </a:prstGeom>
+          <a:noFill/>
+          <a:ln>
+            <a:noFill/>
+          </a:ln>
+        </p:spPr>
+        <p:txBody>
+          <a:bodyPr anchorCtr="0" anchor="t" bIns="91425" lIns="91425" spcFirstLastPara="1" rIns="91425" wrap="square" tIns="91425">
+            <a:noAutofit/>
+          </a:bodyPr>
+          <a:lstStyle/>
+          <a:p>
+            <a:pPr indent="0" lvl="0" marL="0" rtl="0" algn="l">
+              <a:lnSpc>
+                <a:spcPct val="100000"/>
+              </a:lnSpc>
+              <a:spcBef>
+                <a:spcPts val="0"/>
+              </a:spcBef>
+              <a:spcAft>
+                <a:spcPts val="0"/>
+              </a:spcAft>
+              <a:buSzPts val="3000"/>
+              <a:buNone/>
+            </a:pPr>
+            <a:r>
+              <a:rPr lang="en-US" sz="3200">
+                <a:solidFill>
+                  <a:schemeClr val="accent4"/>
+                </a:solidFill>
+              </a:rPr>
+              <a:t>Docker-build-and-publish</a:t>
+            </a:r>
+            <a:endParaRPr sz="3200">
+              <a:solidFill>
+                <a:schemeClr val="accent4"/>
+              </a:solidFill>
+            </a:endParaRPr>
+          </a:p>
+        </p:txBody>
+      </p:sp>
+      <p:pic>
+        <p:nvPicPr>
+          <p:cNvPr id="157" name="Google Shape;157;p28"/>
+          <p:cNvPicPr preferRelativeResize="0"/>
+          <p:nvPr/>
+        </p:nvPicPr>
+        <p:blipFill>
+          <a:blip r:embed="rId3">
+            <a:alphaModFix/>
+          </a:blip>
+          <a:stretch>
+            <a:fillRect/>
+          </a:stretch>
+        </p:blipFill>
+        <p:spPr>
+          <a:xfrm>
+            <a:off x="857850" y="755500"/>
+            <a:ext cx="7428302" cy="4083200"/>
           </a:xfrm>
           <a:prstGeom prst="rect">
             <a:avLst/>
@@ -13559,7 +13213,15 @@
                   <a:srgbClr val="FFFFFF"/>
                 </a:solidFill>
               </a:rPr>
-              <a:t>Faster time-to-market cycle</a:t>
+              <a:t>f</a:t>
+            </a:r>
+            <a:r>
+              <a:rPr lang="en-US" sz="2400">
+                <a:solidFill>
+                  <a:srgbClr val="FFFFFF"/>
+                </a:solidFill>
+              </a:rPr>
+              <a:t>aster time-to-market cycle</a:t>
             </a:r>
             <a:endParaRPr sz="2400">
               <a:solidFill>
@@ -13590,7 +13252,7 @@
                   <a:srgbClr val="FFFFFF"/>
                 </a:solidFill>
               </a:rPr>
-              <a:t>Productivity gain </a:t>
+              <a:t>productivity gain </a:t>
             </a:r>
             <a:endParaRPr sz="2400">
               <a:solidFill>
@@ -13621,7 +13283,7 @@
                   <a:srgbClr val="FFFFFF"/>
                 </a:solidFill>
               </a:rPr>
-              <a:t>Cost savings</a:t>
+              <a:t>cost savings</a:t>
             </a:r>
             <a:endParaRPr sz="2400">
               <a:solidFill>
@@ -13702,7 +13364,7 @@
                   <a:schemeClr val="accent4"/>
                 </a:solidFill>
               </a:rPr>
-              <a:t>Data Engineering Pipeline</a:t>
+              <a:t>Data Eng. Pipeline</a:t>
             </a:r>
             <a:endParaRPr sz="3200">
               <a:solidFill>
@@ -13927,8 +13589,8 @@
         </p:nvSpPr>
         <p:spPr>
           <a:xfrm>
-            <a:off x="833718" y="133000"/>
-            <a:ext cx="7310700" cy="572700"/>
+            <a:off x="544775" y="133000"/>
+            <a:ext cx="7367100" cy="572700"/>
           </a:xfrm>
           <a:prstGeom prst="rect">
             <a:avLst/>
@@ -13971,7 +13633,7 @@
                   <a:schemeClr val="accent4"/>
                 </a:solidFill>
               </a:rPr>
-              <a:t>Pipelines</a:t>
+              <a:t>Pipeline</a:t>
             </a:r>
             <a:r>
               <a:rPr lang="en-US" sz="3200">
@@ -14005,7 +13667,7 @@
         </p:blipFill>
         <p:spPr>
           <a:xfrm>
-            <a:off x="1149250" y="839000"/>
+            <a:off x="1066325" y="801775"/>
             <a:ext cx="6845492" cy="4133000"/>
           </a:xfrm>
           <a:prstGeom prst="rect">
@@ -14088,7 +13750,7 @@
                   <a:schemeClr val="accent4"/>
                 </a:solidFill>
               </a:rPr>
-              <a:t>Challenge 1 - Improved DE pipeline</a:t>
+              <a:t>Challenge - Improved DE pipeline</a:t>
             </a:r>
             <a:endParaRPr sz="3200">
               <a:solidFill>
@@ -14256,7 +13918,7 @@
                   <a:schemeClr val="dk1"/>
                 </a:solidFill>
               </a:rPr>
-              <a:t>fixed issue when uploading 2 files within the same minute.</a:t>
+              <a:t>fixed issue when uploading 2 files within the same minute</a:t>
             </a:r>
             <a:endParaRPr sz="2400">
               <a:solidFill>
@@ -14337,7 +13999,7 @@
                   <a:schemeClr val="accent4"/>
                 </a:solidFill>
               </a:rPr>
-              <a:t>Challenge 2 - </a:t>
+              <a:t>Challenge - W</a:t>
             </a:r>
             <a:r>
               <a:rPr lang="en-US" sz="3200">
@@ -14345,7 +14007,7 @@
                   <a:schemeClr val="accent4"/>
                 </a:solidFill>
               </a:rPr>
-              <a:t>worked-around </a:t>
+              <a:t>orked around </a:t>
             </a:r>
             <a:r>
               <a:rPr lang="en-US" sz="3200">
@@ -14462,7 +14124,7 @@
                   <a:schemeClr val="accent4"/>
                 </a:solidFill>
               </a:rPr>
-              <a:t>Challenge 3 - DB secrets in Lambda + Docker</a:t>
+              <a:t>Challenge - DB secrets in Lambda/Docker</a:t>
             </a:r>
             <a:endParaRPr sz="3200">
               <a:solidFill>
@@ -14521,7 +14183,7 @@
                   <a:schemeClr val="dk1"/>
                 </a:solidFill>
               </a:rPr>
-              <a:t>evaluated python client for </a:t>
+              <a:t>used python client for </a:t>
             </a:r>
             <a:r>
               <a:rPr lang="en-US" sz="2400">
@@ -14671,7 +14333,7 @@
             <a:tbl>
               <a:tblPr>
                 <a:noFill/>
-                <a:tableStyleId>{A1897019-7328-4CCF-8201-620AA9B9EFE4}</a:tableStyleId>
+                <a:tableStyleId>{262F9C6F-F9AB-4769-BB3A-9D0E97877ED1}</a:tableStyleId>
               </a:tblPr>
               <a:tblGrid>
                 <a:gridCol w="1014800"/>
@@ -14786,10 +14448,13 @@
                         <a:t>(</a:t>
                       </a:r>
                       <a:r>
-                        <a:rPr lang="en-US" sz="1200" u="sng">
+                        <a:rPr lang="en-US" sz="1200">
                           <a:solidFill>
                             <a:srgbClr val="FFF2CC"/>
                           </a:solidFill>
+                          <a:uFill>
+                            <a:noFill/>
+                          </a:uFill>
                           <a:latin typeface="Average"/>
                           <a:ea typeface="Average"/>
                           <a:cs typeface="Average"/>
@@ -14886,7 +14551,7 @@
                           <a:cs typeface="Average"/>
                           <a:sym typeface="Average"/>
                         </a:rPr>
-                        <a:t>walk through from git push to docker push </a:t>
+                        <a:t>walk through from git push to docker build ready </a:t>
                       </a:r>
                       <a:r>
                         <a:rPr lang="en-US" sz="1200">
@@ -15204,7 +14869,7 @@
                   <a:srgbClr val="F1C232"/>
                 </a:solidFill>
               </a:rPr>
-              <a:t>master data management</a:t>
+              <a:t>master database applications</a:t>
             </a:r>
             <a:endParaRPr>
               <a:solidFill>
@@ -15354,52 +15019,6 @@
                 </a:solidFill>
               </a:rPr>
               <a:t>each py4kids</a:t>
-            </a:r>
-            <a:endParaRPr>
-              <a:solidFill>
-                <a:srgbClr val="F1C232"/>
-              </a:solidFill>
-            </a:endParaRPr>
-          </a:p>
-          <a:p>
-            <a:pPr indent="457200" lvl="0" marL="457200" rtl="0" algn="l">
-              <a:lnSpc>
-                <a:spcPct val="115000"/>
-              </a:lnSpc>
-              <a:spcBef>
-                <a:spcPts val="0"/>
-              </a:spcBef>
-              <a:spcAft>
-                <a:spcPts val="0"/>
-              </a:spcAft>
-              <a:buNone/>
-            </a:pPr>
-            <a:r>
-              <a:rPr lang="en-US">
-                <a:solidFill>
-                  <a:srgbClr val="F1C232"/>
-                </a:solidFill>
-              </a:rPr>
-              <a:t>student named 2019 Regeneron STS Scholar</a:t>
-            </a:r>
-            <a:endParaRPr/>
-          </a:p>
-          <a:p>
-            <a:pPr indent="0" lvl="0" marL="0" rtl="0" algn="l">
-              <a:lnSpc>
-                <a:spcPct val="115000"/>
-              </a:lnSpc>
-              <a:spcBef>
-                <a:spcPts val="1600"/>
-              </a:spcBef>
-              <a:spcAft>
-                <a:spcPts val="1600"/>
-              </a:spcAft>
-              <a:buSzPts val="1800"/>
-              <a:buNone/>
-            </a:pPr>
-            <a:r>
-              <a:t/>
             </a:r>
             <a:endParaRPr>
               <a:solidFill>
@@ -15473,6 +15092,285 @@
 </file>
 
 <file path=ppt/theme/theme1.xml><?xml version="1.0" encoding="utf-8"?>
+<a:theme xmlns:a="http://schemas.openxmlformats.org/drawingml/2006/main" xmlns:r="http://schemas.openxmlformats.org/officeDocument/2006/relationships" name="Slate">
+  <a:themeElements>
+    <a:clrScheme name="Slate">
+      <a:dk1>
+        <a:srgbClr val="FFFFFF"/>
+      </a:dk1>
+      <a:lt1>
+        <a:srgbClr val="37474F"/>
+      </a:lt1>
+      <a:dk2>
+        <a:srgbClr val="9E9E9E"/>
+      </a:dk2>
+      <a:lt2>
+        <a:srgbClr val="E0E0E0"/>
+      </a:lt2>
+      <a:accent1>
+        <a:srgbClr val="616161"/>
+      </a:accent1>
+      <a:accent2>
+        <a:srgbClr val="78909C"/>
+      </a:accent2>
+      <a:accent3>
+        <a:srgbClr val="CACACA"/>
+      </a:accent3>
+      <a:accent4>
+        <a:srgbClr val="64FFDA"/>
+      </a:accent4>
+      <a:accent5>
+        <a:srgbClr val="FFD966"/>
+      </a:accent5>
+      <a:accent6>
+        <a:srgbClr val="F5F5F5"/>
+      </a:accent6>
+      <a:hlink>
+        <a:srgbClr val="FFD966"/>
+      </a:hlink>
+      <a:folHlink>
+        <a:srgbClr val="FFD966"/>
+      </a:folHlink>
+    </a:clrScheme>
+    <a:fontScheme name="Office">
+      <a:majorFont>
+        <a:latin typeface="Arial"/>
+        <a:ea typeface=""/>
+        <a:cs typeface=""/>
+        <a:font script="Jpan" typeface="ＭＳ Ｐゴシック"/>
+        <a:font script="Hang" typeface="맑은 고딕"/>
+        <a:font script="Hans" typeface="宋体"/>
+        <a:font script="Hant" typeface="新細明體"/>
+        <a:font script="Arab" typeface="Times New Roman"/>
+        <a:font script="Hebr" typeface="Times New Roman"/>
+        <a:font script="Thai" typeface="Angsana New"/>
+        <a:font script="Ethi" typeface="Nyala"/>
+        <a:font script="Beng" typeface="Vrinda"/>
+        <a:font script="Gujr" typeface="Shruti"/>
+        <a:font script="Khmr" typeface="MoolBoran"/>
+        <a:font script="Knda" typeface="Tunga"/>
+        <a:font script="Guru" typeface="Raavi"/>
+        <a:font script="Cans" typeface="Euphemia"/>
+        <a:font script="Cher" typeface="Plantagenet Cherokee"/>
+        <a:font script="Yiii" typeface="Microsoft Yi Baiti"/>
+        <a:font script="Tibt" typeface="Microsoft Himalaya"/>
+        <a:font script="Thaa" typeface="MV Boli"/>
+        <a:font script="Deva" typeface="Mangal"/>
+        <a:font script="Telu" typeface="Gautami"/>
+        <a:font script="Taml" typeface="Latha"/>
+        <a:font script="Syrc" typeface="Estrangelo Edessa"/>
+        <a:font script="Orya" typeface="Kalinga"/>
+        <a:font script="Mlym" typeface="Kartika"/>
+        <a:font script="Laoo" typeface="DokChampa"/>
+        <a:font script="Sinh" typeface="Iskoola Pota"/>
+        <a:font script="Mong" typeface="Mongolian Baiti"/>
+        <a:font script="Viet" typeface="Times New Roman"/>
+        <a:font script="Uigh" typeface="Microsoft Uighur"/>
+        <a:font script="Geor" typeface="Sylfaen"/>
+      </a:majorFont>
+      <a:minorFont>
+        <a:latin typeface="Arial"/>
+        <a:ea typeface=""/>
+        <a:cs typeface=""/>
+        <a:font script="Jpan" typeface="ＭＳ Ｐゴシック"/>
+        <a:font script="Hang" typeface="맑은 고딕"/>
+        <a:font script="Hans" typeface="宋体"/>
+        <a:font script="Hant" typeface="新細明體"/>
+        <a:font script="Arab" typeface="Arial"/>
+        <a:font script="Hebr" typeface="Arial"/>
+        <a:font script="Thai" typeface="Cordia New"/>
+        <a:font script="Ethi" typeface="Nyala"/>
+        <a:font script="Beng" typeface="Vrinda"/>
+        <a:font script="Gujr" typeface="Shruti"/>
+        <a:font script="Khmr" typeface="DaunPenh"/>
+        <a:font script="Knda" typeface="Tunga"/>
+        <a:font script="Guru" typeface="Raavi"/>
+        <a:font script="Cans" typeface="Euphemia"/>
+        <a:font script="Cher" typeface="Plantagenet Cherokee"/>
+        <a:font script="Yiii" typeface="Microsoft Yi Baiti"/>
+        <a:font script="Tibt" typeface="Microsoft Himalaya"/>
+        <a:font script="Thaa" typeface="MV Boli"/>
+        <a:font script="Deva" typeface="Mangal"/>
+        <a:font script="Telu" typeface="Gautami"/>
+        <a:font script="Taml" typeface="Latha"/>
+        <a:font script="Syrc" typeface="Estrangelo Edessa"/>
+        <a:font script="Orya" typeface="Kalinga"/>
+        <a:font script="Mlym" typeface="Kartika"/>
+        <a:font script="Laoo" typeface="DokChampa"/>
+        <a:font script="Sinh" typeface="Iskoola Pota"/>
+        <a:font script="Mong" typeface="Mongolian Baiti"/>
+        <a:font script="Viet" typeface="Arial"/>
+        <a:font script="Uigh" typeface="Microsoft Uighur"/>
+        <a:font script="Geor" typeface="Sylfaen"/>
+      </a:minorFont>
+    </a:fontScheme>
+    <a:fmtScheme name="Office">
+      <a:fillStyleLst>
+        <a:solidFill>
+          <a:schemeClr val="phClr"/>
+        </a:solidFill>
+        <a:gradFill rotWithShape="1">
+          <a:gsLst>
+            <a:gs pos="0">
+              <a:schemeClr val="phClr">
+                <a:tint val="50000"/>
+                <a:satMod val="300000"/>
+              </a:schemeClr>
+            </a:gs>
+            <a:gs pos="35000">
+              <a:schemeClr val="phClr">
+                <a:tint val="37000"/>
+                <a:satMod val="300000"/>
+              </a:schemeClr>
+            </a:gs>
+            <a:gs pos="100000">
+              <a:schemeClr val="phClr">
+                <a:tint val="15000"/>
+                <a:satMod val="350000"/>
+              </a:schemeClr>
+            </a:gs>
+          </a:gsLst>
+          <a:lin ang="16200000" scaled="1"/>
+        </a:gradFill>
+        <a:gradFill rotWithShape="1">
+          <a:gsLst>
+            <a:gs pos="0">
+              <a:schemeClr val="phClr">
+                <a:tint val="100000"/>
+                <a:shade val="100000"/>
+                <a:satMod val="130000"/>
+              </a:schemeClr>
+            </a:gs>
+            <a:gs pos="100000">
+              <a:schemeClr val="phClr">
+                <a:tint val="50000"/>
+                <a:shade val="100000"/>
+                <a:satMod val="350000"/>
+              </a:schemeClr>
+            </a:gs>
+          </a:gsLst>
+          <a:lin ang="16200000" scaled="0"/>
+        </a:gradFill>
+      </a:fillStyleLst>
+      <a:lnStyleLst>
+        <a:ln w="9525" cap="flat" cmpd="sng" algn="ctr">
+          <a:solidFill>
+            <a:schemeClr val="phClr">
+              <a:shade val="95000"/>
+              <a:satMod val="105000"/>
+            </a:schemeClr>
+          </a:solidFill>
+          <a:prstDash val="solid"/>
+        </a:ln>
+        <a:ln w="25400" cap="flat" cmpd="sng" algn="ctr">
+          <a:solidFill>
+            <a:schemeClr val="phClr"/>
+          </a:solidFill>
+          <a:prstDash val="solid"/>
+        </a:ln>
+        <a:ln w="38100" cap="flat" cmpd="sng" algn="ctr">
+          <a:solidFill>
+            <a:schemeClr val="phClr"/>
+          </a:solidFill>
+          <a:prstDash val="solid"/>
+        </a:ln>
+      </a:lnStyleLst>
+      <a:effectStyleLst>
+        <a:effectStyle>
+          <a:effectLst>
+            <a:outerShdw blurRad="40000" dist="20000" dir="5400000" rotWithShape="0">
+              <a:srgbClr val="000000">
+                <a:alpha val="38000"/>
+              </a:srgbClr>
+            </a:outerShdw>
+          </a:effectLst>
+        </a:effectStyle>
+        <a:effectStyle>
+          <a:effectLst>
+            <a:outerShdw blurRad="40000" dist="23000" dir="5400000" rotWithShape="0">
+              <a:srgbClr val="000000">
+                <a:alpha val="35000"/>
+              </a:srgbClr>
+            </a:outerShdw>
+          </a:effectLst>
+        </a:effectStyle>
+        <a:effectStyle>
+          <a:effectLst>
+            <a:outerShdw blurRad="40000" dist="23000" dir="5400000" rotWithShape="0">
+              <a:srgbClr val="000000">
+                <a:alpha val="35000"/>
+              </a:srgbClr>
+            </a:outerShdw>
+          </a:effectLst>
+          <a:scene3d>
+            <a:camera prst="orthographicFront">
+              <a:rot lat="0" lon="0" rev="0"/>
+            </a:camera>
+            <a:lightRig rig="threePt" dir="t">
+              <a:rot lat="0" lon="0" rev="1200000"/>
+            </a:lightRig>
+          </a:scene3d>
+          <a:sp3d>
+            <a:bevelT w="63500" h="25400"/>
+          </a:sp3d>
+        </a:effectStyle>
+      </a:effectStyleLst>
+      <a:bgFillStyleLst>
+        <a:solidFill>
+          <a:schemeClr val="phClr"/>
+        </a:solidFill>
+        <a:gradFill rotWithShape="1">
+          <a:gsLst>
+            <a:gs pos="0">
+              <a:schemeClr val="phClr">
+                <a:tint val="40000"/>
+                <a:satMod val="350000"/>
+              </a:schemeClr>
+            </a:gs>
+            <a:gs pos="40000">
+              <a:schemeClr val="phClr">
+                <a:tint val="45000"/>
+                <a:shade val="99000"/>
+                <a:satMod val="350000"/>
+              </a:schemeClr>
+            </a:gs>
+            <a:gs pos="100000">
+              <a:schemeClr val="phClr">
+                <a:shade val="20000"/>
+                <a:satMod val="255000"/>
+              </a:schemeClr>
+            </a:gs>
+          </a:gsLst>
+          <a:path path="circle">
+            <a:fillToRect l="50000" t="-80000" r="50000" b="180000"/>
+          </a:path>
+        </a:gradFill>
+        <a:gradFill rotWithShape="1">
+          <a:gsLst>
+            <a:gs pos="0">
+              <a:schemeClr val="phClr">
+                <a:tint val="80000"/>
+                <a:satMod val="300000"/>
+              </a:schemeClr>
+            </a:gs>
+            <a:gs pos="100000">
+              <a:schemeClr val="phClr">
+                <a:shade val="30000"/>
+                <a:satMod val="200000"/>
+              </a:schemeClr>
+            </a:gs>
+          </a:gsLst>
+          <a:path path="circle">
+            <a:fillToRect l="50000" t="50000" r="50000" b="50000"/>
+          </a:path>
+        </a:gradFill>
+      </a:bgFillStyleLst>
+    </a:fmtScheme>
+  </a:themeElements>
+</a:theme>
+</file>
+
+<file path=ppt/theme/theme2.xml><?xml version="1.0" encoding="utf-8"?>
 <a:theme xmlns:a="http://schemas.openxmlformats.org/drawingml/2006/main" xmlns:r="http://schemas.openxmlformats.org/officeDocument/2006/relationships">
   <a:themeElements>
     <a:clrScheme name="Default">
@@ -15749,283 +15647,4 @@
     </a:fmtScheme>
   </a:themeElements>
 </a:theme>
-</file>
-
-<file path=ppt/theme/theme2.xml><?xml version="1.0" encoding="utf-8"?>
-<a:theme xmlns:a="http://schemas.openxmlformats.org/drawingml/2006/main" xmlns:r="http://schemas.openxmlformats.org/officeDocument/2006/relationships" name="Slate">
-  <a:themeElements>
-    <a:clrScheme name="Slate">
-      <a:dk1>
-        <a:srgbClr val="FFFFFF"/>
-      </a:dk1>
-      <a:lt1>
-        <a:srgbClr val="37474F"/>
-      </a:lt1>
-      <a:dk2>
-        <a:srgbClr val="9E9E9E"/>
-      </a:dk2>
-      <a:lt2>
-        <a:srgbClr val="E0E0E0"/>
-      </a:lt2>
-      <a:accent1>
-        <a:srgbClr val="616161"/>
-      </a:accent1>
-      <a:accent2>
-        <a:srgbClr val="78909C"/>
-      </a:accent2>
-      <a:accent3>
-        <a:srgbClr val="CACACA"/>
-      </a:accent3>
-      <a:accent4>
-        <a:srgbClr val="64FFDA"/>
-      </a:accent4>
-      <a:accent5>
-        <a:srgbClr val="FFD966"/>
-      </a:accent5>
-      <a:accent6>
-        <a:srgbClr val="F5F5F5"/>
-      </a:accent6>
-      <a:hlink>
-        <a:srgbClr val="FFD966"/>
-      </a:hlink>
-      <a:folHlink>
-        <a:srgbClr val="FFD966"/>
-      </a:folHlink>
-    </a:clrScheme>
-    <a:fontScheme name="Office">
-      <a:majorFont>
-        <a:latin typeface="Arial"/>
-        <a:ea typeface=""/>
-        <a:cs typeface=""/>
-        <a:font script="Jpan" typeface="ＭＳ Ｐゴシック"/>
-        <a:font script="Hang" typeface="맑은 고딕"/>
-        <a:font script="Hans" typeface="宋体"/>
-        <a:font script="Hant" typeface="新細明體"/>
-        <a:font script="Arab" typeface="Times New Roman"/>
-        <a:font script="Hebr" typeface="Times New Roman"/>
-        <a:font script="Thai" typeface="Angsana New"/>
-        <a:font script="Ethi" typeface="Nyala"/>
-        <a:font script="Beng" typeface="Vrinda"/>
-        <a:font script="Gujr" typeface="Shruti"/>
-        <a:font script="Khmr" typeface="MoolBoran"/>
-        <a:font script="Knda" typeface="Tunga"/>
-        <a:font script="Guru" typeface="Raavi"/>
-        <a:font script="Cans" typeface="Euphemia"/>
-        <a:font script="Cher" typeface="Plantagenet Cherokee"/>
-        <a:font script="Yiii" typeface="Microsoft Yi Baiti"/>
-        <a:font script="Tibt" typeface="Microsoft Himalaya"/>
-        <a:font script="Thaa" typeface="MV Boli"/>
-        <a:font script="Deva" typeface="Mangal"/>
-        <a:font script="Telu" typeface="Gautami"/>
-        <a:font script="Taml" typeface="Latha"/>
-        <a:font script="Syrc" typeface="Estrangelo Edessa"/>
-        <a:font script="Orya" typeface="Kalinga"/>
-        <a:font script="Mlym" typeface="Kartika"/>
-        <a:font script="Laoo" typeface="DokChampa"/>
-        <a:font script="Sinh" typeface="Iskoola Pota"/>
-        <a:font script="Mong" typeface="Mongolian Baiti"/>
-        <a:font script="Viet" typeface="Times New Roman"/>
-        <a:font script="Uigh" typeface="Microsoft Uighur"/>
-        <a:font script="Geor" typeface="Sylfaen"/>
-      </a:majorFont>
-      <a:minorFont>
-        <a:latin typeface="Arial"/>
-        <a:ea typeface=""/>
-        <a:cs typeface=""/>
-        <a:font script="Jpan" typeface="ＭＳ Ｐゴシック"/>
-        <a:font script="Hang" typeface="맑은 고딕"/>
-        <a:font script="Hans" typeface="宋体"/>
-        <a:font script="Hant" typeface="新細明體"/>
-        <a:font script="Arab" typeface="Arial"/>
-        <a:font script="Hebr" typeface="Arial"/>
-        <a:font script="Thai" typeface="Cordia New"/>
-        <a:font script="Ethi" typeface="Nyala"/>
-        <a:font script="Beng" typeface="Vrinda"/>
-        <a:font script="Gujr" typeface="Shruti"/>
-        <a:font script="Khmr" typeface="DaunPenh"/>
-        <a:font script="Knda" typeface="Tunga"/>
-        <a:font script="Guru" typeface="Raavi"/>
-        <a:font script="Cans" typeface="Euphemia"/>
-        <a:font script="Cher" typeface="Plantagenet Cherokee"/>
-        <a:font script="Yiii" typeface="Microsoft Yi Baiti"/>
-        <a:font script="Tibt" typeface="Microsoft Himalaya"/>
-        <a:font script="Thaa" typeface="MV Boli"/>
-        <a:font script="Deva" typeface="Mangal"/>
-        <a:font script="Telu" typeface="Gautami"/>
-        <a:font script="Taml" typeface="Latha"/>
-        <a:font script="Syrc" typeface="Estrangelo Edessa"/>
-        <a:font script="Orya" typeface="Kalinga"/>
-        <a:font script="Mlym" typeface="Kartika"/>
-        <a:font script="Laoo" typeface="DokChampa"/>
-        <a:font script="Sinh" typeface="Iskoola Pota"/>
-        <a:font script="Mong" typeface="Mongolian Baiti"/>
-        <a:font script="Viet" typeface="Arial"/>
-        <a:font script="Uigh" typeface="Microsoft Uighur"/>
-        <a:font script="Geor" typeface="Sylfaen"/>
-      </a:minorFont>
-    </a:fontScheme>
-    <a:fmtScheme name="Office">
-      <a:fillStyleLst>
-        <a:solidFill>
-          <a:schemeClr val="phClr"/>
-        </a:solidFill>
-        <a:gradFill rotWithShape="1">
-          <a:gsLst>
-            <a:gs pos="0">
-              <a:schemeClr val="phClr">
-                <a:tint val="50000"/>
-                <a:satMod val="300000"/>
-              </a:schemeClr>
-            </a:gs>
-            <a:gs pos="35000">
-              <a:schemeClr val="phClr">
-                <a:tint val="37000"/>
-                <a:satMod val="300000"/>
-              </a:schemeClr>
-            </a:gs>
-            <a:gs pos="100000">
-              <a:schemeClr val="phClr">
-                <a:tint val="15000"/>
-                <a:satMod val="350000"/>
-              </a:schemeClr>
-            </a:gs>
-          </a:gsLst>
-          <a:lin ang="16200000" scaled="1"/>
-        </a:gradFill>
-        <a:gradFill rotWithShape="1">
-          <a:gsLst>
-            <a:gs pos="0">
-              <a:schemeClr val="phClr">
-                <a:tint val="100000"/>
-                <a:shade val="100000"/>
-                <a:satMod val="130000"/>
-              </a:schemeClr>
-            </a:gs>
-            <a:gs pos="100000">
-              <a:schemeClr val="phClr">
-                <a:tint val="50000"/>
-                <a:shade val="100000"/>
-                <a:satMod val="350000"/>
-              </a:schemeClr>
-            </a:gs>
-          </a:gsLst>
-          <a:lin ang="16200000" scaled="0"/>
-        </a:gradFill>
-      </a:fillStyleLst>
-      <a:lnStyleLst>
-        <a:ln w="9525" cap="flat" cmpd="sng" algn="ctr">
-          <a:solidFill>
-            <a:schemeClr val="phClr">
-              <a:shade val="95000"/>
-              <a:satMod val="105000"/>
-            </a:schemeClr>
-          </a:solidFill>
-          <a:prstDash val="solid"/>
-        </a:ln>
-        <a:ln w="25400" cap="flat" cmpd="sng" algn="ctr">
-          <a:solidFill>
-            <a:schemeClr val="phClr"/>
-          </a:solidFill>
-          <a:prstDash val="solid"/>
-        </a:ln>
-        <a:ln w="38100" cap="flat" cmpd="sng" algn="ctr">
-          <a:solidFill>
-            <a:schemeClr val="phClr"/>
-          </a:solidFill>
-          <a:prstDash val="solid"/>
-        </a:ln>
-      </a:lnStyleLst>
-      <a:effectStyleLst>
-        <a:effectStyle>
-          <a:effectLst>
-            <a:outerShdw blurRad="40000" dist="20000" dir="5400000" rotWithShape="0">
-              <a:srgbClr val="000000">
-                <a:alpha val="38000"/>
-              </a:srgbClr>
-            </a:outerShdw>
-          </a:effectLst>
-        </a:effectStyle>
-        <a:effectStyle>
-          <a:effectLst>
-            <a:outerShdw blurRad="40000" dist="23000" dir="5400000" rotWithShape="0">
-              <a:srgbClr val="000000">
-                <a:alpha val="35000"/>
-              </a:srgbClr>
-            </a:outerShdw>
-          </a:effectLst>
-        </a:effectStyle>
-        <a:effectStyle>
-          <a:effectLst>
-            <a:outerShdw blurRad="40000" dist="23000" dir="5400000" rotWithShape="0">
-              <a:srgbClr val="000000">
-                <a:alpha val="35000"/>
-              </a:srgbClr>
-            </a:outerShdw>
-          </a:effectLst>
-          <a:scene3d>
-            <a:camera prst="orthographicFront">
-              <a:rot lat="0" lon="0" rev="0"/>
-            </a:camera>
-            <a:lightRig rig="threePt" dir="t">
-              <a:rot lat="0" lon="0" rev="1200000"/>
-            </a:lightRig>
-          </a:scene3d>
-          <a:sp3d>
-            <a:bevelT w="63500" h="25400"/>
-          </a:sp3d>
-        </a:effectStyle>
-      </a:effectStyleLst>
-      <a:bgFillStyleLst>
-        <a:solidFill>
-          <a:schemeClr val="phClr"/>
-        </a:solidFill>
-        <a:gradFill rotWithShape="1">
-          <a:gsLst>
-            <a:gs pos="0">
-              <a:schemeClr val="phClr">
-                <a:tint val="40000"/>
-                <a:satMod val="350000"/>
-              </a:schemeClr>
-            </a:gs>
-            <a:gs pos="40000">
-              <a:schemeClr val="phClr">
-                <a:tint val="45000"/>
-                <a:shade val="99000"/>
-                <a:satMod val="350000"/>
-              </a:schemeClr>
-            </a:gs>
-            <a:gs pos="100000">
-              <a:schemeClr val="phClr">
-                <a:shade val="20000"/>
-                <a:satMod val="255000"/>
-              </a:schemeClr>
-            </a:gs>
-          </a:gsLst>
-          <a:path path="circle">
-            <a:fillToRect l="50000" t="-80000" r="50000" b="180000"/>
-          </a:path>
-        </a:gradFill>
-        <a:gradFill rotWithShape="1">
-          <a:gsLst>
-            <a:gs pos="0">
-              <a:schemeClr val="phClr">
-                <a:tint val="80000"/>
-                <a:satMod val="300000"/>
-              </a:schemeClr>
-            </a:gs>
-            <a:gs pos="100000">
-              <a:schemeClr val="phClr">
-                <a:shade val="30000"/>
-                <a:satMod val="200000"/>
-              </a:schemeClr>
-            </a:gs>
-          </a:gsLst>
-          <a:path path="circle">
-            <a:fillToRect l="50000" t="50000" r="50000" b="50000"/>
-          </a:path>
-        </a:gradFill>
-      </a:bgFillStyleLst>
-    </a:fmtScheme>
-  </a:themeElements>
-</a:theme>
 </file>